--- a/授業資料/演習課題：map.pptx
+++ b/授業資料/演習課題：map.pptx
@@ -15,6 +15,7 @@
     <p:sldId id="420" r:id="rId9"/>
     <p:sldId id="421" r:id="rId10"/>
     <p:sldId id="422" r:id="rId11"/>
+    <p:sldId id="423" r:id="rId12"/>
   </p:sldIdLst>
   <p:sldSz cx="12192000" cy="6858000"/>
   <p:notesSz cx="6858000" cy="9144000"/>
@@ -252,7 +253,7 @@
           <a:p>
             <a:fld id="{5B96D3F8-CD2E-4A0D-AC38-517181EABB18}" type="datetimeFigureOut">
               <a:rPr kumimoji="1" lang="ja-JP" altLang="en-US" smtClean="0"/>
-              <a:t>2024/10/22</a:t>
+              <a:t>2024/10/23</a:t>
             </a:fld>
             <a:endParaRPr kumimoji="1" lang="ja-JP" altLang="en-US"/>
           </a:p>
@@ -454,7 +455,7 @@
           <a:p>
             <a:fld id="{5B96D3F8-CD2E-4A0D-AC38-517181EABB18}" type="datetimeFigureOut">
               <a:rPr kumimoji="1" lang="ja-JP" altLang="en-US" smtClean="0"/>
-              <a:t>2024/10/22</a:t>
+              <a:t>2024/10/23</a:t>
             </a:fld>
             <a:endParaRPr kumimoji="1" lang="ja-JP" altLang="en-US"/>
           </a:p>
@@ -666,7 +667,7 @@
           <a:p>
             <a:fld id="{5B96D3F8-CD2E-4A0D-AC38-517181EABB18}" type="datetimeFigureOut">
               <a:rPr kumimoji="1" lang="ja-JP" altLang="en-US" smtClean="0"/>
-              <a:t>2024/10/22</a:t>
+              <a:t>2024/10/23</a:t>
             </a:fld>
             <a:endParaRPr kumimoji="1" lang="ja-JP" altLang="en-US"/>
           </a:p>
@@ -868,7 +869,7 @@
           <a:p>
             <a:fld id="{5B96D3F8-CD2E-4A0D-AC38-517181EABB18}" type="datetimeFigureOut">
               <a:rPr kumimoji="1" lang="ja-JP" altLang="en-US" smtClean="0"/>
-              <a:t>2024/10/22</a:t>
+              <a:t>2024/10/23</a:t>
             </a:fld>
             <a:endParaRPr kumimoji="1" lang="ja-JP" altLang="en-US"/>
           </a:p>
@@ -1114,7 +1115,7 @@
           <a:p>
             <a:fld id="{5B96D3F8-CD2E-4A0D-AC38-517181EABB18}" type="datetimeFigureOut">
               <a:rPr kumimoji="1" lang="ja-JP" altLang="en-US" smtClean="0"/>
-              <a:t>2024/10/22</a:t>
+              <a:t>2024/10/23</a:t>
             </a:fld>
             <a:endParaRPr kumimoji="1" lang="ja-JP" altLang="en-US"/>
           </a:p>
@@ -1410,7 +1411,7 @@
           <a:p>
             <a:fld id="{5B96D3F8-CD2E-4A0D-AC38-517181EABB18}" type="datetimeFigureOut">
               <a:rPr kumimoji="1" lang="ja-JP" altLang="en-US" smtClean="0"/>
-              <a:t>2024/10/22</a:t>
+              <a:t>2024/10/23</a:t>
             </a:fld>
             <a:endParaRPr kumimoji="1" lang="ja-JP" altLang="en-US"/>
           </a:p>
@@ -1841,7 +1842,7 @@
           <a:p>
             <a:fld id="{5B96D3F8-CD2E-4A0D-AC38-517181EABB18}" type="datetimeFigureOut">
               <a:rPr kumimoji="1" lang="ja-JP" altLang="en-US" smtClean="0"/>
-              <a:t>2024/10/22</a:t>
+              <a:t>2024/10/23</a:t>
             </a:fld>
             <a:endParaRPr kumimoji="1" lang="ja-JP" altLang="en-US"/>
           </a:p>
@@ -1959,7 +1960,7 @@
           <a:p>
             <a:fld id="{5B96D3F8-CD2E-4A0D-AC38-517181EABB18}" type="datetimeFigureOut">
               <a:rPr kumimoji="1" lang="ja-JP" altLang="en-US" smtClean="0"/>
-              <a:t>2024/10/22</a:t>
+              <a:t>2024/10/23</a:t>
             </a:fld>
             <a:endParaRPr kumimoji="1" lang="ja-JP" altLang="en-US"/>
           </a:p>
@@ -2054,7 +2055,7 @@
           <a:p>
             <a:fld id="{5B96D3F8-CD2E-4A0D-AC38-517181EABB18}" type="datetimeFigureOut">
               <a:rPr kumimoji="1" lang="ja-JP" altLang="en-US" smtClean="0"/>
-              <a:t>2024/10/22</a:t>
+              <a:t>2024/10/23</a:t>
             </a:fld>
             <a:endParaRPr kumimoji="1" lang="ja-JP" altLang="en-US"/>
           </a:p>
@@ -2363,7 +2364,7 @@
           <a:p>
             <a:fld id="{5B96D3F8-CD2E-4A0D-AC38-517181EABB18}" type="datetimeFigureOut">
               <a:rPr kumimoji="1" lang="ja-JP" altLang="en-US" smtClean="0"/>
-              <a:t>2024/10/22</a:t>
+              <a:t>2024/10/23</a:t>
             </a:fld>
             <a:endParaRPr kumimoji="1" lang="ja-JP" altLang="en-US"/>
           </a:p>
@@ -2620,7 +2621,7 @@
           <a:p>
             <a:fld id="{5B96D3F8-CD2E-4A0D-AC38-517181EABB18}" type="datetimeFigureOut">
               <a:rPr kumimoji="1" lang="ja-JP" altLang="en-US" smtClean="0"/>
-              <a:t>2024/10/22</a:t>
+              <a:t>2024/10/23</a:t>
             </a:fld>
             <a:endParaRPr kumimoji="1" lang="ja-JP" altLang="en-US"/>
           </a:p>
@@ -2865,7 +2866,7 @@
           <a:p>
             <a:fld id="{5B96D3F8-CD2E-4A0D-AC38-517181EABB18}" type="datetimeFigureOut">
               <a:rPr kumimoji="1" lang="ja-JP" altLang="en-US" smtClean="0"/>
-              <a:t>2024/10/22</a:t>
+              <a:t>2024/10/23</a:t>
             </a:fld>
             <a:endParaRPr kumimoji="1" lang="ja-JP" altLang="en-US"/>
           </a:p>
@@ -4358,6 +4359,259 @@
 </p:sld>
 </file>
 
+<file path=ppt/slides/slide11.xml><?xml version="1.0" encoding="utf-8"?>
+<p:sld xmlns:a="http://schemas.openxmlformats.org/drawingml/2006/main" xmlns:r="http://schemas.openxmlformats.org/officeDocument/2006/relationships" xmlns:p="http://schemas.openxmlformats.org/presentationml/2006/main">
+  <p:cSld>
+    <p:spTree>
+      <p:nvGrpSpPr>
+        <p:cNvPr id="1" name=""/>
+        <p:cNvGrpSpPr/>
+        <p:nvPr/>
+      </p:nvGrpSpPr>
+      <p:grpSpPr>
+        <a:xfrm>
+          <a:off x="0" y="0"/>
+          <a:ext cx="0" cy="0"/>
+          <a:chOff x="0" y="0"/>
+          <a:chExt cx="0" cy="0"/>
+        </a:xfrm>
+      </p:grpSpPr>
+      <p:sp>
+        <p:nvSpPr>
+          <p:cNvPr id="2" name="タイトル 1">
+            <a:extLst>
+              <a:ext uri="{FF2B5EF4-FFF2-40B4-BE49-F238E27FC236}">
+                <a16:creationId xmlns:a16="http://schemas.microsoft.com/office/drawing/2014/main" id="{EC1D9B36-FFC2-4D52-A2A6-FEEE7804F5FA}"/>
+              </a:ext>
+            </a:extLst>
+          </p:cNvPr>
+          <p:cNvSpPr>
+            <a:spLocks noGrp="1"/>
+          </p:cNvSpPr>
+          <p:nvPr>
+            <p:ph type="title"/>
+          </p:nvPr>
+        </p:nvSpPr>
+        <p:spPr/>
+        <p:txBody>
+          <a:bodyPr>
+            <a:normAutofit/>
+          </a:bodyPr>
+          <a:lstStyle/>
+          <a:p>
+            <a:r>
+              <a:rPr kumimoji="1" lang="ja-JP" altLang="en-US" dirty="0"/>
+              <a:t>演習：</a:t>
+            </a:r>
+            <a:r>
+              <a:rPr kumimoji="1" lang="en-US" altLang="ja-JP" dirty="0"/>
+              <a:t>map</a:t>
+            </a:r>
+            <a:endParaRPr kumimoji="1" lang="ja-JP" altLang="en-US" dirty="0"/>
+          </a:p>
+        </p:txBody>
+      </p:sp>
+      <p:sp>
+        <p:nvSpPr>
+          <p:cNvPr id="3" name="コンテンツ プレースホルダー 2">
+            <a:extLst>
+              <a:ext uri="{FF2B5EF4-FFF2-40B4-BE49-F238E27FC236}">
+                <a16:creationId xmlns:a16="http://schemas.microsoft.com/office/drawing/2014/main" id="{534285BC-9209-40FB-8017-B7672579046F}"/>
+              </a:ext>
+            </a:extLst>
+          </p:cNvPr>
+          <p:cNvSpPr>
+            <a:spLocks noGrp="1"/>
+          </p:cNvSpPr>
+          <p:nvPr>
+            <p:ph idx="1"/>
+          </p:nvPr>
+        </p:nvSpPr>
+        <p:spPr>
+          <a:xfrm>
+            <a:off x="430306" y="1376038"/>
+            <a:ext cx="11654118" cy="5329562"/>
+          </a:xfrm>
+        </p:spPr>
+        <p:txBody>
+          <a:bodyPr>
+            <a:normAutofit/>
+          </a:bodyPr>
+          <a:lstStyle/>
+          <a:p>
+            <a:r>
+              <a:rPr lang="en-US" altLang="ja-JP" dirty="0"/>
+              <a:t>C++</a:t>
+            </a:r>
+            <a:r>
+              <a:rPr lang="ja-JP" altLang="en-US" dirty="0"/>
+              <a:t>作業フォルダ内に</a:t>
+            </a:r>
+            <a:r>
+              <a:rPr lang="en-US" altLang="ja-JP" b="1" dirty="0"/>
+              <a:t>PracMap2</a:t>
+            </a:r>
+            <a:r>
+              <a:rPr lang="ja-JP" altLang="en-US" dirty="0"/>
+              <a:t>フォルダを作成</a:t>
+            </a:r>
+            <a:br>
+              <a:rPr lang="en-US" altLang="ja-JP" dirty="0">
+                <a:solidFill>
+                  <a:srgbClr val="0070C0"/>
+                </a:solidFill>
+              </a:rPr>
+            </a:br>
+            <a:r>
+              <a:rPr lang="en-US" altLang="ja-JP" dirty="0" err="1">
+                <a:solidFill>
+                  <a:srgbClr val="0070C0"/>
+                </a:solidFill>
+              </a:rPr>
+              <a:t>mkdir</a:t>
+            </a:r>
+            <a:r>
+              <a:rPr lang="en-US" altLang="ja-JP" dirty="0">
+                <a:solidFill>
+                  <a:srgbClr val="0070C0"/>
+                </a:solidFill>
+              </a:rPr>
+              <a:t> PracMap2</a:t>
+            </a:r>
+            <a:br>
+              <a:rPr lang="en-US" altLang="ja-JP" dirty="0">
+                <a:solidFill>
+                  <a:srgbClr val="0070C0"/>
+                </a:solidFill>
+              </a:rPr>
+            </a:br>
+            <a:r>
+              <a:rPr lang="en-US" altLang="ja-JP" dirty="0">
+                <a:solidFill>
+                  <a:srgbClr val="0070C0"/>
+                </a:solidFill>
+              </a:rPr>
+              <a:t>cd PracMap2</a:t>
+            </a:r>
+            <a:br>
+              <a:rPr lang="en-US" altLang="ja-JP" dirty="0">
+                <a:solidFill>
+                  <a:srgbClr val="0070C0"/>
+                </a:solidFill>
+              </a:rPr>
+            </a:br>
+            <a:endParaRPr lang="en-US" altLang="ja-JP" dirty="0">
+              <a:solidFill>
+                <a:srgbClr val="0070C0"/>
+              </a:solidFill>
+            </a:endParaRPr>
+          </a:p>
+          <a:p>
+            <a:r>
+              <a:rPr kumimoji="1" lang="en-US" altLang="ja-JP" b="1"/>
+              <a:t>PracMap2</a:t>
+            </a:r>
+            <a:r>
+              <a:rPr kumimoji="1" lang="ja-JP" altLang="en-US"/>
+              <a:t>フォルダ内</a:t>
+            </a:r>
+            <a:r>
+              <a:rPr kumimoji="1" lang="ja-JP" altLang="en-US" dirty="0"/>
+              <a:t>に </a:t>
+            </a:r>
+            <a:r>
+              <a:rPr lang="en-US" altLang="ja-JP" dirty="0"/>
+              <a:t>main.cpp </a:t>
+            </a:r>
+            <a:r>
+              <a:rPr lang="ja-JP" altLang="en-US" dirty="0"/>
+              <a:t>を作成する</a:t>
+            </a:r>
+            <a:br>
+              <a:rPr lang="en-US" altLang="ja-JP" dirty="0">
+                <a:solidFill>
+                  <a:srgbClr val="0070C0"/>
+                </a:solidFill>
+              </a:rPr>
+            </a:br>
+            <a:r>
+              <a:rPr lang="en-US" altLang="ja-JP" dirty="0">
+                <a:solidFill>
+                  <a:srgbClr val="0070C0"/>
+                </a:solidFill>
+              </a:rPr>
+              <a:t>copy </a:t>
+            </a:r>
+            <a:r>
+              <a:rPr lang="en-US" altLang="ja-JP" dirty="0" err="1">
+                <a:solidFill>
+                  <a:srgbClr val="0070C0"/>
+                </a:solidFill>
+              </a:rPr>
+              <a:t>nul</a:t>
+            </a:r>
+            <a:r>
+              <a:rPr lang="en-US" altLang="ja-JP" dirty="0">
+                <a:solidFill>
+                  <a:srgbClr val="0070C0"/>
+                </a:solidFill>
+              </a:rPr>
+              <a:t> main.cpp</a:t>
+            </a:r>
+            <a:br>
+              <a:rPr lang="en-US" altLang="ja-JP" dirty="0">
+                <a:solidFill>
+                  <a:srgbClr val="0070C0"/>
+                </a:solidFill>
+              </a:rPr>
+            </a:br>
+            <a:endParaRPr lang="en-US" altLang="ja-JP" dirty="0">
+              <a:solidFill>
+                <a:srgbClr val="0070C0"/>
+              </a:solidFill>
+            </a:endParaRPr>
+          </a:p>
+          <a:p>
+            <a:r>
+              <a:rPr lang="en-US" altLang="ja-JP" dirty="0"/>
+              <a:t>main.cpp </a:t>
+            </a:r>
+            <a:r>
+              <a:rPr lang="ja-JP" altLang="en-US" dirty="0"/>
+              <a:t>を</a:t>
+            </a:r>
+            <a:r>
+              <a:rPr lang="en-US" altLang="ja-JP" dirty="0" err="1"/>
+              <a:t>VisualStudio</a:t>
+            </a:r>
+            <a:r>
+              <a:rPr lang="ja-JP" altLang="en-US" dirty="0"/>
+              <a:t>で開く</a:t>
+            </a:r>
+            <a:br>
+              <a:rPr lang="en-US" altLang="ja-JP" dirty="0"/>
+            </a:br>
+            <a:endParaRPr kumimoji="1" lang="ja-JP" altLang="en-US" dirty="0">
+              <a:solidFill>
+                <a:srgbClr val="0070C0"/>
+              </a:solidFill>
+            </a:endParaRPr>
+          </a:p>
+        </p:txBody>
+      </p:sp>
+    </p:spTree>
+    <p:extLst>
+      <p:ext uri="{BB962C8B-B14F-4D97-AF65-F5344CB8AC3E}">
+        <p14:creationId xmlns:p14="http://schemas.microsoft.com/office/powerpoint/2010/main" val="3138684667"/>
+      </p:ext>
+    </p:extLst>
+  </p:cSld>
+  <p:clrMapOvr>
+    <a:masterClrMapping/>
+  </p:clrMapOvr>
+</p:sld>
+</file>
+
 <file path=ppt/slides/slide2.xml><?xml version="1.0" encoding="utf-8"?>
 <p:sld xmlns:a="http://schemas.openxmlformats.org/drawingml/2006/main" xmlns:r="http://schemas.openxmlformats.org/officeDocument/2006/relationships" xmlns:p="http://schemas.openxmlformats.org/presentationml/2006/main">
   <p:cSld>

--- a/授業資料/演習課題：map.pptx
+++ b/授業資料/演習課題：map.pptx
@@ -16,6 +16,15 @@
     <p:sldId id="421" r:id="rId10"/>
     <p:sldId id="422" r:id="rId11"/>
     <p:sldId id="423" r:id="rId12"/>
+    <p:sldId id="424" r:id="rId13"/>
+    <p:sldId id="425" r:id="rId14"/>
+    <p:sldId id="427" r:id="rId15"/>
+    <p:sldId id="426" r:id="rId16"/>
+    <p:sldId id="428" r:id="rId17"/>
+    <p:sldId id="429" r:id="rId18"/>
+    <p:sldId id="430" r:id="rId19"/>
+    <p:sldId id="431" r:id="rId20"/>
+    <p:sldId id="432" r:id="rId21"/>
   </p:sldIdLst>
   <p:sldSz cx="12192000" cy="6858000"/>
   <p:notesSz cx="6858000" cy="9144000"/>
@@ -253,7 +262,7 @@
           <a:p>
             <a:fld id="{5B96D3F8-CD2E-4A0D-AC38-517181EABB18}" type="datetimeFigureOut">
               <a:rPr kumimoji="1" lang="ja-JP" altLang="en-US" smtClean="0"/>
-              <a:t>2024/10/23</a:t>
+              <a:t>2024/10/24</a:t>
             </a:fld>
             <a:endParaRPr kumimoji="1" lang="ja-JP" altLang="en-US"/>
           </a:p>
@@ -455,7 +464,7 @@
           <a:p>
             <a:fld id="{5B96D3F8-CD2E-4A0D-AC38-517181EABB18}" type="datetimeFigureOut">
               <a:rPr kumimoji="1" lang="ja-JP" altLang="en-US" smtClean="0"/>
-              <a:t>2024/10/23</a:t>
+              <a:t>2024/10/24</a:t>
             </a:fld>
             <a:endParaRPr kumimoji="1" lang="ja-JP" altLang="en-US"/>
           </a:p>
@@ -667,7 +676,7 @@
           <a:p>
             <a:fld id="{5B96D3F8-CD2E-4A0D-AC38-517181EABB18}" type="datetimeFigureOut">
               <a:rPr kumimoji="1" lang="ja-JP" altLang="en-US" smtClean="0"/>
-              <a:t>2024/10/23</a:t>
+              <a:t>2024/10/24</a:t>
             </a:fld>
             <a:endParaRPr kumimoji="1" lang="ja-JP" altLang="en-US"/>
           </a:p>
@@ -869,7 +878,7 @@
           <a:p>
             <a:fld id="{5B96D3F8-CD2E-4A0D-AC38-517181EABB18}" type="datetimeFigureOut">
               <a:rPr kumimoji="1" lang="ja-JP" altLang="en-US" smtClean="0"/>
-              <a:t>2024/10/23</a:t>
+              <a:t>2024/10/24</a:t>
             </a:fld>
             <a:endParaRPr kumimoji="1" lang="ja-JP" altLang="en-US"/>
           </a:p>
@@ -1115,7 +1124,7 @@
           <a:p>
             <a:fld id="{5B96D3F8-CD2E-4A0D-AC38-517181EABB18}" type="datetimeFigureOut">
               <a:rPr kumimoji="1" lang="ja-JP" altLang="en-US" smtClean="0"/>
-              <a:t>2024/10/23</a:t>
+              <a:t>2024/10/24</a:t>
             </a:fld>
             <a:endParaRPr kumimoji="1" lang="ja-JP" altLang="en-US"/>
           </a:p>
@@ -1411,7 +1420,7 @@
           <a:p>
             <a:fld id="{5B96D3F8-CD2E-4A0D-AC38-517181EABB18}" type="datetimeFigureOut">
               <a:rPr kumimoji="1" lang="ja-JP" altLang="en-US" smtClean="0"/>
-              <a:t>2024/10/23</a:t>
+              <a:t>2024/10/24</a:t>
             </a:fld>
             <a:endParaRPr kumimoji="1" lang="ja-JP" altLang="en-US"/>
           </a:p>
@@ -1842,7 +1851,7 @@
           <a:p>
             <a:fld id="{5B96D3F8-CD2E-4A0D-AC38-517181EABB18}" type="datetimeFigureOut">
               <a:rPr kumimoji="1" lang="ja-JP" altLang="en-US" smtClean="0"/>
-              <a:t>2024/10/23</a:t>
+              <a:t>2024/10/24</a:t>
             </a:fld>
             <a:endParaRPr kumimoji="1" lang="ja-JP" altLang="en-US"/>
           </a:p>
@@ -1960,7 +1969,7 @@
           <a:p>
             <a:fld id="{5B96D3F8-CD2E-4A0D-AC38-517181EABB18}" type="datetimeFigureOut">
               <a:rPr kumimoji="1" lang="ja-JP" altLang="en-US" smtClean="0"/>
-              <a:t>2024/10/23</a:t>
+              <a:t>2024/10/24</a:t>
             </a:fld>
             <a:endParaRPr kumimoji="1" lang="ja-JP" altLang="en-US"/>
           </a:p>
@@ -2055,7 +2064,7 @@
           <a:p>
             <a:fld id="{5B96D3F8-CD2E-4A0D-AC38-517181EABB18}" type="datetimeFigureOut">
               <a:rPr kumimoji="1" lang="ja-JP" altLang="en-US" smtClean="0"/>
-              <a:t>2024/10/23</a:t>
+              <a:t>2024/10/24</a:t>
             </a:fld>
             <a:endParaRPr kumimoji="1" lang="ja-JP" altLang="en-US"/>
           </a:p>
@@ -2364,7 +2373,7 @@
           <a:p>
             <a:fld id="{5B96D3F8-CD2E-4A0D-AC38-517181EABB18}" type="datetimeFigureOut">
               <a:rPr kumimoji="1" lang="ja-JP" altLang="en-US" smtClean="0"/>
-              <a:t>2024/10/23</a:t>
+              <a:t>2024/10/24</a:t>
             </a:fld>
             <a:endParaRPr kumimoji="1" lang="ja-JP" altLang="en-US"/>
           </a:p>
@@ -2621,7 +2630,7 @@
           <a:p>
             <a:fld id="{5B96D3F8-CD2E-4A0D-AC38-517181EABB18}" type="datetimeFigureOut">
               <a:rPr kumimoji="1" lang="ja-JP" altLang="en-US" smtClean="0"/>
-              <a:t>2024/10/23</a:t>
+              <a:t>2024/10/24</a:t>
             </a:fld>
             <a:endParaRPr kumimoji="1" lang="ja-JP" altLang="en-US"/>
           </a:p>
@@ -2866,7 +2875,7 @@
           <a:p>
             <a:fld id="{5B96D3F8-CD2E-4A0D-AC38-517181EABB18}" type="datetimeFigureOut">
               <a:rPr kumimoji="1" lang="ja-JP" altLang="en-US" smtClean="0"/>
-              <a:t>2024/10/23</a:t>
+              <a:t>2024/10/24</a:t>
             </a:fld>
             <a:endParaRPr kumimoji="1" lang="ja-JP" altLang="en-US"/>
           </a:p>
@@ -4612,6 +4621,5108 @@
 </p:sld>
 </file>
 
+<file path=ppt/slides/slide12.xml><?xml version="1.0" encoding="utf-8"?>
+<p:sld xmlns:a="http://schemas.openxmlformats.org/drawingml/2006/main" xmlns:r="http://schemas.openxmlformats.org/officeDocument/2006/relationships" xmlns:p="http://schemas.openxmlformats.org/presentationml/2006/main">
+  <p:cSld>
+    <p:spTree>
+      <p:nvGrpSpPr>
+        <p:cNvPr id="1" name=""/>
+        <p:cNvGrpSpPr/>
+        <p:nvPr/>
+      </p:nvGrpSpPr>
+      <p:grpSpPr>
+        <a:xfrm>
+          <a:off x="0" y="0"/>
+          <a:ext cx="0" cy="0"/>
+          <a:chOff x="0" y="0"/>
+          <a:chExt cx="0" cy="0"/>
+        </a:xfrm>
+      </p:grpSpPr>
+      <p:sp>
+        <p:nvSpPr>
+          <p:cNvPr id="2" name="タイトル 1">
+            <a:extLst>
+              <a:ext uri="{FF2B5EF4-FFF2-40B4-BE49-F238E27FC236}">
+                <a16:creationId xmlns:a16="http://schemas.microsoft.com/office/drawing/2014/main" id="{9F789731-37C4-49DD-AEE8-78E5514E279E}"/>
+              </a:ext>
+            </a:extLst>
+          </p:cNvPr>
+          <p:cNvSpPr>
+            <a:spLocks noGrp="1"/>
+          </p:cNvSpPr>
+          <p:nvPr>
+            <p:ph type="title"/>
+          </p:nvPr>
+        </p:nvSpPr>
+        <p:spPr/>
+        <p:txBody>
+          <a:bodyPr/>
+          <a:lstStyle/>
+          <a:p>
+            <a:r>
+              <a:rPr kumimoji="1" lang="ja-JP" altLang="en-US" dirty="0"/>
+              <a:t>演習：</a:t>
+            </a:r>
+            <a:r>
+              <a:rPr kumimoji="1" lang="en-US" altLang="ja-JP" dirty="0"/>
+              <a:t>map</a:t>
+            </a:r>
+            <a:endParaRPr kumimoji="1" lang="ja-JP" altLang="en-US" dirty="0"/>
+          </a:p>
+        </p:txBody>
+      </p:sp>
+      <p:sp>
+        <p:nvSpPr>
+          <p:cNvPr id="3" name="コンテンツ プレースホルダー 2">
+            <a:extLst>
+              <a:ext uri="{FF2B5EF4-FFF2-40B4-BE49-F238E27FC236}">
+                <a16:creationId xmlns:a16="http://schemas.microsoft.com/office/drawing/2014/main" id="{39562F0E-6033-40BD-BCB8-F015661306FD}"/>
+              </a:ext>
+            </a:extLst>
+          </p:cNvPr>
+          <p:cNvSpPr>
+            <a:spLocks noGrp="1"/>
+          </p:cNvSpPr>
+          <p:nvPr>
+            <p:ph idx="1"/>
+          </p:nvPr>
+        </p:nvSpPr>
+        <p:spPr>
+          <a:xfrm>
+            <a:off x="731196" y="1162976"/>
+            <a:ext cx="10515600" cy="5626930"/>
+          </a:xfrm>
+          <a:solidFill>
+            <a:schemeClr val="bg1"/>
+          </a:solidFill>
+          <a:ln>
+            <a:solidFill>
+              <a:schemeClr val="tx1"/>
+            </a:solidFill>
+          </a:ln>
+        </p:spPr>
+        <p:txBody>
+          <a:bodyPr>
+            <a:noAutofit/>
+          </a:bodyPr>
+          <a:lstStyle/>
+          <a:p>
+            <a:pPr marL="0" indent="0">
+              <a:buNone/>
+            </a:pPr>
+            <a:r>
+              <a:rPr lang="en-US" altLang="ja-JP" sz="2400" dirty="0">
+                <a:solidFill>
+                  <a:srgbClr val="808080"/>
+                </a:solidFill>
+                <a:ea typeface="ＭＳ ゴシック" panose="020B0609070205080204" pitchFamily="49" charset="-128"/>
+              </a:rPr>
+              <a:t>#include</a:t>
+            </a:r>
+            <a:r>
+              <a:rPr lang="en-US" altLang="ja-JP" sz="2400" dirty="0">
+                <a:solidFill>
+                  <a:srgbClr val="000000"/>
+                </a:solidFill>
+                <a:ea typeface="ＭＳ ゴシック" panose="020B0609070205080204" pitchFamily="49" charset="-128"/>
+              </a:rPr>
+              <a:t> </a:t>
+            </a:r>
+            <a:r>
+              <a:rPr lang="en-US" altLang="ja-JP" sz="2400" dirty="0">
+                <a:solidFill>
+                  <a:srgbClr val="A31515"/>
+                </a:solidFill>
+                <a:ea typeface="ＭＳ ゴシック" panose="020B0609070205080204" pitchFamily="49" charset="-128"/>
+              </a:rPr>
+              <a:t>&lt;iostream&gt;</a:t>
+            </a:r>
+            <a:br>
+              <a:rPr lang="en-US" altLang="ja-JP" sz="2400" dirty="0">
+                <a:solidFill>
+                  <a:srgbClr val="000000"/>
+                </a:solidFill>
+                <a:ea typeface="ＭＳ ゴシック" panose="020B0609070205080204" pitchFamily="49" charset="-128"/>
+              </a:rPr>
+            </a:br>
+            <a:r>
+              <a:rPr lang="en-US" altLang="ja-JP" sz="2400" dirty="0">
+                <a:solidFill>
+                  <a:srgbClr val="808080"/>
+                </a:solidFill>
+                <a:ea typeface="ＭＳ ゴシック" panose="020B0609070205080204" pitchFamily="49" charset="-128"/>
+              </a:rPr>
+              <a:t>#include</a:t>
+            </a:r>
+            <a:r>
+              <a:rPr lang="en-US" altLang="ja-JP" sz="2400" dirty="0">
+                <a:solidFill>
+                  <a:srgbClr val="000000"/>
+                </a:solidFill>
+                <a:ea typeface="ＭＳ ゴシック" panose="020B0609070205080204" pitchFamily="49" charset="-128"/>
+              </a:rPr>
+              <a:t> </a:t>
+            </a:r>
+            <a:r>
+              <a:rPr lang="en-US" altLang="ja-JP" sz="2400" dirty="0">
+                <a:solidFill>
+                  <a:srgbClr val="A31515"/>
+                </a:solidFill>
+                <a:ea typeface="ＭＳ ゴシック" panose="020B0609070205080204" pitchFamily="49" charset="-128"/>
+              </a:rPr>
+              <a:t>&lt;map&gt;</a:t>
+            </a:r>
+            <a:br>
+              <a:rPr lang="en-US" altLang="ja-JP" sz="2400" dirty="0">
+                <a:solidFill>
+                  <a:srgbClr val="000000"/>
+                </a:solidFill>
+                <a:ea typeface="ＭＳ ゴシック" panose="020B0609070205080204" pitchFamily="49" charset="-128"/>
+              </a:rPr>
+            </a:br>
+            <a:r>
+              <a:rPr lang="en-US" altLang="ja-JP" sz="2400" dirty="0">
+                <a:solidFill>
+                  <a:srgbClr val="808080"/>
+                </a:solidFill>
+                <a:ea typeface="ＭＳ ゴシック" panose="020B0609070205080204" pitchFamily="49" charset="-128"/>
+              </a:rPr>
+              <a:t>#include</a:t>
+            </a:r>
+            <a:r>
+              <a:rPr lang="en-US" altLang="ja-JP" sz="2400" dirty="0">
+                <a:solidFill>
+                  <a:srgbClr val="000000"/>
+                </a:solidFill>
+                <a:ea typeface="ＭＳ ゴシック" panose="020B0609070205080204" pitchFamily="49" charset="-128"/>
+              </a:rPr>
+              <a:t> </a:t>
+            </a:r>
+            <a:r>
+              <a:rPr lang="en-US" altLang="ja-JP" sz="2400" dirty="0">
+                <a:solidFill>
+                  <a:srgbClr val="A31515"/>
+                </a:solidFill>
+                <a:ea typeface="ＭＳ ゴシック" panose="020B0609070205080204" pitchFamily="49" charset="-128"/>
+              </a:rPr>
+              <a:t>&lt;random&gt;</a:t>
+            </a:r>
+            <a:br>
+              <a:rPr lang="en-US" altLang="ja-JP" sz="2400" dirty="0">
+                <a:solidFill>
+                  <a:srgbClr val="000000"/>
+                </a:solidFill>
+                <a:ea typeface="ＭＳ ゴシック" panose="020B0609070205080204" pitchFamily="49" charset="-128"/>
+              </a:rPr>
+            </a:br>
+            <a:r>
+              <a:rPr lang="en-US" altLang="ja-JP" sz="2400" dirty="0">
+                <a:solidFill>
+                  <a:srgbClr val="0000FF"/>
+                </a:solidFill>
+                <a:ea typeface="ＭＳ ゴシック" panose="020B0609070205080204" pitchFamily="49" charset="-128"/>
+              </a:rPr>
+              <a:t>using</a:t>
+            </a:r>
+            <a:r>
+              <a:rPr lang="en-US" altLang="ja-JP" sz="2400" dirty="0">
+                <a:solidFill>
+                  <a:srgbClr val="000000"/>
+                </a:solidFill>
+                <a:ea typeface="ＭＳ ゴシック" panose="020B0609070205080204" pitchFamily="49" charset="-128"/>
+              </a:rPr>
+              <a:t> </a:t>
+            </a:r>
+            <a:r>
+              <a:rPr lang="en-US" altLang="ja-JP" sz="2400" dirty="0">
+                <a:solidFill>
+                  <a:srgbClr val="0000FF"/>
+                </a:solidFill>
+                <a:ea typeface="ＭＳ ゴシック" panose="020B0609070205080204" pitchFamily="49" charset="-128"/>
+              </a:rPr>
+              <a:t>namespace</a:t>
+            </a:r>
+            <a:r>
+              <a:rPr lang="en-US" altLang="ja-JP" sz="2400" dirty="0">
+                <a:solidFill>
+                  <a:srgbClr val="000000"/>
+                </a:solidFill>
+                <a:ea typeface="ＭＳ ゴシック" panose="020B0609070205080204" pitchFamily="49" charset="-128"/>
+              </a:rPr>
+              <a:t> std;</a:t>
+            </a:r>
+            <a:br>
+              <a:rPr lang="en-US" altLang="ja-JP" sz="2400" dirty="0">
+                <a:solidFill>
+                  <a:srgbClr val="000000"/>
+                </a:solidFill>
+                <a:ea typeface="ＭＳ ゴシック" panose="020B0609070205080204" pitchFamily="49" charset="-128"/>
+              </a:rPr>
+            </a:br>
+            <a:r>
+              <a:rPr lang="en-US" altLang="ja-JP" sz="2400" dirty="0">
+                <a:solidFill>
+                  <a:srgbClr val="0000FF"/>
+                </a:solidFill>
+                <a:ea typeface="ＭＳ ゴシック" panose="020B0609070205080204" pitchFamily="49" charset="-128"/>
+              </a:rPr>
+              <a:t>int</a:t>
+            </a:r>
+            <a:r>
+              <a:rPr lang="en-US" altLang="ja-JP" sz="2400" dirty="0">
+                <a:solidFill>
+                  <a:srgbClr val="000000"/>
+                </a:solidFill>
+                <a:ea typeface="ＭＳ ゴシック" panose="020B0609070205080204" pitchFamily="49" charset="-128"/>
+              </a:rPr>
+              <a:t> main() {</a:t>
+            </a:r>
+            <a:br>
+              <a:rPr lang="en-US" altLang="ja-JP" sz="2400" dirty="0">
+                <a:solidFill>
+                  <a:srgbClr val="000000"/>
+                </a:solidFill>
+                <a:ea typeface="ＭＳ ゴシック" panose="020B0609070205080204" pitchFamily="49" charset="-128"/>
+              </a:rPr>
+            </a:br>
+            <a:r>
+              <a:rPr lang="en-US" altLang="ja-JP" sz="2400" dirty="0">
+                <a:solidFill>
+                  <a:srgbClr val="000000"/>
+                </a:solidFill>
+                <a:ea typeface="ＭＳ ゴシック" panose="020B0609070205080204" pitchFamily="49" charset="-128"/>
+              </a:rPr>
+              <a:t>    </a:t>
+            </a:r>
+            <a:r>
+              <a:rPr lang="en-US" altLang="ja-JP" sz="2400" dirty="0">
+                <a:solidFill>
+                  <a:srgbClr val="00B050"/>
+                </a:solidFill>
+                <a:ea typeface="ＭＳ ゴシック" panose="020B0609070205080204" pitchFamily="49" charset="-128"/>
+              </a:rPr>
+              <a:t>//</a:t>
+            </a:r>
+            <a:r>
+              <a:rPr lang="ja-JP" altLang="en-US" sz="2400" dirty="0">
+                <a:solidFill>
+                  <a:srgbClr val="00B050"/>
+                </a:solidFill>
+                <a:ea typeface="ＭＳ ゴシック" panose="020B0609070205080204" pitchFamily="49" charset="-128"/>
+              </a:rPr>
+              <a:t>英単語の和訳と英訳のペアを</a:t>
+            </a:r>
+            <a:r>
+              <a:rPr lang="en-US" altLang="ja-JP" sz="2400" dirty="0" err="1">
+                <a:solidFill>
+                  <a:srgbClr val="00B050"/>
+                </a:solidFill>
+                <a:ea typeface="ＭＳ ゴシック" panose="020B0609070205080204" pitchFamily="49" charset="-128"/>
+              </a:rPr>
+              <a:t>dic</a:t>
+            </a:r>
+            <a:r>
+              <a:rPr lang="ja-JP" altLang="en-US" sz="2400" dirty="0">
+                <a:solidFill>
+                  <a:srgbClr val="00B050"/>
+                </a:solidFill>
+                <a:ea typeface="ＭＳ ゴシック" panose="020B0609070205080204" pitchFamily="49" charset="-128"/>
+              </a:rPr>
+              <a:t>に格納</a:t>
+            </a:r>
+            <a:br>
+              <a:rPr lang="en-US" altLang="ja-JP" sz="2400" dirty="0">
+                <a:solidFill>
+                  <a:srgbClr val="000000"/>
+                </a:solidFill>
+                <a:ea typeface="ＭＳ ゴシック" panose="020B0609070205080204" pitchFamily="49" charset="-128"/>
+              </a:rPr>
+            </a:br>
+            <a:r>
+              <a:rPr lang="en-US" altLang="ja-JP" sz="2400" dirty="0">
+                <a:solidFill>
+                  <a:srgbClr val="000000"/>
+                </a:solidFill>
+                <a:ea typeface="ＭＳ ゴシック" panose="020B0609070205080204" pitchFamily="49" charset="-128"/>
+              </a:rPr>
+              <a:t>    </a:t>
+            </a:r>
+            <a:r>
+              <a:rPr lang="en-US" altLang="ja-JP" sz="2400" dirty="0">
+                <a:solidFill>
+                  <a:srgbClr val="2B91AF"/>
+                </a:solidFill>
+                <a:ea typeface="ＭＳ ゴシック" panose="020B0609070205080204" pitchFamily="49" charset="-128"/>
+              </a:rPr>
+              <a:t>map</a:t>
+            </a:r>
+            <a:r>
+              <a:rPr lang="en-US" altLang="ja-JP" sz="2400" dirty="0">
+                <a:solidFill>
+                  <a:srgbClr val="000000"/>
+                </a:solidFill>
+                <a:ea typeface="ＭＳ ゴシック" panose="020B0609070205080204" pitchFamily="49" charset="-128"/>
+              </a:rPr>
+              <a:t>&lt;</a:t>
+            </a:r>
+            <a:r>
+              <a:rPr lang="en-US" altLang="ja-JP" sz="2400" dirty="0">
+                <a:solidFill>
+                  <a:srgbClr val="2B91AF"/>
+                </a:solidFill>
+                <a:ea typeface="ＭＳ ゴシック" panose="020B0609070205080204" pitchFamily="49" charset="-128"/>
+              </a:rPr>
+              <a:t>string</a:t>
+            </a:r>
+            <a:r>
+              <a:rPr lang="en-US" altLang="ja-JP" sz="2400" dirty="0">
+                <a:solidFill>
+                  <a:srgbClr val="000000"/>
+                </a:solidFill>
+                <a:ea typeface="ＭＳ ゴシック" panose="020B0609070205080204" pitchFamily="49" charset="-128"/>
+              </a:rPr>
+              <a:t>, </a:t>
+            </a:r>
+            <a:r>
+              <a:rPr lang="en-US" altLang="ja-JP" sz="2400" dirty="0">
+                <a:solidFill>
+                  <a:srgbClr val="2B91AF"/>
+                </a:solidFill>
+                <a:ea typeface="ＭＳ ゴシック" panose="020B0609070205080204" pitchFamily="49" charset="-128"/>
+              </a:rPr>
+              <a:t>string</a:t>
+            </a:r>
+            <a:r>
+              <a:rPr lang="en-US" altLang="ja-JP" sz="2400" dirty="0">
+                <a:solidFill>
+                  <a:srgbClr val="000000"/>
+                </a:solidFill>
+                <a:ea typeface="ＭＳ ゴシック" panose="020B0609070205080204" pitchFamily="49" charset="-128"/>
+              </a:rPr>
+              <a:t>&gt; </a:t>
+            </a:r>
+            <a:r>
+              <a:rPr lang="en-US" altLang="ja-JP" sz="2400" dirty="0" err="1">
+                <a:solidFill>
+                  <a:srgbClr val="00B0F0"/>
+                </a:solidFill>
+                <a:ea typeface="ＭＳ ゴシック" panose="020B0609070205080204" pitchFamily="49" charset="-128"/>
+              </a:rPr>
+              <a:t>dic</a:t>
+            </a:r>
+            <a:r>
+              <a:rPr lang="en-US" altLang="ja-JP" sz="2400" dirty="0">
+                <a:solidFill>
+                  <a:srgbClr val="000000"/>
+                </a:solidFill>
+                <a:ea typeface="ＭＳ ゴシック" panose="020B0609070205080204" pitchFamily="49" charset="-128"/>
+              </a:rPr>
+              <a:t>{ {</a:t>
+            </a:r>
+            <a:r>
+              <a:rPr lang="en-US" altLang="ja-JP" sz="2400" dirty="0">
+                <a:solidFill>
+                  <a:srgbClr val="A31515"/>
+                </a:solidFill>
+                <a:ea typeface="ＭＳ ゴシック" panose="020B0609070205080204" pitchFamily="49" charset="-128"/>
+              </a:rPr>
+              <a:t>"</a:t>
+            </a:r>
+            <a:r>
+              <a:rPr lang="ja-JP" altLang="en-US" sz="2400" dirty="0">
+                <a:solidFill>
+                  <a:srgbClr val="A31515"/>
+                </a:solidFill>
+                <a:ea typeface="ＭＳ ゴシック" panose="020B0609070205080204" pitchFamily="49" charset="-128"/>
+              </a:rPr>
+              <a:t>活動</a:t>
+            </a:r>
+            <a:r>
+              <a:rPr lang="en-US" altLang="ja-JP" sz="2400" dirty="0">
+                <a:solidFill>
+                  <a:srgbClr val="A31515"/>
+                </a:solidFill>
+                <a:ea typeface="ＭＳ ゴシック" panose="020B0609070205080204" pitchFamily="49" charset="-128"/>
+              </a:rPr>
+              <a:t>"</a:t>
+            </a:r>
+            <a:r>
+              <a:rPr lang="en-US" altLang="ja-JP" sz="2400" dirty="0">
+                <a:solidFill>
+                  <a:srgbClr val="000000"/>
+                </a:solidFill>
+                <a:ea typeface="ＭＳ ゴシック" panose="020B0609070205080204" pitchFamily="49" charset="-128"/>
+              </a:rPr>
+              <a:t>,</a:t>
+            </a:r>
+            <a:r>
+              <a:rPr lang="en-US" altLang="ja-JP" sz="2400" dirty="0">
+                <a:solidFill>
+                  <a:srgbClr val="A31515"/>
+                </a:solidFill>
+                <a:ea typeface="ＭＳ ゴシック" panose="020B0609070205080204" pitchFamily="49" charset="-128"/>
+              </a:rPr>
+              <a:t>"activity"</a:t>
+            </a:r>
+            <a:r>
+              <a:rPr lang="en-US" altLang="ja-JP" sz="2400" dirty="0">
+                <a:solidFill>
+                  <a:srgbClr val="000000"/>
+                </a:solidFill>
+                <a:ea typeface="ＭＳ ゴシック" panose="020B0609070205080204" pitchFamily="49" charset="-128"/>
+              </a:rPr>
+              <a:t>},</a:t>
+            </a:r>
+            <a:br>
+              <a:rPr lang="en-US" altLang="ja-JP" sz="2400" dirty="0">
+                <a:solidFill>
+                  <a:srgbClr val="000000"/>
+                </a:solidFill>
+                <a:ea typeface="ＭＳ ゴシック" panose="020B0609070205080204" pitchFamily="49" charset="-128"/>
+              </a:rPr>
+            </a:br>
+            <a:r>
+              <a:rPr lang="en-US" altLang="ja-JP" sz="2400" dirty="0">
+                <a:solidFill>
+                  <a:srgbClr val="000000"/>
+                </a:solidFill>
+                <a:ea typeface="ＭＳ ゴシック" panose="020B0609070205080204" pitchFamily="49" charset="-128"/>
+              </a:rPr>
+              <a:t>      {</a:t>
+            </a:r>
+            <a:r>
+              <a:rPr lang="en-US" altLang="ja-JP" sz="2400" dirty="0">
+                <a:solidFill>
+                  <a:srgbClr val="A31515"/>
+                </a:solidFill>
+                <a:ea typeface="ＭＳ ゴシック" panose="020B0609070205080204" pitchFamily="49" charset="-128"/>
+              </a:rPr>
+              <a:t>"</a:t>
+            </a:r>
+            <a:r>
+              <a:rPr lang="ja-JP" altLang="en-US" sz="2400" dirty="0">
+                <a:solidFill>
+                  <a:srgbClr val="A31515"/>
+                </a:solidFill>
+                <a:ea typeface="ＭＳ ゴシック" panose="020B0609070205080204" pitchFamily="49" charset="-128"/>
+              </a:rPr>
+              <a:t>雰囲気</a:t>
+            </a:r>
+            <a:r>
+              <a:rPr lang="en-US" altLang="ja-JP" sz="2400" dirty="0">
+                <a:solidFill>
+                  <a:srgbClr val="A31515"/>
+                </a:solidFill>
+                <a:ea typeface="ＭＳ ゴシック" panose="020B0609070205080204" pitchFamily="49" charset="-128"/>
+              </a:rPr>
+              <a:t>"</a:t>
+            </a:r>
+            <a:r>
+              <a:rPr lang="en-US" altLang="ja-JP" sz="2400" dirty="0">
+                <a:solidFill>
+                  <a:srgbClr val="000000"/>
+                </a:solidFill>
+                <a:ea typeface="ＭＳ ゴシック" panose="020B0609070205080204" pitchFamily="49" charset="-128"/>
+              </a:rPr>
+              <a:t>,</a:t>
+            </a:r>
+            <a:r>
+              <a:rPr lang="en-US" altLang="ja-JP" sz="2400" dirty="0">
+                <a:solidFill>
+                  <a:srgbClr val="A31515"/>
+                </a:solidFill>
+                <a:ea typeface="ＭＳ ゴシック" panose="020B0609070205080204" pitchFamily="49" charset="-128"/>
+              </a:rPr>
+              <a:t>"atmosphere"</a:t>
+            </a:r>
+            <a:r>
+              <a:rPr lang="en-US" altLang="ja-JP" sz="2400" dirty="0">
+                <a:solidFill>
+                  <a:srgbClr val="000000"/>
+                </a:solidFill>
+                <a:ea typeface="ＭＳ ゴシック" panose="020B0609070205080204" pitchFamily="49" charset="-128"/>
+              </a:rPr>
+              <a:t>},{</a:t>
+            </a:r>
+            <a:r>
+              <a:rPr lang="en-US" altLang="ja-JP" sz="2400" dirty="0">
+                <a:solidFill>
+                  <a:srgbClr val="A31515"/>
+                </a:solidFill>
+                <a:ea typeface="ＭＳ ゴシック" panose="020B0609070205080204" pitchFamily="49" charset="-128"/>
+              </a:rPr>
+              <a:t>"</a:t>
+            </a:r>
+            <a:r>
+              <a:rPr lang="ja-JP" altLang="en-US" sz="2400" dirty="0">
+                <a:solidFill>
+                  <a:srgbClr val="A31515"/>
+                </a:solidFill>
+                <a:ea typeface="ＭＳ ゴシック" panose="020B0609070205080204" pitchFamily="49" charset="-128"/>
+              </a:rPr>
+              <a:t>血液</a:t>
+            </a:r>
+            <a:r>
+              <a:rPr lang="en-US" altLang="ja-JP" sz="2400" dirty="0">
+                <a:solidFill>
+                  <a:srgbClr val="A31515"/>
+                </a:solidFill>
+                <a:ea typeface="ＭＳ ゴシック" panose="020B0609070205080204" pitchFamily="49" charset="-128"/>
+              </a:rPr>
+              <a:t>"</a:t>
+            </a:r>
+            <a:r>
+              <a:rPr lang="en-US" altLang="ja-JP" sz="2400" dirty="0">
+                <a:solidFill>
+                  <a:srgbClr val="000000"/>
+                </a:solidFill>
+                <a:ea typeface="ＭＳ ゴシック" panose="020B0609070205080204" pitchFamily="49" charset="-128"/>
+              </a:rPr>
+              <a:t>,</a:t>
+            </a:r>
+            <a:r>
+              <a:rPr lang="en-US" altLang="ja-JP" sz="2400" dirty="0">
+                <a:solidFill>
+                  <a:srgbClr val="A31515"/>
+                </a:solidFill>
+                <a:ea typeface="ＭＳ ゴシック" panose="020B0609070205080204" pitchFamily="49" charset="-128"/>
+              </a:rPr>
+              <a:t>"blood"</a:t>
+            </a:r>
+            <a:r>
+              <a:rPr lang="en-US" altLang="ja-JP" sz="2400" dirty="0">
+                <a:solidFill>
+                  <a:srgbClr val="000000"/>
+                </a:solidFill>
+                <a:ea typeface="ＭＳ ゴシック" panose="020B0609070205080204" pitchFamily="49" charset="-128"/>
+              </a:rPr>
+              <a:t>},</a:t>
+            </a:r>
+            <a:br>
+              <a:rPr lang="en-US" altLang="ja-JP" sz="2400" dirty="0">
+                <a:solidFill>
+                  <a:srgbClr val="000000"/>
+                </a:solidFill>
+                <a:ea typeface="ＭＳ ゴシック" panose="020B0609070205080204" pitchFamily="49" charset="-128"/>
+              </a:rPr>
+            </a:br>
+            <a:r>
+              <a:rPr lang="en-US" altLang="ja-JP" sz="2400" dirty="0">
+                <a:solidFill>
+                  <a:srgbClr val="000000"/>
+                </a:solidFill>
+                <a:ea typeface="ＭＳ ゴシック" panose="020B0609070205080204" pitchFamily="49" charset="-128"/>
+              </a:rPr>
+              <a:t>      {</a:t>
+            </a:r>
+            <a:r>
+              <a:rPr lang="en-US" altLang="ja-JP" sz="2400" dirty="0">
+                <a:solidFill>
+                  <a:srgbClr val="A31515"/>
+                </a:solidFill>
+                <a:ea typeface="ＭＳ ゴシック" panose="020B0609070205080204" pitchFamily="49" charset="-128"/>
+              </a:rPr>
+              <a:t>"</a:t>
+            </a:r>
+            <a:r>
+              <a:rPr lang="ja-JP" altLang="en-US" sz="2400" dirty="0">
+                <a:solidFill>
+                  <a:srgbClr val="A31515"/>
+                </a:solidFill>
+                <a:ea typeface="ＭＳ ゴシック" panose="020B0609070205080204" pitchFamily="49" charset="-128"/>
+              </a:rPr>
+              <a:t>環境</a:t>
+            </a:r>
+            <a:r>
+              <a:rPr lang="en-US" altLang="ja-JP" sz="2400" dirty="0">
+                <a:solidFill>
+                  <a:srgbClr val="A31515"/>
+                </a:solidFill>
+                <a:ea typeface="ＭＳ ゴシック" panose="020B0609070205080204" pitchFamily="49" charset="-128"/>
+              </a:rPr>
+              <a:t>"</a:t>
+            </a:r>
+            <a:r>
+              <a:rPr lang="en-US" altLang="ja-JP" sz="2400" dirty="0">
+                <a:solidFill>
+                  <a:srgbClr val="000000"/>
+                </a:solidFill>
+                <a:ea typeface="ＭＳ ゴシック" panose="020B0609070205080204" pitchFamily="49" charset="-128"/>
+              </a:rPr>
+              <a:t>,</a:t>
+            </a:r>
+            <a:r>
+              <a:rPr lang="en-US" altLang="ja-JP" sz="2400" dirty="0">
+                <a:solidFill>
+                  <a:srgbClr val="A31515"/>
+                </a:solidFill>
+                <a:ea typeface="ＭＳ ゴシック" panose="020B0609070205080204" pitchFamily="49" charset="-128"/>
+              </a:rPr>
+              <a:t>"environment"</a:t>
+            </a:r>
+            <a:r>
+              <a:rPr lang="en-US" altLang="ja-JP" sz="2400" dirty="0">
+                <a:solidFill>
+                  <a:srgbClr val="000000"/>
+                </a:solidFill>
+                <a:ea typeface="ＭＳ ゴシック" panose="020B0609070205080204" pitchFamily="49" charset="-128"/>
+              </a:rPr>
+              <a:t>}, {</a:t>
+            </a:r>
+            <a:r>
+              <a:rPr lang="en-US" altLang="ja-JP" sz="2400" dirty="0">
+                <a:solidFill>
+                  <a:srgbClr val="A31515"/>
+                </a:solidFill>
+                <a:ea typeface="ＭＳ ゴシック" panose="020B0609070205080204" pitchFamily="49" charset="-128"/>
+              </a:rPr>
+              <a:t>"</a:t>
+            </a:r>
+            <a:r>
+              <a:rPr lang="ja-JP" altLang="en-US" sz="2400" dirty="0">
+                <a:solidFill>
+                  <a:srgbClr val="A31515"/>
+                </a:solidFill>
+                <a:ea typeface="ＭＳ ゴシック" panose="020B0609070205080204" pitchFamily="49" charset="-128"/>
+              </a:rPr>
+              <a:t>温度</a:t>
+            </a:r>
+            <a:r>
+              <a:rPr lang="en-US" altLang="ja-JP" sz="2400" dirty="0">
+                <a:solidFill>
+                  <a:srgbClr val="A31515"/>
+                </a:solidFill>
+                <a:ea typeface="ＭＳ ゴシック" panose="020B0609070205080204" pitchFamily="49" charset="-128"/>
+              </a:rPr>
+              <a:t>"</a:t>
+            </a:r>
+            <a:r>
+              <a:rPr lang="en-US" altLang="ja-JP" sz="2400" dirty="0">
+                <a:solidFill>
+                  <a:srgbClr val="000000"/>
+                </a:solidFill>
+                <a:ea typeface="ＭＳ ゴシック" panose="020B0609070205080204" pitchFamily="49" charset="-128"/>
+              </a:rPr>
+              <a:t>,</a:t>
+            </a:r>
+            <a:r>
+              <a:rPr lang="en-US" altLang="ja-JP" sz="2400" dirty="0">
+                <a:solidFill>
+                  <a:srgbClr val="A31515"/>
+                </a:solidFill>
+                <a:ea typeface="ＭＳ ゴシック" panose="020B0609070205080204" pitchFamily="49" charset="-128"/>
+              </a:rPr>
+              <a:t>"temperature"</a:t>
+            </a:r>
+            <a:r>
+              <a:rPr lang="en-US" altLang="ja-JP" sz="2400" dirty="0">
+                <a:solidFill>
+                  <a:srgbClr val="000000"/>
+                </a:solidFill>
+                <a:ea typeface="ＭＳ ゴシック" panose="020B0609070205080204" pitchFamily="49" charset="-128"/>
+              </a:rPr>
+              <a:t>}};</a:t>
+            </a:r>
+            <a:br>
+              <a:rPr lang="en-US" altLang="ja-JP" sz="2400" dirty="0">
+                <a:solidFill>
+                  <a:srgbClr val="000000"/>
+                </a:solidFill>
+                <a:ea typeface="ＭＳ ゴシック" panose="020B0609070205080204" pitchFamily="49" charset="-128"/>
+              </a:rPr>
+            </a:br>
+            <a:br>
+              <a:rPr lang="en-US" altLang="ja-JP" sz="2400" dirty="0">
+                <a:solidFill>
+                  <a:srgbClr val="000000"/>
+                </a:solidFill>
+                <a:ea typeface="ＭＳ ゴシック" panose="020B0609070205080204" pitchFamily="49" charset="-128"/>
+              </a:rPr>
+            </a:br>
+            <a:r>
+              <a:rPr lang="en-US" altLang="ja-JP" sz="2400" dirty="0">
+                <a:solidFill>
+                  <a:srgbClr val="000000"/>
+                </a:solidFill>
+                <a:ea typeface="ＭＳ ゴシック" panose="020B0609070205080204" pitchFamily="49" charset="-128"/>
+              </a:rPr>
+              <a:t>    return 0;</a:t>
+            </a:r>
+            <a:br>
+              <a:rPr lang="en-US" altLang="ja-JP" sz="2400" dirty="0">
+                <a:solidFill>
+                  <a:srgbClr val="000000"/>
+                </a:solidFill>
+                <a:ea typeface="ＭＳ ゴシック" panose="020B0609070205080204" pitchFamily="49" charset="-128"/>
+              </a:rPr>
+            </a:br>
+            <a:r>
+              <a:rPr lang="en-US" altLang="ja-JP" sz="2400" dirty="0">
+                <a:solidFill>
+                  <a:srgbClr val="000000"/>
+                </a:solidFill>
+                <a:ea typeface="ＭＳ ゴシック" panose="020B0609070205080204" pitchFamily="49" charset="-128"/>
+              </a:rPr>
+              <a:t>}</a:t>
+            </a:r>
+          </a:p>
+        </p:txBody>
+      </p:sp>
+      <p:sp>
+        <p:nvSpPr>
+          <p:cNvPr id="4" name="テキスト ボックス 3">
+            <a:extLst>
+              <a:ext uri="{FF2B5EF4-FFF2-40B4-BE49-F238E27FC236}">
+                <a16:creationId xmlns:a16="http://schemas.microsoft.com/office/drawing/2014/main" id="{36167C58-0781-4BAB-BAA5-8E3EEFBCFF26}"/>
+              </a:ext>
+            </a:extLst>
+          </p:cNvPr>
+          <p:cNvSpPr txBox="1"/>
+          <p:nvPr/>
+        </p:nvSpPr>
+        <p:spPr>
+          <a:xfrm>
+            <a:off x="7104919" y="639756"/>
+            <a:ext cx="4195379" cy="523220"/>
+          </a:xfrm>
+          <a:prstGeom prst="rect">
+            <a:avLst/>
+          </a:prstGeom>
+          <a:noFill/>
+        </p:spPr>
+        <p:txBody>
+          <a:bodyPr wrap="none" rtlCol="0">
+            <a:spAutoFit/>
+          </a:bodyPr>
+          <a:lstStyle/>
+          <a:p>
+            <a:r>
+              <a:rPr kumimoji="1" lang="en-US" altLang="ja-JP" sz="2800" dirty="0"/>
+              <a:t>PracMap2(main.cpp)</a:t>
+            </a:r>
+            <a:endParaRPr kumimoji="1" lang="ja-JP" altLang="en-US" sz="2800" dirty="0"/>
+          </a:p>
+        </p:txBody>
+      </p:sp>
+    </p:spTree>
+    <p:extLst>
+      <p:ext uri="{BB962C8B-B14F-4D97-AF65-F5344CB8AC3E}">
+        <p14:creationId xmlns:p14="http://schemas.microsoft.com/office/powerpoint/2010/main" val="2407489421"/>
+      </p:ext>
+    </p:extLst>
+  </p:cSld>
+  <p:clrMapOvr>
+    <a:masterClrMapping/>
+  </p:clrMapOvr>
+</p:sld>
+</file>
+
+<file path=ppt/slides/slide13.xml><?xml version="1.0" encoding="utf-8"?>
+<p:sld xmlns:a="http://schemas.openxmlformats.org/drawingml/2006/main" xmlns:r="http://schemas.openxmlformats.org/officeDocument/2006/relationships" xmlns:p="http://schemas.openxmlformats.org/presentationml/2006/main">
+  <p:cSld>
+    <p:spTree>
+      <p:nvGrpSpPr>
+        <p:cNvPr id="1" name=""/>
+        <p:cNvGrpSpPr/>
+        <p:nvPr/>
+      </p:nvGrpSpPr>
+      <p:grpSpPr>
+        <a:xfrm>
+          <a:off x="0" y="0"/>
+          <a:ext cx="0" cy="0"/>
+          <a:chOff x="0" y="0"/>
+          <a:chExt cx="0" cy="0"/>
+        </a:xfrm>
+      </p:grpSpPr>
+      <p:sp>
+        <p:nvSpPr>
+          <p:cNvPr id="2" name="タイトル 1">
+            <a:extLst>
+              <a:ext uri="{FF2B5EF4-FFF2-40B4-BE49-F238E27FC236}">
+                <a16:creationId xmlns:a16="http://schemas.microsoft.com/office/drawing/2014/main" id="{9F789731-37C4-49DD-AEE8-78E5514E279E}"/>
+              </a:ext>
+            </a:extLst>
+          </p:cNvPr>
+          <p:cNvSpPr>
+            <a:spLocks noGrp="1"/>
+          </p:cNvSpPr>
+          <p:nvPr>
+            <p:ph type="title"/>
+          </p:nvPr>
+        </p:nvSpPr>
+        <p:spPr/>
+        <p:txBody>
+          <a:bodyPr/>
+          <a:lstStyle/>
+          <a:p>
+            <a:r>
+              <a:rPr kumimoji="1" lang="ja-JP" altLang="en-US" dirty="0"/>
+              <a:t>演習：</a:t>
+            </a:r>
+            <a:r>
+              <a:rPr lang="en-US" altLang="ja-JP" dirty="0"/>
+              <a:t>map</a:t>
+            </a:r>
+            <a:endParaRPr kumimoji="1" lang="ja-JP" altLang="en-US" dirty="0"/>
+          </a:p>
+        </p:txBody>
+      </p:sp>
+      <p:sp>
+        <p:nvSpPr>
+          <p:cNvPr id="3" name="コンテンツ プレースホルダー 2">
+            <a:extLst>
+              <a:ext uri="{FF2B5EF4-FFF2-40B4-BE49-F238E27FC236}">
+                <a16:creationId xmlns:a16="http://schemas.microsoft.com/office/drawing/2014/main" id="{39562F0E-6033-40BD-BCB8-F015661306FD}"/>
+              </a:ext>
+            </a:extLst>
+          </p:cNvPr>
+          <p:cNvSpPr>
+            <a:spLocks noGrp="1"/>
+          </p:cNvSpPr>
+          <p:nvPr>
+            <p:ph idx="1"/>
+          </p:nvPr>
+        </p:nvSpPr>
+        <p:spPr/>
+        <p:txBody>
+          <a:bodyPr>
+            <a:normAutofit/>
+          </a:bodyPr>
+          <a:lstStyle/>
+          <a:p>
+            <a:r>
+              <a:rPr lang="ja-JP" altLang="en-US" b="1" u="sng" dirty="0"/>
+              <a:t>課題①</a:t>
+            </a:r>
+            <a:br>
+              <a:rPr lang="en-US" altLang="ja-JP" dirty="0"/>
+            </a:br>
+            <a:br>
+              <a:rPr lang="en-US" altLang="ja-JP" dirty="0"/>
+            </a:br>
+            <a:r>
+              <a:rPr lang="en-US" altLang="ja-JP" dirty="0" err="1">
+                <a:solidFill>
+                  <a:srgbClr val="00B0F0"/>
+                </a:solidFill>
+              </a:rPr>
+              <a:t>dic</a:t>
+            </a:r>
+            <a:r>
+              <a:rPr lang="ja-JP" altLang="en-US" dirty="0"/>
+              <a:t>の先頭要素のキー（日本語訳）を表示しなさい</a:t>
+            </a:r>
+            <a:br>
+              <a:rPr lang="en-US" altLang="ja-JP" dirty="0"/>
+            </a:br>
+            <a:br>
+              <a:rPr lang="en-US" altLang="ja-JP" dirty="0"/>
+            </a:br>
+            <a:r>
+              <a:rPr lang="ja-JP" altLang="en-US" dirty="0"/>
+              <a:t>表示にはイテレータを用いることとする</a:t>
+            </a:r>
+            <a:endParaRPr lang="en-US" altLang="ja-JP" dirty="0"/>
+          </a:p>
+        </p:txBody>
+      </p:sp>
+    </p:spTree>
+    <p:extLst>
+      <p:ext uri="{BB962C8B-B14F-4D97-AF65-F5344CB8AC3E}">
+        <p14:creationId xmlns:p14="http://schemas.microsoft.com/office/powerpoint/2010/main" val="3728114198"/>
+      </p:ext>
+    </p:extLst>
+  </p:cSld>
+  <p:clrMapOvr>
+    <a:masterClrMapping/>
+  </p:clrMapOvr>
+</p:sld>
+</file>
+
+<file path=ppt/slides/slide14.xml><?xml version="1.0" encoding="utf-8"?>
+<p:sld xmlns:a="http://schemas.openxmlformats.org/drawingml/2006/main" xmlns:r="http://schemas.openxmlformats.org/officeDocument/2006/relationships" xmlns:p="http://schemas.openxmlformats.org/presentationml/2006/main">
+  <p:cSld>
+    <p:spTree>
+      <p:nvGrpSpPr>
+        <p:cNvPr id="1" name=""/>
+        <p:cNvGrpSpPr/>
+        <p:nvPr/>
+      </p:nvGrpSpPr>
+      <p:grpSpPr>
+        <a:xfrm>
+          <a:off x="0" y="0"/>
+          <a:ext cx="0" cy="0"/>
+          <a:chOff x="0" y="0"/>
+          <a:chExt cx="0" cy="0"/>
+        </a:xfrm>
+      </p:grpSpPr>
+      <p:sp>
+        <p:nvSpPr>
+          <p:cNvPr id="2" name="タイトル 1">
+            <a:extLst>
+              <a:ext uri="{FF2B5EF4-FFF2-40B4-BE49-F238E27FC236}">
+                <a16:creationId xmlns:a16="http://schemas.microsoft.com/office/drawing/2014/main" id="{9F789731-37C4-49DD-AEE8-78E5514E279E}"/>
+              </a:ext>
+            </a:extLst>
+          </p:cNvPr>
+          <p:cNvSpPr>
+            <a:spLocks noGrp="1"/>
+          </p:cNvSpPr>
+          <p:nvPr>
+            <p:ph type="title"/>
+          </p:nvPr>
+        </p:nvSpPr>
+        <p:spPr/>
+        <p:txBody>
+          <a:bodyPr/>
+          <a:lstStyle/>
+          <a:p>
+            <a:r>
+              <a:rPr kumimoji="1" lang="ja-JP" altLang="en-US" dirty="0"/>
+              <a:t>演習：</a:t>
+            </a:r>
+            <a:r>
+              <a:rPr kumimoji="1" lang="en-US" altLang="ja-JP" dirty="0"/>
+              <a:t>map</a:t>
+            </a:r>
+            <a:endParaRPr kumimoji="1" lang="ja-JP" altLang="en-US" dirty="0"/>
+          </a:p>
+        </p:txBody>
+      </p:sp>
+      <p:sp>
+        <p:nvSpPr>
+          <p:cNvPr id="3" name="コンテンツ プレースホルダー 2">
+            <a:extLst>
+              <a:ext uri="{FF2B5EF4-FFF2-40B4-BE49-F238E27FC236}">
+                <a16:creationId xmlns:a16="http://schemas.microsoft.com/office/drawing/2014/main" id="{39562F0E-6033-40BD-BCB8-F015661306FD}"/>
+              </a:ext>
+            </a:extLst>
+          </p:cNvPr>
+          <p:cNvSpPr>
+            <a:spLocks noGrp="1"/>
+          </p:cNvSpPr>
+          <p:nvPr>
+            <p:ph idx="1"/>
+          </p:nvPr>
+        </p:nvSpPr>
+        <p:spPr>
+          <a:xfrm>
+            <a:off x="731196" y="1162976"/>
+            <a:ext cx="10515600" cy="5626930"/>
+          </a:xfrm>
+          <a:solidFill>
+            <a:schemeClr val="bg1"/>
+          </a:solidFill>
+          <a:ln>
+            <a:solidFill>
+              <a:schemeClr val="tx1"/>
+            </a:solidFill>
+          </a:ln>
+        </p:spPr>
+        <p:txBody>
+          <a:bodyPr>
+            <a:noAutofit/>
+          </a:bodyPr>
+          <a:lstStyle/>
+          <a:p>
+            <a:pPr marL="0" indent="0">
+              <a:buNone/>
+            </a:pPr>
+            <a:r>
+              <a:rPr lang="en-US" altLang="ja-JP" sz="2400" dirty="0">
+                <a:solidFill>
+                  <a:srgbClr val="808080"/>
+                </a:solidFill>
+                <a:ea typeface="ＭＳ ゴシック" panose="020B0609070205080204" pitchFamily="49" charset="-128"/>
+              </a:rPr>
+              <a:t>#include</a:t>
+            </a:r>
+            <a:r>
+              <a:rPr lang="en-US" altLang="ja-JP" sz="2400" dirty="0">
+                <a:solidFill>
+                  <a:srgbClr val="000000"/>
+                </a:solidFill>
+                <a:ea typeface="ＭＳ ゴシック" panose="020B0609070205080204" pitchFamily="49" charset="-128"/>
+              </a:rPr>
+              <a:t> </a:t>
+            </a:r>
+            <a:r>
+              <a:rPr lang="en-US" altLang="ja-JP" sz="2400" dirty="0">
+                <a:solidFill>
+                  <a:srgbClr val="A31515"/>
+                </a:solidFill>
+                <a:ea typeface="ＭＳ ゴシック" panose="020B0609070205080204" pitchFamily="49" charset="-128"/>
+              </a:rPr>
+              <a:t>&lt;iostream&gt;</a:t>
+            </a:r>
+            <a:br>
+              <a:rPr lang="en-US" altLang="ja-JP" sz="2400" dirty="0">
+                <a:solidFill>
+                  <a:srgbClr val="000000"/>
+                </a:solidFill>
+                <a:ea typeface="ＭＳ ゴシック" panose="020B0609070205080204" pitchFamily="49" charset="-128"/>
+              </a:rPr>
+            </a:br>
+            <a:r>
+              <a:rPr lang="en-US" altLang="ja-JP" sz="2400" dirty="0">
+                <a:solidFill>
+                  <a:srgbClr val="808080"/>
+                </a:solidFill>
+                <a:ea typeface="ＭＳ ゴシック" panose="020B0609070205080204" pitchFamily="49" charset="-128"/>
+              </a:rPr>
+              <a:t>#include</a:t>
+            </a:r>
+            <a:r>
+              <a:rPr lang="en-US" altLang="ja-JP" sz="2400" dirty="0">
+                <a:solidFill>
+                  <a:srgbClr val="000000"/>
+                </a:solidFill>
+                <a:ea typeface="ＭＳ ゴシック" panose="020B0609070205080204" pitchFamily="49" charset="-128"/>
+              </a:rPr>
+              <a:t> </a:t>
+            </a:r>
+            <a:r>
+              <a:rPr lang="en-US" altLang="ja-JP" sz="2400" dirty="0">
+                <a:solidFill>
+                  <a:srgbClr val="A31515"/>
+                </a:solidFill>
+                <a:ea typeface="ＭＳ ゴシック" panose="020B0609070205080204" pitchFamily="49" charset="-128"/>
+              </a:rPr>
+              <a:t>&lt;map&gt;</a:t>
+            </a:r>
+            <a:br>
+              <a:rPr lang="en-US" altLang="ja-JP" sz="2400" dirty="0">
+                <a:solidFill>
+                  <a:srgbClr val="000000"/>
+                </a:solidFill>
+                <a:ea typeface="ＭＳ ゴシック" panose="020B0609070205080204" pitchFamily="49" charset="-128"/>
+              </a:rPr>
+            </a:br>
+            <a:r>
+              <a:rPr lang="en-US" altLang="ja-JP" sz="2400" dirty="0">
+                <a:solidFill>
+                  <a:srgbClr val="808080"/>
+                </a:solidFill>
+                <a:ea typeface="ＭＳ ゴシック" panose="020B0609070205080204" pitchFamily="49" charset="-128"/>
+              </a:rPr>
+              <a:t>#include</a:t>
+            </a:r>
+            <a:r>
+              <a:rPr lang="en-US" altLang="ja-JP" sz="2400" dirty="0">
+                <a:solidFill>
+                  <a:srgbClr val="000000"/>
+                </a:solidFill>
+                <a:ea typeface="ＭＳ ゴシック" panose="020B0609070205080204" pitchFamily="49" charset="-128"/>
+              </a:rPr>
+              <a:t> </a:t>
+            </a:r>
+            <a:r>
+              <a:rPr lang="en-US" altLang="ja-JP" sz="2400" dirty="0">
+                <a:solidFill>
+                  <a:srgbClr val="A31515"/>
+                </a:solidFill>
+                <a:ea typeface="ＭＳ ゴシック" panose="020B0609070205080204" pitchFamily="49" charset="-128"/>
+              </a:rPr>
+              <a:t>&lt;random&gt;</a:t>
+            </a:r>
+            <a:br>
+              <a:rPr lang="en-US" altLang="ja-JP" sz="2400" dirty="0">
+                <a:solidFill>
+                  <a:srgbClr val="000000"/>
+                </a:solidFill>
+                <a:ea typeface="ＭＳ ゴシック" panose="020B0609070205080204" pitchFamily="49" charset="-128"/>
+              </a:rPr>
+            </a:br>
+            <a:r>
+              <a:rPr lang="en-US" altLang="ja-JP" sz="2400" dirty="0">
+                <a:solidFill>
+                  <a:srgbClr val="0000FF"/>
+                </a:solidFill>
+                <a:ea typeface="ＭＳ ゴシック" panose="020B0609070205080204" pitchFamily="49" charset="-128"/>
+              </a:rPr>
+              <a:t>using</a:t>
+            </a:r>
+            <a:r>
+              <a:rPr lang="en-US" altLang="ja-JP" sz="2400" dirty="0">
+                <a:solidFill>
+                  <a:srgbClr val="000000"/>
+                </a:solidFill>
+                <a:ea typeface="ＭＳ ゴシック" panose="020B0609070205080204" pitchFamily="49" charset="-128"/>
+              </a:rPr>
+              <a:t> </a:t>
+            </a:r>
+            <a:r>
+              <a:rPr lang="en-US" altLang="ja-JP" sz="2400" dirty="0">
+                <a:solidFill>
+                  <a:srgbClr val="0000FF"/>
+                </a:solidFill>
+                <a:ea typeface="ＭＳ ゴシック" panose="020B0609070205080204" pitchFamily="49" charset="-128"/>
+              </a:rPr>
+              <a:t>namespace</a:t>
+            </a:r>
+            <a:r>
+              <a:rPr lang="en-US" altLang="ja-JP" sz="2400" dirty="0">
+                <a:solidFill>
+                  <a:srgbClr val="000000"/>
+                </a:solidFill>
+                <a:ea typeface="ＭＳ ゴシック" panose="020B0609070205080204" pitchFamily="49" charset="-128"/>
+              </a:rPr>
+              <a:t> std;</a:t>
+            </a:r>
+            <a:br>
+              <a:rPr lang="en-US" altLang="ja-JP" sz="2400" dirty="0">
+                <a:solidFill>
+                  <a:srgbClr val="000000"/>
+                </a:solidFill>
+                <a:ea typeface="ＭＳ ゴシック" panose="020B0609070205080204" pitchFamily="49" charset="-128"/>
+              </a:rPr>
+            </a:br>
+            <a:r>
+              <a:rPr lang="en-US" altLang="ja-JP" sz="2400" dirty="0">
+                <a:solidFill>
+                  <a:srgbClr val="0000FF"/>
+                </a:solidFill>
+                <a:ea typeface="ＭＳ ゴシック" panose="020B0609070205080204" pitchFamily="49" charset="-128"/>
+              </a:rPr>
+              <a:t>int</a:t>
+            </a:r>
+            <a:r>
+              <a:rPr lang="en-US" altLang="ja-JP" sz="2400" dirty="0">
+                <a:solidFill>
+                  <a:srgbClr val="000000"/>
+                </a:solidFill>
+                <a:ea typeface="ＭＳ ゴシック" panose="020B0609070205080204" pitchFamily="49" charset="-128"/>
+              </a:rPr>
+              <a:t> main() {</a:t>
+            </a:r>
+            <a:br>
+              <a:rPr lang="en-US" altLang="ja-JP" sz="2400" dirty="0">
+                <a:solidFill>
+                  <a:srgbClr val="000000"/>
+                </a:solidFill>
+                <a:ea typeface="ＭＳ ゴシック" panose="020B0609070205080204" pitchFamily="49" charset="-128"/>
+              </a:rPr>
+            </a:br>
+            <a:r>
+              <a:rPr lang="en-US" altLang="ja-JP" sz="2400" dirty="0">
+                <a:solidFill>
+                  <a:srgbClr val="000000"/>
+                </a:solidFill>
+                <a:ea typeface="ＭＳ ゴシック" panose="020B0609070205080204" pitchFamily="49" charset="-128"/>
+              </a:rPr>
+              <a:t>    </a:t>
+            </a:r>
+            <a:r>
+              <a:rPr lang="en-US" altLang="ja-JP" sz="2400" dirty="0">
+                <a:solidFill>
+                  <a:srgbClr val="00B050"/>
+                </a:solidFill>
+                <a:ea typeface="ＭＳ ゴシック" panose="020B0609070205080204" pitchFamily="49" charset="-128"/>
+              </a:rPr>
+              <a:t>//</a:t>
+            </a:r>
+            <a:r>
+              <a:rPr lang="ja-JP" altLang="en-US" sz="2400" dirty="0">
+                <a:solidFill>
+                  <a:srgbClr val="00B050"/>
+                </a:solidFill>
+                <a:ea typeface="ＭＳ ゴシック" panose="020B0609070205080204" pitchFamily="49" charset="-128"/>
+              </a:rPr>
+              <a:t>英単語の和訳と英訳のペアを</a:t>
+            </a:r>
+            <a:r>
+              <a:rPr lang="en-US" altLang="ja-JP" sz="2400" dirty="0" err="1">
+                <a:solidFill>
+                  <a:srgbClr val="00B050"/>
+                </a:solidFill>
+                <a:ea typeface="ＭＳ ゴシック" panose="020B0609070205080204" pitchFamily="49" charset="-128"/>
+              </a:rPr>
+              <a:t>dic</a:t>
+            </a:r>
+            <a:r>
+              <a:rPr lang="ja-JP" altLang="en-US" sz="2400" dirty="0">
+                <a:solidFill>
+                  <a:srgbClr val="00B050"/>
+                </a:solidFill>
+                <a:ea typeface="ＭＳ ゴシック" panose="020B0609070205080204" pitchFamily="49" charset="-128"/>
+              </a:rPr>
+              <a:t>に格納</a:t>
+            </a:r>
+            <a:br>
+              <a:rPr lang="en-US" altLang="ja-JP" sz="2400" dirty="0">
+                <a:solidFill>
+                  <a:srgbClr val="000000"/>
+                </a:solidFill>
+                <a:ea typeface="ＭＳ ゴシック" panose="020B0609070205080204" pitchFamily="49" charset="-128"/>
+              </a:rPr>
+            </a:br>
+            <a:r>
+              <a:rPr lang="en-US" altLang="ja-JP" sz="2400" dirty="0">
+                <a:solidFill>
+                  <a:srgbClr val="000000"/>
+                </a:solidFill>
+                <a:ea typeface="ＭＳ ゴシック" panose="020B0609070205080204" pitchFamily="49" charset="-128"/>
+              </a:rPr>
+              <a:t>    </a:t>
+            </a:r>
+            <a:r>
+              <a:rPr lang="en-US" altLang="ja-JP" sz="2400" dirty="0">
+                <a:solidFill>
+                  <a:srgbClr val="2B91AF"/>
+                </a:solidFill>
+                <a:ea typeface="ＭＳ ゴシック" panose="020B0609070205080204" pitchFamily="49" charset="-128"/>
+              </a:rPr>
+              <a:t>map</a:t>
+            </a:r>
+            <a:r>
+              <a:rPr lang="en-US" altLang="ja-JP" sz="2400" dirty="0">
+                <a:solidFill>
+                  <a:srgbClr val="000000"/>
+                </a:solidFill>
+                <a:ea typeface="ＭＳ ゴシック" panose="020B0609070205080204" pitchFamily="49" charset="-128"/>
+              </a:rPr>
+              <a:t>&lt;</a:t>
+            </a:r>
+            <a:r>
+              <a:rPr lang="en-US" altLang="ja-JP" sz="2400" dirty="0">
+                <a:solidFill>
+                  <a:srgbClr val="2B91AF"/>
+                </a:solidFill>
+                <a:ea typeface="ＭＳ ゴシック" panose="020B0609070205080204" pitchFamily="49" charset="-128"/>
+              </a:rPr>
+              <a:t>string</a:t>
+            </a:r>
+            <a:r>
+              <a:rPr lang="en-US" altLang="ja-JP" sz="2400" dirty="0">
+                <a:solidFill>
+                  <a:srgbClr val="000000"/>
+                </a:solidFill>
+                <a:ea typeface="ＭＳ ゴシック" panose="020B0609070205080204" pitchFamily="49" charset="-128"/>
+              </a:rPr>
+              <a:t>, </a:t>
+            </a:r>
+            <a:r>
+              <a:rPr lang="en-US" altLang="ja-JP" sz="2400" dirty="0">
+                <a:solidFill>
+                  <a:srgbClr val="2B91AF"/>
+                </a:solidFill>
+                <a:ea typeface="ＭＳ ゴシック" panose="020B0609070205080204" pitchFamily="49" charset="-128"/>
+              </a:rPr>
+              <a:t>string</a:t>
+            </a:r>
+            <a:r>
+              <a:rPr lang="en-US" altLang="ja-JP" sz="2400" dirty="0">
+                <a:solidFill>
+                  <a:srgbClr val="000000"/>
+                </a:solidFill>
+                <a:ea typeface="ＭＳ ゴシック" panose="020B0609070205080204" pitchFamily="49" charset="-128"/>
+              </a:rPr>
+              <a:t>&gt; </a:t>
+            </a:r>
+            <a:r>
+              <a:rPr lang="en-US" altLang="ja-JP" sz="2400" dirty="0" err="1">
+                <a:solidFill>
+                  <a:srgbClr val="00B0F0"/>
+                </a:solidFill>
+                <a:ea typeface="ＭＳ ゴシック" panose="020B0609070205080204" pitchFamily="49" charset="-128"/>
+              </a:rPr>
+              <a:t>dic</a:t>
+            </a:r>
+            <a:r>
+              <a:rPr lang="en-US" altLang="ja-JP" sz="2400" dirty="0">
+                <a:solidFill>
+                  <a:srgbClr val="000000"/>
+                </a:solidFill>
+                <a:ea typeface="ＭＳ ゴシック" panose="020B0609070205080204" pitchFamily="49" charset="-128"/>
+              </a:rPr>
+              <a:t>{ {</a:t>
+            </a:r>
+            <a:r>
+              <a:rPr lang="en-US" altLang="ja-JP" sz="2400" dirty="0">
+                <a:solidFill>
+                  <a:srgbClr val="A31515"/>
+                </a:solidFill>
+                <a:ea typeface="ＭＳ ゴシック" panose="020B0609070205080204" pitchFamily="49" charset="-128"/>
+              </a:rPr>
+              <a:t>“</a:t>
+            </a:r>
+            <a:r>
+              <a:rPr lang="ja-JP" altLang="en-US" sz="2400" dirty="0">
+                <a:solidFill>
+                  <a:srgbClr val="A31515"/>
+                </a:solidFill>
+                <a:ea typeface="ＭＳ ゴシック" panose="020B0609070205080204" pitchFamily="49" charset="-128"/>
+              </a:rPr>
+              <a:t>活動</a:t>
+            </a:r>
+            <a:r>
+              <a:rPr lang="en-US" altLang="ja-JP" sz="2400" dirty="0">
+                <a:solidFill>
+                  <a:srgbClr val="A31515"/>
+                </a:solidFill>
+                <a:ea typeface="ＭＳ ゴシック" panose="020B0609070205080204" pitchFamily="49" charset="-128"/>
+              </a:rPr>
+              <a:t>”</a:t>
+            </a:r>
+            <a:r>
+              <a:rPr lang="en-US" altLang="ja-JP" sz="2400" dirty="0">
+                <a:solidFill>
+                  <a:srgbClr val="000000"/>
+                </a:solidFill>
+                <a:ea typeface="ＭＳ ゴシック" panose="020B0609070205080204" pitchFamily="49" charset="-128"/>
+              </a:rPr>
+              <a:t>,</a:t>
+            </a:r>
+            <a:r>
+              <a:rPr lang="en-US" altLang="ja-JP" sz="2400" dirty="0">
+                <a:solidFill>
+                  <a:srgbClr val="A31515"/>
+                </a:solidFill>
+                <a:ea typeface="ＭＳ ゴシック" panose="020B0609070205080204" pitchFamily="49" charset="-128"/>
+              </a:rPr>
+              <a:t>“activity”</a:t>
+            </a:r>
+            <a:r>
+              <a:rPr lang="en-US" altLang="ja-JP" sz="2400" dirty="0">
+                <a:solidFill>
+                  <a:srgbClr val="000000"/>
+                </a:solidFill>
+                <a:ea typeface="ＭＳ ゴシック" panose="020B0609070205080204" pitchFamily="49" charset="-128"/>
+              </a:rPr>
+              <a:t>},</a:t>
+            </a:r>
+            <a:br>
+              <a:rPr lang="en-US" altLang="ja-JP" sz="2400" dirty="0">
+                <a:solidFill>
+                  <a:srgbClr val="000000"/>
+                </a:solidFill>
+                <a:ea typeface="ＭＳ ゴシック" panose="020B0609070205080204" pitchFamily="49" charset="-128"/>
+              </a:rPr>
+            </a:br>
+            <a:r>
+              <a:rPr lang="en-US" altLang="ja-JP" sz="2400" dirty="0">
+                <a:solidFill>
+                  <a:srgbClr val="000000"/>
+                </a:solidFill>
+                <a:ea typeface="ＭＳ ゴシック" panose="020B0609070205080204" pitchFamily="49" charset="-128"/>
+              </a:rPr>
+              <a:t>      {</a:t>
+            </a:r>
+            <a:r>
+              <a:rPr lang="en-US" altLang="ja-JP" sz="2400" dirty="0">
+                <a:solidFill>
+                  <a:srgbClr val="A31515"/>
+                </a:solidFill>
+                <a:ea typeface="ＭＳ ゴシック" panose="020B0609070205080204" pitchFamily="49" charset="-128"/>
+              </a:rPr>
+              <a:t>“</a:t>
+            </a:r>
+            <a:r>
+              <a:rPr lang="ja-JP" altLang="en-US" sz="2400" dirty="0">
+                <a:solidFill>
+                  <a:srgbClr val="A31515"/>
+                </a:solidFill>
+                <a:ea typeface="ＭＳ ゴシック" panose="020B0609070205080204" pitchFamily="49" charset="-128"/>
+              </a:rPr>
+              <a:t>雰囲気</a:t>
+            </a:r>
+            <a:r>
+              <a:rPr lang="en-US" altLang="ja-JP" sz="2400" dirty="0">
+                <a:solidFill>
+                  <a:srgbClr val="A31515"/>
+                </a:solidFill>
+                <a:ea typeface="ＭＳ ゴシック" panose="020B0609070205080204" pitchFamily="49" charset="-128"/>
+              </a:rPr>
+              <a:t>”</a:t>
+            </a:r>
+            <a:r>
+              <a:rPr lang="en-US" altLang="ja-JP" sz="2400" dirty="0">
+                <a:solidFill>
+                  <a:srgbClr val="000000"/>
+                </a:solidFill>
+                <a:ea typeface="ＭＳ ゴシック" panose="020B0609070205080204" pitchFamily="49" charset="-128"/>
+              </a:rPr>
+              <a:t>,</a:t>
+            </a:r>
+            <a:r>
+              <a:rPr lang="en-US" altLang="ja-JP" sz="2400" dirty="0">
+                <a:solidFill>
+                  <a:srgbClr val="A31515"/>
+                </a:solidFill>
+                <a:ea typeface="ＭＳ ゴシック" panose="020B0609070205080204" pitchFamily="49" charset="-128"/>
+              </a:rPr>
+              <a:t>“atmosphere”</a:t>
+            </a:r>
+            <a:r>
+              <a:rPr lang="en-US" altLang="ja-JP" sz="2400" dirty="0">
+                <a:solidFill>
+                  <a:srgbClr val="000000"/>
+                </a:solidFill>
+                <a:ea typeface="ＭＳ ゴシック" panose="020B0609070205080204" pitchFamily="49" charset="-128"/>
+              </a:rPr>
+              <a:t>},{</a:t>
+            </a:r>
+            <a:r>
+              <a:rPr lang="en-US" altLang="ja-JP" sz="2400" dirty="0">
+                <a:solidFill>
+                  <a:srgbClr val="A31515"/>
+                </a:solidFill>
+                <a:ea typeface="ＭＳ ゴシック" panose="020B0609070205080204" pitchFamily="49" charset="-128"/>
+              </a:rPr>
+              <a:t>“</a:t>
+            </a:r>
+            <a:r>
+              <a:rPr lang="ja-JP" altLang="en-US" sz="2400" dirty="0">
+                <a:solidFill>
+                  <a:srgbClr val="A31515"/>
+                </a:solidFill>
+                <a:ea typeface="ＭＳ ゴシック" panose="020B0609070205080204" pitchFamily="49" charset="-128"/>
+              </a:rPr>
+              <a:t>血液</a:t>
+            </a:r>
+            <a:r>
+              <a:rPr lang="en-US" altLang="ja-JP" sz="2400" dirty="0">
+                <a:solidFill>
+                  <a:srgbClr val="A31515"/>
+                </a:solidFill>
+                <a:ea typeface="ＭＳ ゴシック" panose="020B0609070205080204" pitchFamily="49" charset="-128"/>
+              </a:rPr>
+              <a:t>”</a:t>
+            </a:r>
+            <a:r>
+              <a:rPr lang="en-US" altLang="ja-JP" sz="2400" dirty="0">
+                <a:solidFill>
+                  <a:srgbClr val="000000"/>
+                </a:solidFill>
+                <a:ea typeface="ＭＳ ゴシック" panose="020B0609070205080204" pitchFamily="49" charset="-128"/>
+              </a:rPr>
+              <a:t>,</a:t>
+            </a:r>
+            <a:r>
+              <a:rPr lang="en-US" altLang="ja-JP" sz="2400" dirty="0">
+                <a:solidFill>
+                  <a:srgbClr val="A31515"/>
+                </a:solidFill>
+                <a:ea typeface="ＭＳ ゴシック" panose="020B0609070205080204" pitchFamily="49" charset="-128"/>
+              </a:rPr>
+              <a:t>“blood”</a:t>
+            </a:r>
+            <a:r>
+              <a:rPr lang="en-US" altLang="ja-JP" sz="2400" dirty="0">
+                <a:solidFill>
+                  <a:srgbClr val="000000"/>
+                </a:solidFill>
+                <a:ea typeface="ＭＳ ゴシック" panose="020B0609070205080204" pitchFamily="49" charset="-128"/>
+              </a:rPr>
+              <a:t>},</a:t>
+            </a:r>
+            <a:br>
+              <a:rPr lang="en-US" altLang="ja-JP" sz="2400" dirty="0">
+                <a:solidFill>
+                  <a:srgbClr val="000000"/>
+                </a:solidFill>
+                <a:ea typeface="ＭＳ ゴシック" panose="020B0609070205080204" pitchFamily="49" charset="-128"/>
+              </a:rPr>
+            </a:br>
+            <a:r>
+              <a:rPr lang="en-US" altLang="ja-JP" sz="2400" dirty="0">
+                <a:solidFill>
+                  <a:srgbClr val="000000"/>
+                </a:solidFill>
+                <a:ea typeface="ＭＳ ゴシック" panose="020B0609070205080204" pitchFamily="49" charset="-128"/>
+              </a:rPr>
+              <a:t>      {</a:t>
+            </a:r>
+            <a:r>
+              <a:rPr lang="en-US" altLang="ja-JP" sz="2400" dirty="0">
+                <a:solidFill>
+                  <a:srgbClr val="A31515"/>
+                </a:solidFill>
+                <a:ea typeface="ＭＳ ゴシック" panose="020B0609070205080204" pitchFamily="49" charset="-128"/>
+              </a:rPr>
+              <a:t>“</a:t>
+            </a:r>
+            <a:r>
+              <a:rPr lang="ja-JP" altLang="en-US" sz="2400" dirty="0">
+                <a:solidFill>
+                  <a:srgbClr val="A31515"/>
+                </a:solidFill>
+                <a:ea typeface="ＭＳ ゴシック" panose="020B0609070205080204" pitchFamily="49" charset="-128"/>
+              </a:rPr>
+              <a:t>環境</a:t>
+            </a:r>
+            <a:r>
+              <a:rPr lang="en-US" altLang="ja-JP" sz="2400" dirty="0">
+                <a:solidFill>
+                  <a:srgbClr val="A31515"/>
+                </a:solidFill>
+                <a:ea typeface="ＭＳ ゴシック" panose="020B0609070205080204" pitchFamily="49" charset="-128"/>
+              </a:rPr>
+              <a:t>”</a:t>
+            </a:r>
+            <a:r>
+              <a:rPr lang="en-US" altLang="ja-JP" sz="2400" dirty="0">
+                <a:solidFill>
+                  <a:srgbClr val="000000"/>
+                </a:solidFill>
+                <a:ea typeface="ＭＳ ゴシック" panose="020B0609070205080204" pitchFamily="49" charset="-128"/>
+              </a:rPr>
+              <a:t>,</a:t>
+            </a:r>
+            <a:r>
+              <a:rPr lang="en-US" altLang="ja-JP" sz="2400" dirty="0">
+                <a:solidFill>
+                  <a:srgbClr val="A31515"/>
+                </a:solidFill>
+                <a:ea typeface="ＭＳ ゴシック" panose="020B0609070205080204" pitchFamily="49" charset="-128"/>
+              </a:rPr>
+              <a:t>“environment”</a:t>
+            </a:r>
+            <a:r>
+              <a:rPr lang="en-US" altLang="ja-JP" sz="2400" dirty="0">
+                <a:solidFill>
+                  <a:srgbClr val="000000"/>
+                </a:solidFill>
+                <a:ea typeface="ＭＳ ゴシック" panose="020B0609070205080204" pitchFamily="49" charset="-128"/>
+              </a:rPr>
+              <a:t>}, {</a:t>
+            </a:r>
+            <a:r>
+              <a:rPr lang="en-US" altLang="ja-JP" sz="2400" dirty="0">
+                <a:solidFill>
+                  <a:srgbClr val="A31515"/>
+                </a:solidFill>
+                <a:ea typeface="ＭＳ ゴシック" panose="020B0609070205080204" pitchFamily="49" charset="-128"/>
+              </a:rPr>
+              <a:t>“</a:t>
+            </a:r>
+            <a:r>
+              <a:rPr lang="ja-JP" altLang="en-US" sz="2400" dirty="0">
+                <a:solidFill>
+                  <a:srgbClr val="A31515"/>
+                </a:solidFill>
+                <a:ea typeface="ＭＳ ゴシック" panose="020B0609070205080204" pitchFamily="49" charset="-128"/>
+              </a:rPr>
+              <a:t>温度</a:t>
+            </a:r>
+            <a:r>
+              <a:rPr lang="en-US" altLang="ja-JP" sz="2400" dirty="0">
+                <a:solidFill>
+                  <a:srgbClr val="A31515"/>
+                </a:solidFill>
+                <a:ea typeface="ＭＳ ゴシック" panose="020B0609070205080204" pitchFamily="49" charset="-128"/>
+              </a:rPr>
+              <a:t>”</a:t>
+            </a:r>
+            <a:r>
+              <a:rPr lang="en-US" altLang="ja-JP" sz="2400" dirty="0">
+                <a:solidFill>
+                  <a:srgbClr val="000000"/>
+                </a:solidFill>
+                <a:ea typeface="ＭＳ ゴシック" panose="020B0609070205080204" pitchFamily="49" charset="-128"/>
+              </a:rPr>
+              <a:t>,</a:t>
+            </a:r>
+            <a:r>
+              <a:rPr lang="en-US" altLang="ja-JP" sz="2400" dirty="0">
+                <a:solidFill>
+                  <a:srgbClr val="A31515"/>
+                </a:solidFill>
+                <a:ea typeface="ＭＳ ゴシック" panose="020B0609070205080204" pitchFamily="49" charset="-128"/>
+              </a:rPr>
+              <a:t>“temperature”</a:t>
+            </a:r>
+            <a:r>
+              <a:rPr lang="en-US" altLang="ja-JP" sz="2400" dirty="0">
+                <a:solidFill>
+                  <a:srgbClr val="000000"/>
+                </a:solidFill>
+                <a:ea typeface="ＭＳ ゴシック" panose="020B0609070205080204" pitchFamily="49" charset="-128"/>
+              </a:rPr>
+              <a:t>}};</a:t>
+            </a:r>
+            <a:br>
+              <a:rPr lang="en-US" altLang="ja-JP" sz="2400" dirty="0">
+                <a:solidFill>
+                  <a:srgbClr val="000000"/>
+                </a:solidFill>
+                <a:ea typeface="ＭＳ ゴシック" panose="020B0609070205080204" pitchFamily="49" charset="-128"/>
+              </a:rPr>
+            </a:br>
+            <a:br>
+              <a:rPr lang="en-US" altLang="ja-JP" sz="2400" dirty="0">
+                <a:solidFill>
+                  <a:srgbClr val="000000"/>
+                </a:solidFill>
+                <a:ea typeface="ＭＳ ゴシック" panose="020B0609070205080204" pitchFamily="49" charset="-128"/>
+              </a:rPr>
+            </a:br>
+            <a:r>
+              <a:rPr lang="en-US" altLang="ja-JP" sz="2400" dirty="0">
+                <a:solidFill>
+                  <a:srgbClr val="000000"/>
+                </a:solidFill>
+                <a:ea typeface="ＭＳ ゴシック" panose="020B0609070205080204" pitchFamily="49" charset="-128"/>
+              </a:rPr>
+              <a:t>    </a:t>
+            </a:r>
+            <a:r>
+              <a:rPr lang="en-US" altLang="ja-JP" sz="2400" dirty="0">
+                <a:solidFill>
+                  <a:srgbClr val="0066FF"/>
+                </a:solidFill>
+                <a:ea typeface="ＭＳ ゴシック" panose="020B0609070205080204" pitchFamily="49" charset="-128"/>
+              </a:rPr>
+              <a:t>auto</a:t>
+            </a:r>
+            <a:r>
+              <a:rPr lang="en-US" altLang="ja-JP" sz="2400" dirty="0">
+                <a:solidFill>
+                  <a:srgbClr val="000000"/>
+                </a:solidFill>
+                <a:ea typeface="ＭＳ ゴシック" panose="020B0609070205080204" pitchFamily="49" charset="-128"/>
+              </a:rPr>
+              <a:t> it = </a:t>
+            </a:r>
+            <a:r>
+              <a:rPr lang="en-US" altLang="ja-JP" sz="2400" dirty="0" err="1">
+                <a:solidFill>
+                  <a:srgbClr val="000000"/>
+                </a:solidFill>
+                <a:ea typeface="ＭＳ ゴシック" panose="020B0609070205080204" pitchFamily="49" charset="-128"/>
+              </a:rPr>
+              <a:t>dic.begin</a:t>
+            </a:r>
+            <a:r>
+              <a:rPr lang="en-US" altLang="ja-JP" sz="2400" dirty="0">
+                <a:solidFill>
+                  <a:srgbClr val="000000"/>
+                </a:solidFill>
+                <a:ea typeface="ＭＳ ゴシック" panose="020B0609070205080204" pitchFamily="49" charset="-128"/>
+              </a:rPr>
+              <a:t>();</a:t>
+            </a:r>
+            <a:br>
+              <a:rPr lang="en-US" altLang="ja-JP" sz="2400" dirty="0">
+                <a:solidFill>
+                  <a:srgbClr val="000000"/>
+                </a:solidFill>
+                <a:ea typeface="ＭＳ ゴシック" panose="020B0609070205080204" pitchFamily="49" charset="-128"/>
+              </a:rPr>
+            </a:br>
+            <a:r>
+              <a:rPr lang="en-US" altLang="ja-JP" sz="2400" dirty="0">
+                <a:solidFill>
+                  <a:srgbClr val="000000"/>
+                </a:solidFill>
+                <a:ea typeface="ＭＳ ゴシック" panose="020B0609070205080204" pitchFamily="49" charset="-128"/>
+              </a:rPr>
+              <a:t>    </a:t>
+            </a:r>
+            <a:r>
+              <a:rPr lang="en-US" altLang="ja-JP" sz="2400" dirty="0" err="1">
+                <a:solidFill>
+                  <a:srgbClr val="000000"/>
+                </a:solidFill>
+                <a:ea typeface="ＭＳ ゴシック" panose="020B0609070205080204" pitchFamily="49" charset="-128"/>
+              </a:rPr>
+              <a:t>cout</a:t>
+            </a:r>
+            <a:r>
+              <a:rPr lang="en-US" altLang="ja-JP" sz="2400" dirty="0">
+                <a:solidFill>
+                  <a:srgbClr val="000000"/>
+                </a:solidFill>
+                <a:ea typeface="ＭＳ ゴシック" panose="020B0609070205080204" pitchFamily="49" charset="-128"/>
+              </a:rPr>
+              <a:t> &lt;&lt; “</a:t>
+            </a:r>
+            <a:r>
+              <a:rPr lang="en-US" altLang="ja-JP" sz="2400" dirty="0" err="1">
+                <a:solidFill>
+                  <a:srgbClr val="000000"/>
+                </a:solidFill>
+                <a:ea typeface="ＭＳ ゴシック" panose="020B0609070205080204" pitchFamily="49" charset="-128"/>
+              </a:rPr>
+              <a:t>dic</a:t>
+            </a:r>
+            <a:r>
+              <a:rPr lang="ja-JP" altLang="en-US" sz="2400" dirty="0">
+                <a:solidFill>
+                  <a:srgbClr val="000000"/>
+                </a:solidFill>
+                <a:ea typeface="ＭＳ ゴシック" panose="020B0609070205080204" pitchFamily="49" charset="-128"/>
+              </a:rPr>
+              <a:t>の先頭キー</a:t>
+            </a:r>
+            <a:r>
+              <a:rPr lang="en-US" altLang="ja-JP" sz="2400" dirty="0">
+                <a:solidFill>
+                  <a:srgbClr val="000000"/>
+                </a:solidFill>
+                <a:ea typeface="ＭＳ ゴシック" panose="020B0609070205080204" pitchFamily="49" charset="-128"/>
+              </a:rPr>
+              <a:t>:” &lt;&lt; it-&gt;first &lt;&lt; </a:t>
+            </a:r>
+            <a:r>
+              <a:rPr lang="en-US" altLang="ja-JP" sz="2400" dirty="0" err="1">
+                <a:solidFill>
+                  <a:srgbClr val="000000"/>
+                </a:solidFill>
+                <a:ea typeface="ＭＳ ゴシック" panose="020B0609070205080204" pitchFamily="49" charset="-128"/>
+              </a:rPr>
+              <a:t>endl</a:t>
+            </a:r>
+            <a:r>
+              <a:rPr lang="en-US" altLang="ja-JP" sz="2400" dirty="0">
+                <a:solidFill>
+                  <a:srgbClr val="000000"/>
+                </a:solidFill>
+                <a:ea typeface="ＭＳ ゴシック" panose="020B0609070205080204" pitchFamily="49" charset="-128"/>
+              </a:rPr>
+              <a:t>;</a:t>
+            </a:r>
+            <a:br>
+              <a:rPr lang="en-US" altLang="ja-JP" sz="2400" dirty="0">
+                <a:solidFill>
+                  <a:srgbClr val="000000"/>
+                </a:solidFill>
+                <a:ea typeface="ＭＳ ゴシック" panose="020B0609070205080204" pitchFamily="49" charset="-128"/>
+              </a:rPr>
+            </a:br>
+            <a:r>
+              <a:rPr lang="en-US" altLang="ja-JP" sz="2400" dirty="0">
+                <a:solidFill>
+                  <a:srgbClr val="00B050"/>
+                </a:solidFill>
+                <a:ea typeface="ＭＳ ゴシック" panose="020B0609070205080204" pitchFamily="49" charset="-128"/>
+              </a:rPr>
+              <a:t>    //</a:t>
+            </a:r>
+            <a:r>
+              <a:rPr lang="ja-JP" altLang="en-US" sz="2400" dirty="0">
+                <a:solidFill>
+                  <a:srgbClr val="00B050"/>
+                </a:solidFill>
+                <a:ea typeface="ＭＳ ゴシック" panose="020B0609070205080204" pitchFamily="49" charset="-128"/>
+              </a:rPr>
+              <a:t>イテレータ用の変数を宣言せずに書くパターン</a:t>
+            </a:r>
+            <a:br>
+              <a:rPr lang="en-US" altLang="ja-JP" sz="2400" dirty="0">
+                <a:solidFill>
+                  <a:srgbClr val="00B050"/>
+                </a:solidFill>
+                <a:ea typeface="ＭＳ ゴシック" panose="020B0609070205080204" pitchFamily="49" charset="-128"/>
+              </a:rPr>
+            </a:br>
+            <a:r>
+              <a:rPr lang="en-US" altLang="ja-JP" sz="2400" dirty="0">
+                <a:solidFill>
+                  <a:srgbClr val="00B050"/>
+                </a:solidFill>
+                <a:ea typeface="ＭＳ ゴシック" panose="020B0609070205080204" pitchFamily="49" charset="-128"/>
+              </a:rPr>
+              <a:t>    //</a:t>
+            </a:r>
+            <a:r>
+              <a:rPr lang="en-US" altLang="ja-JP" sz="2400" dirty="0" err="1">
+                <a:solidFill>
+                  <a:srgbClr val="00B050"/>
+                </a:solidFill>
+                <a:ea typeface="ＭＳ ゴシック" panose="020B0609070205080204" pitchFamily="49" charset="-128"/>
+              </a:rPr>
+              <a:t>cout</a:t>
+            </a:r>
+            <a:r>
+              <a:rPr lang="en-US" altLang="ja-JP" sz="2400" dirty="0">
+                <a:solidFill>
+                  <a:srgbClr val="00B050"/>
+                </a:solidFill>
+                <a:ea typeface="ＭＳ ゴシック" panose="020B0609070205080204" pitchFamily="49" charset="-128"/>
+              </a:rPr>
+              <a:t> &lt;&lt; </a:t>
+            </a:r>
+            <a:r>
+              <a:rPr lang="en-US" altLang="ja-JP" sz="2400" dirty="0" err="1">
+                <a:solidFill>
+                  <a:srgbClr val="00B050"/>
+                </a:solidFill>
+                <a:ea typeface="ＭＳ ゴシック" panose="020B0609070205080204" pitchFamily="49" charset="-128"/>
+              </a:rPr>
+              <a:t>dic.begin</a:t>
+            </a:r>
+            <a:r>
+              <a:rPr lang="en-US" altLang="ja-JP" sz="2400" dirty="0">
+                <a:solidFill>
+                  <a:srgbClr val="00B050"/>
+                </a:solidFill>
+                <a:ea typeface="ＭＳ ゴシック" panose="020B0609070205080204" pitchFamily="49" charset="-128"/>
+              </a:rPr>
+              <a:t>()-&gt;first &lt;&lt; </a:t>
+            </a:r>
+            <a:r>
+              <a:rPr lang="en-US" altLang="ja-JP" sz="2400" dirty="0" err="1">
+                <a:solidFill>
+                  <a:srgbClr val="00B050"/>
+                </a:solidFill>
+                <a:ea typeface="ＭＳ ゴシック" panose="020B0609070205080204" pitchFamily="49" charset="-128"/>
+              </a:rPr>
+              <a:t>endl</a:t>
+            </a:r>
+            <a:r>
+              <a:rPr lang="en-US" altLang="ja-JP" sz="2400" dirty="0">
+                <a:solidFill>
+                  <a:srgbClr val="00B050"/>
+                </a:solidFill>
+                <a:ea typeface="ＭＳ ゴシック" panose="020B0609070205080204" pitchFamily="49" charset="-128"/>
+              </a:rPr>
+              <a:t>;</a:t>
+            </a:r>
+          </a:p>
+          <a:p>
+            <a:pPr marL="0" indent="0">
+              <a:buNone/>
+            </a:pPr>
+            <a:br>
+              <a:rPr lang="en-US" altLang="ja-JP" sz="2400" dirty="0">
+                <a:solidFill>
+                  <a:srgbClr val="000000"/>
+                </a:solidFill>
+                <a:ea typeface="ＭＳ ゴシック" panose="020B0609070205080204" pitchFamily="49" charset="-128"/>
+              </a:rPr>
+            </a:br>
+            <a:r>
+              <a:rPr lang="en-US" altLang="ja-JP" sz="2400" dirty="0">
+                <a:solidFill>
+                  <a:srgbClr val="000000"/>
+                </a:solidFill>
+                <a:ea typeface="ＭＳ ゴシック" panose="020B0609070205080204" pitchFamily="49" charset="-128"/>
+              </a:rPr>
+              <a:t>    return 0;</a:t>
+            </a:r>
+            <a:br>
+              <a:rPr lang="en-US" altLang="ja-JP" sz="2400" dirty="0">
+                <a:solidFill>
+                  <a:srgbClr val="000000"/>
+                </a:solidFill>
+                <a:ea typeface="ＭＳ ゴシック" panose="020B0609070205080204" pitchFamily="49" charset="-128"/>
+              </a:rPr>
+            </a:br>
+            <a:r>
+              <a:rPr lang="en-US" altLang="ja-JP" sz="2400" dirty="0">
+                <a:solidFill>
+                  <a:srgbClr val="000000"/>
+                </a:solidFill>
+                <a:ea typeface="ＭＳ ゴシック" panose="020B0609070205080204" pitchFamily="49" charset="-128"/>
+              </a:rPr>
+              <a:t>}</a:t>
+            </a:r>
+          </a:p>
+        </p:txBody>
+      </p:sp>
+      <p:sp>
+        <p:nvSpPr>
+          <p:cNvPr id="4" name="テキスト ボックス 3">
+            <a:extLst>
+              <a:ext uri="{FF2B5EF4-FFF2-40B4-BE49-F238E27FC236}">
+                <a16:creationId xmlns:a16="http://schemas.microsoft.com/office/drawing/2014/main" id="{36167C58-0781-4BAB-BAA5-8E3EEFBCFF26}"/>
+              </a:ext>
+            </a:extLst>
+          </p:cNvPr>
+          <p:cNvSpPr txBox="1"/>
+          <p:nvPr/>
+        </p:nvSpPr>
+        <p:spPr>
+          <a:xfrm>
+            <a:off x="7104919" y="639756"/>
+            <a:ext cx="4195379" cy="523220"/>
+          </a:xfrm>
+          <a:prstGeom prst="rect">
+            <a:avLst/>
+          </a:prstGeom>
+          <a:noFill/>
+        </p:spPr>
+        <p:txBody>
+          <a:bodyPr wrap="none" rtlCol="0">
+            <a:spAutoFit/>
+          </a:bodyPr>
+          <a:lstStyle/>
+          <a:p>
+            <a:r>
+              <a:rPr kumimoji="1" lang="en-US" altLang="ja-JP" sz="2800" dirty="0"/>
+              <a:t>PracMap2(main.cpp)</a:t>
+            </a:r>
+            <a:endParaRPr kumimoji="1" lang="ja-JP" altLang="en-US" sz="2800" dirty="0"/>
+          </a:p>
+        </p:txBody>
+      </p:sp>
+    </p:spTree>
+    <p:extLst>
+      <p:ext uri="{BB962C8B-B14F-4D97-AF65-F5344CB8AC3E}">
+        <p14:creationId xmlns:p14="http://schemas.microsoft.com/office/powerpoint/2010/main" val="3906272544"/>
+      </p:ext>
+    </p:extLst>
+  </p:cSld>
+  <p:clrMapOvr>
+    <a:masterClrMapping/>
+  </p:clrMapOvr>
+</p:sld>
+</file>
+
+<file path=ppt/slides/slide15.xml><?xml version="1.0" encoding="utf-8"?>
+<p:sld xmlns:a="http://schemas.openxmlformats.org/drawingml/2006/main" xmlns:r="http://schemas.openxmlformats.org/officeDocument/2006/relationships" xmlns:p="http://schemas.openxmlformats.org/presentationml/2006/main">
+  <p:cSld>
+    <p:spTree>
+      <p:nvGrpSpPr>
+        <p:cNvPr id="1" name=""/>
+        <p:cNvGrpSpPr/>
+        <p:nvPr/>
+      </p:nvGrpSpPr>
+      <p:grpSpPr>
+        <a:xfrm>
+          <a:off x="0" y="0"/>
+          <a:ext cx="0" cy="0"/>
+          <a:chOff x="0" y="0"/>
+          <a:chExt cx="0" cy="0"/>
+        </a:xfrm>
+      </p:grpSpPr>
+      <p:sp>
+        <p:nvSpPr>
+          <p:cNvPr id="2" name="タイトル 1">
+            <a:extLst>
+              <a:ext uri="{FF2B5EF4-FFF2-40B4-BE49-F238E27FC236}">
+                <a16:creationId xmlns:a16="http://schemas.microsoft.com/office/drawing/2014/main" id="{9F789731-37C4-49DD-AEE8-78E5514E279E}"/>
+              </a:ext>
+            </a:extLst>
+          </p:cNvPr>
+          <p:cNvSpPr>
+            <a:spLocks noGrp="1"/>
+          </p:cNvSpPr>
+          <p:nvPr>
+            <p:ph type="title"/>
+          </p:nvPr>
+        </p:nvSpPr>
+        <p:spPr/>
+        <p:txBody>
+          <a:bodyPr/>
+          <a:lstStyle/>
+          <a:p>
+            <a:r>
+              <a:rPr kumimoji="1" lang="ja-JP" altLang="en-US" dirty="0"/>
+              <a:t>演習：</a:t>
+            </a:r>
+            <a:r>
+              <a:rPr lang="en-US" altLang="ja-JP" dirty="0"/>
+              <a:t>map</a:t>
+            </a:r>
+            <a:endParaRPr kumimoji="1" lang="ja-JP" altLang="en-US" dirty="0"/>
+          </a:p>
+        </p:txBody>
+      </p:sp>
+      <p:sp>
+        <p:nvSpPr>
+          <p:cNvPr id="3" name="コンテンツ プレースホルダー 2">
+            <a:extLst>
+              <a:ext uri="{FF2B5EF4-FFF2-40B4-BE49-F238E27FC236}">
+                <a16:creationId xmlns:a16="http://schemas.microsoft.com/office/drawing/2014/main" id="{39562F0E-6033-40BD-BCB8-F015661306FD}"/>
+              </a:ext>
+            </a:extLst>
+          </p:cNvPr>
+          <p:cNvSpPr>
+            <a:spLocks noGrp="1"/>
+          </p:cNvSpPr>
+          <p:nvPr>
+            <p:ph idx="1"/>
+          </p:nvPr>
+        </p:nvSpPr>
+        <p:spPr/>
+        <p:txBody>
+          <a:bodyPr>
+            <a:normAutofit lnSpcReduction="10000"/>
+          </a:bodyPr>
+          <a:lstStyle/>
+          <a:p>
+            <a:r>
+              <a:rPr lang="ja-JP" altLang="en-US" b="1" u="sng" dirty="0"/>
+              <a:t>課題②</a:t>
+            </a:r>
+            <a:br>
+              <a:rPr lang="en-US" altLang="ja-JP" dirty="0"/>
+            </a:br>
+            <a:br>
+              <a:rPr lang="en-US" altLang="ja-JP" dirty="0"/>
+            </a:br>
+            <a:r>
+              <a:rPr lang="en-US" altLang="ja-JP" dirty="0" err="1">
+                <a:solidFill>
+                  <a:srgbClr val="00B0F0"/>
+                </a:solidFill>
+              </a:rPr>
+              <a:t>dic</a:t>
+            </a:r>
+            <a:r>
+              <a:rPr lang="ja-JP" altLang="en-US" dirty="0"/>
+              <a:t>のキー（日本語訳）をすべて表示しなさい</a:t>
+            </a:r>
+            <a:br>
+              <a:rPr lang="en-US" altLang="ja-JP" dirty="0"/>
+            </a:br>
+            <a:br>
+              <a:rPr lang="en-US" altLang="ja-JP" dirty="0"/>
+            </a:br>
+            <a:r>
+              <a:rPr lang="ja-JP" altLang="en-US" dirty="0"/>
+              <a:t>ただし、表示に用いるループ処理は、</a:t>
+            </a:r>
+            <a:br>
+              <a:rPr lang="en-US" altLang="ja-JP" dirty="0"/>
+            </a:br>
+            <a:br>
+              <a:rPr lang="en-US" altLang="ja-JP" dirty="0"/>
+            </a:br>
+            <a:r>
+              <a:rPr lang="ja-JP" altLang="en-US" dirty="0"/>
+              <a:t>・イテレータを用いたループ</a:t>
+            </a:r>
+            <a:br>
+              <a:rPr lang="en-US" altLang="ja-JP" dirty="0"/>
+            </a:br>
+            <a:r>
+              <a:rPr lang="ja-JP" altLang="en-US" dirty="0"/>
+              <a:t>・範囲</a:t>
+            </a:r>
+            <a:r>
+              <a:rPr lang="en-US" altLang="ja-JP" dirty="0"/>
+              <a:t>for</a:t>
+            </a:r>
+            <a:br>
+              <a:rPr lang="en-US" altLang="ja-JP" dirty="0"/>
+            </a:br>
+            <a:br>
+              <a:rPr lang="en-US" altLang="ja-JP" dirty="0"/>
+            </a:br>
+            <a:r>
+              <a:rPr lang="ja-JP" altLang="en-US" dirty="0"/>
+              <a:t>のどちらでもかまわないものとする</a:t>
+            </a:r>
+            <a:endParaRPr lang="en-US" altLang="ja-JP" dirty="0"/>
+          </a:p>
+        </p:txBody>
+      </p:sp>
+    </p:spTree>
+    <p:extLst>
+      <p:ext uri="{BB962C8B-B14F-4D97-AF65-F5344CB8AC3E}">
+        <p14:creationId xmlns:p14="http://schemas.microsoft.com/office/powerpoint/2010/main" val="2585819163"/>
+      </p:ext>
+    </p:extLst>
+  </p:cSld>
+  <p:clrMapOvr>
+    <a:masterClrMapping/>
+  </p:clrMapOvr>
+</p:sld>
+</file>
+
+<file path=ppt/slides/slide16.xml><?xml version="1.0" encoding="utf-8"?>
+<p:sld xmlns:a="http://schemas.openxmlformats.org/drawingml/2006/main" xmlns:r="http://schemas.openxmlformats.org/officeDocument/2006/relationships" xmlns:p="http://schemas.openxmlformats.org/presentationml/2006/main">
+  <p:cSld>
+    <p:spTree>
+      <p:nvGrpSpPr>
+        <p:cNvPr id="1" name=""/>
+        <p:cNvGrpSpPr/>
+        <p:nvPr/>
+      </p:nvGrpSpPr>
+      <p:grpSpPr>
+        <a:xfrm>
+          <a:off x="0" y="0"/>
+          <a:ext cx="0" cy="0"/>
+          <a:chOff x="0" y="0"/>
+          <a:chExt cx="0" cy="0"/>
+        </a:xfrm>
+      </p:grpSpPr>
+      <p:sp>
+        <p:nvSpPr>
+          <p:cNvPr id="2" name="タイトル 1">
+            <a:extLst>
+              <a:ext uri="{FF2B5EF4-FFF2-40B4-BE49-F238E27FC236}">
+                <a16:creationId xmlns:a16="http://schemas.microsoft.com/office/drawing/2014/main" id="{9F789731-37C4-49DD-AEE8-78E5514E279E}"/>
+              </a:ext>
+            </a:extLst>
+          </p:cNvPr>
+          <p:cNvSpPr>
+            <a:spLocks noGrp="1"/>
+          </p:cNvSpPr>
+          <p:nvPr>
+            <p:ph type="title"/>
+          </p:nvPr>
+        </p:nvSpPr>
+        <p:spPr/>
+        <p:txBody>
+          <a:bodyPr/>
+          <a:lstStyle/>
+          <a:p>
+            <a:r>
+              <a:rPr kumimoji="1" lang="ja-JP" altLang="en-US" dirty="0"/>
+              <a:t>演習：</a:t>
+            </a:r>
+            <a:r>
+              <a:rPr kumimoji="1" lang="en-US" altLang="ja-JP" dirty="0"/>
+              <a:t>map</a:t>
+            </a:r>
+            <a:endParaRPr kumimoji="1" lang="ja-JP" altLang="en-US" dirty="0"/>
+          </a:p>
+        </p:txBody>
+      </p:sp>
+      <p:sp>
+        <p:nvSpPr>
+          <p:cNvPr id="3" name="コンテンツ プレースホルダー 2">
+            <a:extLst>
+              <a:ext uri="{FF2B5EF4-FFF2-40B4-BE49-F238E27FC236}">
+                <a16:creationId xmlns:a16="http://schemas.microsoft.com/office/drawing/2014/main" id="{39562F0E-6033-40BD-BCB8-F015661306FD}"/>
+              </a:ext>
+            </a:extLst>
+          </p:cNvPr>
+          <p:cNvSpPr>
+            <a:spLocks noGrp="1"/>
+          </p:cNvSpPr>
+          <p:nvPr>
+            <p:ph idx="1"/>
+          </p:nvPr>
+        </p:nvSpPr>
+        <p:spPr>
+          <a:xfrm>
+            <a:off x="731195" y="1162976"/>
+            <a:ext cx="10893357" cy="5626930"/>
+          </a:xfrm>
+          <a:solidFill>
+            <a:schemeClr val="bg1"/>
+          </a:solidFill>
+          <a:ln>
+            <a:solidFill>
+              <a:schemeClr val="tx1"/>
+            </a:solidFill>
+          </a:ln>
+        </p:spPr>
+        <p:txBody>
+          <a:bodyPr>
+            <a:noAutofit/>
+          </a:bodyPr>
+          <a:lstStyle/>
+          <a:p>
+            <a:pPr marL="0" indent="0">
+              <a:buNone/>
+            </a:pPr>
+            <a:r>
+              <a:rPr lang="en-US" altLang="ja-JP" sz="2400" dirty="0">
+                <a:solidFill>
+                  <a:srgbClr val="0000FF"/>
+                </a:solidFill>
+                <a:ea typeface="ＭＳ ゴシック" panose="020B0609070205080204" pitchFamily="49" charset="-128"/>
+              </a:rPr>
+              <a:t>using</a:t>
+            </a:r>
+            <a:r>
+              <a:rPr lang="en-US" altLang="ja-JP" sz="2400" dirty="0">
+                <a:solidFill>
+                  <a:srgbClr val="000000"/>
+                </a:solidFill>
+                <a:ea typeface="ＭＳ ゴシック" panose="020B0609070205080204" pitchFamily="49" charset="-128"/>
+              </a:rPr>
+              <a:t> </a:t>
+            </a:r>
+            <a:r>
+              <a:rPr lang="en-US" altLang="ja-JP" sz="2400" dirty="0">
+                <a:solidFill>
+                  <a:srgbClr val="0000FF"/>
+                </a:solidFill>
+                <a:ea typeface="ＭＳ ゴシック" panose="020B0609070205080204" pitchFamily="49" charset="-128"/>
+              </a:rPr>
+              <a:t>namespace</a:t>
+            </a:r>
+            <a:r>
+              <a:rPr lang="en-US" altLang="ja-JP" sz="2400" dirty="0">
+                <a:solidFill>
+                  <a:srgbClr val="000000"/>
+                </a:solidFill>
+                <a:ea typeface="ＭＳ ゴシック" panose="020B0609070205080204" pitchFamily="49" charset="-128"/>
+              </a:rPr>
+              <a:t> std;</a:t>
+            </a:r>
+            <a:br>
+              <a:rPr lang="en-US" altLang="ja-JP" sz="2400" dirty="0">
+                <a:solidFill>
+                  <a:srgbClr val="000000"/>
+                </a:solidFill>
+                <a:ea typeface="ＭＳ ゴシック" panose="020B0609070205080204" pitchFamily="49" charset="-128"/>
+              </a:rPr>
+            </a:br>
+            <a:r>
+              <a:rPr lang="en-US" altLang="ja-JP" sz="2400" dirty="0">
+                <a:solidFill>
+                  <a:srgbClr val="0000FF"/>
+                </a:solidFill>
+                <a:ea typeface="ＭＳ ゴシック" panose="020B0609070205080204" pitchFamily="49" charset="-128"/>
+              </a:rPr>
+              <a:t>int</a:t>
+            </a:r>
+            <a:r>
+              <a:rPr lang="en-US" altLang="ja-JP" sz="2400" dirty="0">
+                <a:solidFill>
+                  <a:srgbClr val="000000"/>
+                </a:solidFill>
+                <a:ea typeface="ＭＳ ゴシック" panose="020B0609070205080204" pitchFamily="49" charset="-128"/>
+              </a:rPr>
+              <a:t> main() {</a:t>
+            </a:r>
+            <a:br>
+              <a:rPr lang="en-US" altLang="ja-JP" sz="2400" dirty="0">
+                <a:solidFill>
+                  <a:srgbClr val="000000"/>
+                </a:solidFill>
+                <a:ea typeface="ＭＳ ゴシック" panose="020B0609070205080204" pitchFamily="49" charset="-128"/>
+              </a:rPr>
+            </a:br>
+            <a:r>
+              <a:rPr lang="en-US" altLang="ja-JP" sz="2400" dirty="0">
+                <a:solidFill>
+                  <a:srgbClr val="000000"/>
+                </a:solidFill>
+                <a:ea typeface="ＭＳ ゴシック" panose="020B0609070205080204" pitchFamily="49" charset="-128"/>
+              </a:rPr>
+              <a:t>    </a:t>
+            </a:r>
+            <a:r>
+              <a:rPr lang="en-US" altLang="ja-JP" sz="2400" dirty="0">
+                <a:solidFill>
+                  <a:srgbClr val="00B050"/>
+                </a:solidFill>
+                <a:ea typeface="ＭＳ ゴシック" panose="020B0609070205080204" pitchFamily="49" charset="-128"/>
+              </a:rPr>
+              <a:t>//</a:t>
+            </a:r>
+            <a:r>
+              <a:rPr lang="ja-JP" altLang="en-US" sz="2400" dirty="0">
+                <a:solidFill>
+                  <a:srgbClr val="00B050"/>
+                </a:solidFill>
+                <a:ea typeface="ＭＳ ゴシック" panose="020B0609070205080204" pitchFamily="49" charset="-128"/>
+              </a:rPr>
+              <a:t>英単語の和訳と英訳のペアを</a:t>
+            </a:r>
+            <a:r>
+              <a:rPr lang="en-US" altLang="ja-JP" sz="2400" dirty="0" err="1">
+                <a:solidFill>
+                  <a:srgbClr val="00B050"/>
+                </a:solidFill>
+                <a:ea typeface="ＭＳ ゴシック" panose="020B0609070205080204" pitchFamily="49" charset="-128"/>
+              </a:rPr>
+              <a:t>dic</a:t>
+            </a:r>
+            <a:r>
+              <a:rPr lang="ja-JP" altLang="en-US" sz="2400" dirty="0">
+                <a:solidFill>
+                  <a:srgbClr val="00B050"/>
+                </a:solidFill>
+                <a:ea typeface="ＭＳ ゴシック" panose="020B0609070205080204" pitchFamily="49" charset="-128"/>
+              </a:rPr>
+              <a:t>に格納</a:t>
+            </a:r>
+            <a:br>
+              <a:rPr lang="en-US" altLang="ja-JP" sz="2400" dirty="0">
+                <a:solidFill>
+                  <a:srgbClr val="000000"/>
+                </a:solidFill>
+                <a:ea typeface="ＭＳ ゴシック" panose="020B0609070205080204" pitchFamily="49" charset="-128"/>
+              </a:rPr>
+            </a:br>
+            <a:r>
+              <a:rPr lang="en-US" altLang="ja-JP" sz="2400" dirty="0">
+                <a:solidFill>
+                  <a:srgbClr val="000000"/>
+                </a:solidFill>
+                <a:ea typeface="ＭＳ ゴシック" panose="020B0609070205080204" pitchFamily="49" charset="-128"/>
+              </a:rPr>
+              <a:t>    </a:t>
+            </a:r>
+            <a:r>
+              <a:rPr lang="en-US" altLang="ja-JP" sz="2400" dirty="0">
+                <a:solidFill>
+                  <a:srgbClr val="2B91AF"/>
+                </a:solidFill>
+                <a:ea typeface="ＭＳ ゴシック" panose="020B0609070205080204" pitchFamily="49" charset="-128"/>
+              </a:rPr>
+              <a:t>map</a:t>
+            </a:r>
+            <a:r>
+              <a:rPr lang="en-US" altLang="ja-JP" sz="2400" dirty="0">
+                <a:solidFill>
+                  <a:srgbClr val="000000"/>
+                </a:solidFill>
+                <a:ea typeface="ＭＳ ゴシック" panose="020B0609070205080204" pitchFamily="49" charset="-128"/>
+              </a:rPr>
+              <a:t>&lt;</a:t>
+            </a:r>
+            <a:r>
+              <a:rPr lang="en-US" altLang="ja-JP" sz="2400" dirty="0">
+                <a:solidFill>
+                  <a:srgbClr val="2B91AF"/>
+                </a:solidFill>
+                <a:ea typeface="ＭＳ ゴシック" panose="020B0609070205080204" pitchFamily="49" charset="-128"/>
+              </a:rPr>
+              <a:t>string</a:t>
+            </a:r>
+            <a:r>
+              <a:rPr lang="en-US" altLang="ja-JP" sz="2400" dirty="0">
+                <a:solidFill>
+                  <a:srgbClr val="000000"/>
+                </a:solidFill>
+                <a:ea typeface="ＭＳ ゴシック" panose="020B0609070205080204" pitchFamily="49" charset="-128"/>
+              </a:rPr>
+              <a:t>, </a:t>
+            </a:r>
+            <a:r>
+              <a:rPr lang="en-US" altLang="ja-JP" sz="2400" dirty="0">
+                <a:solidFill>
+                  <a:srgbClr val="2B91AF"/>
+                </a:solidFill>
+                <a:ea typeface="ＭＳ ゴシック" panose="020B0609070205080204" pitchFamily="49" charset="-128"/>
+              </a:rPr>
+              <a:t>string</a:t>
+            </a:r>
+            <a:r>
+              <a:rPr lang="en-US" altLang="ja-JP" sz="2400" dirty="0">
+                <a:solidFill>
+                  <a:srgbClr val="000000"/>
+                </a:solidFill>
+                <a:ea typeface="ＭＳ ゴシック" panose="020B0609070205080204" pitchFamily="49" charset="-128"/>
+              </a:rPr>
+              <a:t>&gt; </a:t>
+            </a:r>
+            <a:r>
+              <a:rPr lang="en-US" altLang="ja-JP" sz="2400" dirty="0" err="1">
+                <a:solidFill>
+                  <a:srgbClr val="00B0F0"/>
+                </a:solidFill>
+                <a:ea typeface="ＭＳ ゴシック" panose="020B0609070205080204" pitchFamily="49" charset="-128"/>
+              </a:rPr>
+              <a:t>dic</a:t>
+            </a:r>
+            <a:r>
+              <a:rPr lang="en-US" altLang="ja-JP" sz="2400" dirty="0">
+                <a:solidFill>
+                  <a:srgbClr val="000000"/>
+                </a:solidFill>
+                <a:ea typeface="ＭＳ ゴシック" panose="020B0609070205080204" pitchFamily="49" charset="-128"/>
+              </a:rPr>
+              <a:t>{ {</a:t>
+            </a:r>
+            <a:r>
+              <a:rPr lang="en-US" altLang="ja-JP" sz="2400" dirty="0">
+                <a:solidFill>
+                  <a:srgbClr val="A31515"/>
+                </a:solidFill>
+                <a:ea typeface="ＭＳ ゴシック" panose="020B0609070205080204" pitchFamily="49" charset="-128"/>
+              </a:rPr>
+              <a:t>“</a:t>
+            </a:r>
+            <a:r>
+              <a:rPr lang="ja-JP" altLang="en-US" sz="2400" dirty="0">
+                <a:solidFill>
+                  <a:srgbClr val="A31515"/>
+                </a:solidFill>
+                <a:ea typeface="ＭＳ ゴシック" panose="020B0609070205080204" pitchFamily="49" charset="-128"/>
+              </a:rPr>
+              <a:t>活動</a:t>
+            </a:r>
+            <a:r>
+              <a:rPr lang="en-US" altLang="ja-JP" sz="2400" dirty="0">
+                <a:solidFill>
+                  <a:srgbClr val="A31515"/>
+                </a:solidFill>
+                <a:ea typeface="ＭＳ ゴシック" panose="020B0609070205080204" pitchFamily="49" charset="-128"/>
+              </a:rPr>
+              <a:t>”</a:t>
+            </a:r>
+            <a:r>
+              <a:rPr lang="en-US" altLang="ja-JP" sz="2400" dirty="0">
+                <a:solidFill>
+                  <a:srgbClr val="000000"/>
+                </a:solidFill>
+                <a:ea typeface="ＭＳ ゴシック" panose="020B0609070205080204" pitchFamily="49" charset="-128"/>
+              </a:rPr>
+              <a:t>,</a:t>
+            </a:r>
+            <a:r>
+              <a:rPr lang="en-US" altLang="ja-JP" sz="2400" dirty="0">
+                <a:solidFill>
+                  <a:srgbClr val="A31515"/>
+                </a:solidFill>
+                <a:ea typeface="ＭＳ ゴシック" panose="020B0609070205080204" pitchFamily="49" charset="-128"/>
+              </a:rPr>
+              <a:t>“activity”</a:t>
+            </a:r>
+            <a:r>
+              <a:rPr lang="en-US" altLang="ja-JP" sz="2400" dirty="0">
+                <a:solidFill>
+                  <a:srgbClr val="000000"/>
+                </a:solidFill>
+                <a:ea typeface="ＭＳ ゴシック" panose="020B0609070205080204" pitchFamily="49" charset="-128"/>
+              </a:rPr>
+              <a:t>},</a:t>
+            </a:r>
+            <a:br>
+              <a:rPr lang="en-US" altLang="ja-JP" sz="2400" dirty="0">
+                <a:solidFill>
+                  <a:srgbClr val="000000"/>
+                </a:solidFill>
+                <a:ea typeface="ＭＳ ゴシック" panose="020B0609070205080204" pitchFamily="49" charset="-128"/>
+              </a:rPr>
+            </a:br>
+            <a:r>
+              <a:rPr lang="en-US" altLang="ja-JP" sz="2400" dirty="0">
+                <a:solidFill>
+                  <a:srgbClr val="000000"/>
+                </a:solidFill>
+                <a:ea typeface="ＭＳ ゴシック" panose="020B0609070205080204" pitchFamily="49" charset="-128"/>
+              </a:rPr>
+              <a:t>      {</a:t>
+            </a:r>
+            <a:r>
+              <a:rPr lang="en-US" altLang="ja-JP" sz="2400" dirty="0">
+                <a:solidFill>
+                  <a:srgbClr val="A31515"/>
+                </a:solidFill>
+                <a:ea typeface="ＭＳ ゴシック" panose="020B0609070205080204" pitchFamily="49" charset="-128"/>
+              </a:rPr>
+              <a:t>“</a:t>
+            </a:r>
+            <a:r>
+              <a:rPr lang="ja-JP" altLang="en-US" sz="2400" dirty="0">
+                <a:solidFill>
+                  <a:srgbClr val="A31515"/>
+                </a:solidFill>
+                <a:ea typeface="ＭＳ ゴシック" panose="020B0609070205080204" pitchFamily="49" charset="-128"/>
+              </a:rPr>
+              <a:t>雰囲気</a:t>
+            </a:r>
+            <a:r>
+              <a:rPr lang="en-US" altLang="ja-JP" sz="2400" dirty="0">
+                <a:solidFill>
+                  <a:srgbClr val="A31515"/>
+                </a:solidFill>
+                <a:ea typeface="ＭＳ ゴシック" panose="020B0609070205080204" pitchFamily="49" charset="-128"/>
+              </a:rPr>
+              <a:t>”</a:t>
+            </a:r>
+            <a:r>
+              <a:rPr lang="en-US" altLang="ja-JP" sz="2400" dirty="0">
+                <a:solidFill>
+                  <a:srgbClr val="000000"/>
+                </a:solidFill>
+                <a:ea typeface="ＭＳ ゴシック" panose="020B0609070205080204" pitchFamily="49" charset="-128"/>
+              </a:rPr>
+              <a:t>,</a:t>
+            </a:r>
+            <a:r>
+              <a:rPr lang="en-US" altLang="ja-JP" sz="2400" dirty="0">
+                <a:solidFill>
+                  <a:srgbClr val="A31515"/>
+                </a:solidFill>
+                <a:ea typeface="ＭＳ ゴシック" panose="020B0609070205080204" pitchFamily="49" charset="-128"/>
+              </a:rPr>
+              <a:t>“atmosphere”</a:t>
+            </a:r>
+            <a:r>
+              <a:rPr lang="en-US" altLang="ja-JP" sz="2400" dirty="0">
+                <a:solidFill>
+                  <a:srgbClr val="000000"/>
+                </a:solidFill>
+                <a:ea typeface="ＭＳ ゴシック" panose="020B0609070205080204" pitchFamily="49" charset="-128"/>
+              </a:rPr>
+              <a:t>},{</a:t>
+            </a:r>
+            <a:r>
+              <a:rPr lang="en-US" altLang="ja-JP" sz="2400" dirty="0">
+                <a:solidFill>
+                  <a:srgbClr val="A31515"/>
+                </a:solidFill>
+                <a:ea typeface="ＭＳ ゴシック" panose="020B0609070205080204" pitchFamily="49" charset="-128"/>
+              </a:rPr>
+              <a:t>“</a:t>
+            </a:r>
+            <a:r>
+              <a:rPr lang="ja-JP" altLang="en-US" sz="2400" dirty="0">
+                <a:solidFill>
+                  <a:srgbClr val="A31515"/>
+                </a:solidFill>
+                <a:ea typeface="ＭＳ ゴシック" panose="020B0609070205080204" pitchFamily="49" charset="-128"/>
+              </a:rPr>
+              <a:t>血液</a:t>
+            </a:r>
+            <a:r>
+              <a:rPr lang="en-US" altLang="ja-JP" sz="2400" dirty="0">
+                <a:solidFill>
+                  <a:srgbClr val="A31515"/>
+                </a:solidFill>
+                <a:ea typeface="ＭＳ ゴシック" panose="020B0609070205080204" pitchFamily="49" charset="-128"/>
+              </a:rPr>
+              <a:t>”</a:t>
+            </a:r>
+            <a:r>
+              <a:rPr lang="en-US" altLang="ja-JP" sz="2400" dirty="0">
+                <a:solidFill>
+                  <a:srgbClr val="000000"/>
+                </a:solidFill>
+                <a:ea typeface="ＭＳ ゴシック" panose="020B0609070205080204" pitchFamily="49" charset="-128"/>
+              </a:rPr>
+              <a:t>,</a:t>
+            </a:r>
+            <a:r>
+              <a:rPr lang="en-US" altLang="ja-JP" sz="2400" dirty="0">
+                <a:solidFill>
+                  <a:srgbClr val="A31515"/>
+                </a:solidFill>
+                <a:ea typeface="ＭＳ ゴシック" panose="020B0609070205080204" pitchFamily="49" charset="-128"/>
+              </a:rPr>
+              <a:t>“blood”</a:t>
+            </a:r>
+            <a:r>
+              <a:rPr lang="en-US" altLang="ja-JP" sz="2400" dirty="0">
+                <a:solidFill>
+                  <a:srgbClr val="000000"/>
+                </a:solidFill>
+                <a:ea typeface="ＭＳ ゴシック" panose="020B0609070205080204" pitchFamily="49" charset="-128"/>
+              </a:rPr>
+              <a:t>},</a:t>
+            </a:r>
+            <a:br>
+              <a:rPr lang="en-US" altLang="ja-JP" sz="2400" dirty="0">
+                <a:solidFill>
+                  <a:srgbClr val="000000"/>
+                </a:solidFill>
+                <a:ea typeface="ＭＳ ゴシック" panose="020B0609070205080204" pitchFamily="49" charset="-128"/>
+              </a:rPr>
+            </a:br>
+            <a:r>
+              <a:rPr lang="en-US" altLang="ja-JP" sz="2400" dirty="0">
+                <a:solidFill>
+                  <a:srgbClr val="000000"/>
+                </a:solidFill>
+                <a:ea typeface="ＭＳ ゴシック" panose="020B0609070205080204" pitchFamily="49" charset="-128"/>
+              </a:rPr>
+              <a:t>      {</a:t>
+            </a:r>
+            <a:r>
+              <a:rPr lang="en-US" altLang="ja-JP" sz="2400" dirty="0">
+                <a:solidFill>
+                  <a:srgbClr val="A31515"/>
+                </a:solidFill>
+                <a:ea typeface="ＭＳ ゴシック" panose="020B0609070205080204" pitchFamily="49" charset="-128"/>
+              </a:rPr>
+              <a:t>“</a:t>
+            </a:r>
+            <a:r>
+              <a:rPr lang="ja-JP" altLang="en-US" sz="2400" dirty="0">
+                <a:solidFill>
+                  <a:srgbClr val="A31515"/>
+                </a:solidFill>
+                <a:ea typeface="ＭＳ ゴシック" panose="020B0609070205080204" pitchFamily="49" charset="-128"/>
+              </a:rPr>
+              <a:t>環境</a:t>
+            </a:r>
+            <a:r>
+              <a:rPr lang="en-US" altLang="ja-JP" sz="2400" dirty="0">
+                <a:solidFill>
+                  <a:srgbClr val="A31515"/>
+                </a:solidFill>
+                <a:ea typeface="ＭＳ ゴシック" panose="020B0609070205080204" pitchFamily="49" charset="-128"/>
+              </a:rPr>
+              <a:t>”</a:t>
+            </a:r>
+            <a:r>
+              <a:rPr lang="en-US" altLang="ja-JP" sz="2400" dirty="0">
+                <a:solidFill>
+                  <a:srgbClr val="000000"/>
+                </a:solidFill>
+                <a:ea typeface="ＭＳ ゴシック" panose="020B0609070205080204" pitchFamily="49" charset="-128"/>
+              </a:rPr>
+              <a:t>,</a:t>
+            </a:r>
+            <a:r>
+              <a:rPr lang="en-US" altLang="ja-JP" sz="2400" dirty="0">
+                <a:solidFill>
+                  <a:srgbClr val="A31515"/>
+                </a:solidFill>
+                <a:ea typeface="ＭＳ ゴシック" panose="020B0609070205080204" pitchFamily="49" charset="-128"/>
+              </a:rPr>
+              <a:t>“environment”</a:t>
+            </a:r>
+            <a:r>
+              <a:rPr lang="en-US" altLang="ja-JP" sz="2400" dirty="0">
+                <a:solidFill>
+                  <a:srgbClr val="000000"/>
+                </a:solidFill>
+                <a:ea typeface="ＭＳ ゴシック" panose="020B0609070205080204" pitchFamily="49" charset="-128"/>
+              </a:rPr>
+              <a:t>}, {</a:t>
+            </a:r>
+            <a:r>
+              <a:rPr lang="en-US" altLang="ja-JP" sz="2400" dirty="0">
+                <a:solidFill>
+                  <a:srgbClr val="A31515"/>
+                </a:solidFill>
+                <a:ea typeface="ＭＳ ゴシック" panose="020B0609070205080204" pitchFamily="49" charset="-128"/>
+              </a:rPr>
+              <a:t>“</a:t>
+            </a:r>
+            <a:r>
+              <a:rPr lang="ja-JP" altLang="en-US" sz="2400" dirty="0">
+                <a:solidFill>
+                  <a:srgbClr val="A31515"/>
+                </a:solidFill>
+                <a:ea typeface="ＭＳ ゴシック" panose="020B0609070205080204" pitchFamily="49" charset="-128"/>
+              </a:rPr>
+              <a:t>温度</a:t>
+            </a:r>
+            <a:r>
+              <a:rPr lang="en-US" altLang="ja-JP" sz="2400" dirty="0">
+                <a:solidFill>
+                  <a:srgbClr val="A31515"/>
+                </a:solidFill>
+                <a:ea typeface="ＭＳ ゴシック" panose="020B0609070205080204" pitchFamily="49" charset="-128"/>
+              </a:rPr>
+              <a:t>”</a:t>
+            </a:r>
+            <a:r>
+              <a:rPr lang="en-US" altLang="ja-JP" sz="2400" dirty="0">
+                <a:solidFill>
+                  <a:srgbClr val="000000"/>
+                </a:solidFill>
+                <a:ea typeface="ＭＳ ゴシック" panose="020B0609070205080204" pitchFamily="49" charset="-128"/>
+              </a:rPr>
+              <a:t>,</a:t>
+            </a:r>
+            <a:r>
+              <a:rPr lang="en-US" altLang="ja-JP" sz="2400" dirty="0">
+                <a:solidFill>
+                  <a:srgbClr val="A31515"/>
+                </a:solidFill>
+                <a:ea typeface="ＭＳ ゴシック" panose="020B0609070205080204" pitchFamily="49" charset="-128"/>
+              </a:rPr>
+              <a:t>“temperature”</a:t>
+            </a:r>
+            <a:r>
+              <a:rPr lang="en-US" altLang="ja-JP" sz="2400" dirty="0">
+                <a:solidFill>
+                  <a:srgbClr val="000000"/>
+                </a:solidFill>
+                <a:ea typeface="ＭＳ ゴシック" panose="020B0609070205080204" pitchFamily="49" charset="-128"/>
+              </a:rPr>
+              <a:t>}};</a:t>
+            </a:r>
+            <a:br>
+              <a:rPr lang="en-US" altLang="ja-JP" sz="2400" dirty="0">
+                <a:solidFill>
+                  <a:srgbClr val="000000"/>
+                </a:solidFill>
+                <a:ea typeface="ＭＳ ゴシック" panose="020B0609070205080204" pitchFamily="49" charset="-128"/>
+              </a:rPr>
+            </a:br>
+            <a:br>
+              <a:rPr lang="en-US" altLang="ja-JP" sz="2400" dirty="0">
+                <a:solidFill>
+                  <a:srgbClr val="000000"/>
+                </a:solidFill>
+                <a:ea typeface="ＭＳ ゴシック" panose="020B0609070205080204" pitchFamily="49" charset="-128"/>
+              </a:rPr>
+            </a:br>
+            <a:r>
+              <a:rPr lang="en-US" altLang="ja-JP" sz="2400" dirty="0">
+                <a:solidFill>
+                  <a:srgbClr val="000000"/>
+                </a:solidFill>
+                <a:ea typeface="ＭＳ ゴシック" panose="020B0609070205080204" pitchFamily="49" charset="-128"/>
+              </a:rPr>
+              <a:t>    for (</a:t>
+            </a:r>
+            <a:r>
+              <a:rPr lang="en-US" altLang="ja-JP" sz="2400" dirty="0">
+                <a:solidFill>
+                  <a:srgbClr val="0066FF"/>
+                </a:solidFill>
+                <a:ea typeface="ＭＳ ゴシック" panose="020B0609070205080204" pitchFamily="49" charset="-128"/>
+              </a:rPr>
+              <a:t>auto</a:t>
+            </a:r>
+            <a:r>
+              <a:rPr lang="en-US" altLang="ja-JP" sz="2400" dirty="0">
+                <a:solidFill>
+                  <a:srgbClr val="000000"/>
+                </a:solidFill>
+                <a:ea typeface="ＭＳ ゴシック" panose="020B0609070205080204" pitchFamily="49" charset="-128"/>
+              </a:rPr>
+              <a:t> it = </a:t>
+            </a:r>
+            <a:r>
+              <a:rPr lang="en-US" altLang="ja-JP" sz="2400" dirty="0" err="1">
+                <a:solidFill>
+                  <a:srgbClr val="000000"/>
+                </a:solidFill>
+                <a:ea typeface="ＭＳ ゴシック" panose="020B0609070205080204" pitchFamily="49" charset="-128"/>
+              </a:rPr>
+              <a:t>dic.begin</a:t>
+            </a:r>
+            <a:r>
+              <a:rPr lang="en-US" altLang="ja-JP" sz="2400" dirty="0">
+                <a:solidFill>
+                  <a:srgbClr val="000000"/>
+                </a:solidFill>
+                <a:ea typeface="ＭＳ ゴシック" panose="020B0609070205080204" pitchFamily="49" charset="-128"/>
+              </a:rPr>
+              <a:t>(); it != </a:t>
+            </a:r>
+            <a:r>
+              <a:rPr lang="en-US" altLang="ja-JP" sz="2400" dirty="0" err="1">
+                <a:solidFill>
+                  <a:srgbClr val="000000"/>
+                </a:solidFill>
+                <a:ea typeface="ＭＳ ゴシック" panose="020B0609070205080204" pitchFamily="49" charset="-128"/>
+              </a:rPr>
+              <a:t>dic.end</a:t>
+            </a:r>
+            <a:r>
+              <a:rPr lang="en-US" altLang="ja-JP" sz="2400" dirty="0">
+                <a:solidFill>
+                  <a:srgbClr val="000000"/>
+                </a:solidFill>
+                <a:ea typeface="ＭＳ ゴシック" panose="020B0609070205080204" pitchFamily="49" charset="-128"/>
+              </a:rPr>
+              <a:t>(); it++){</a:t>
+            </a:r>
+            <a:br>
+              <a:rPr lang="en-US" altLang="ja-JP" sz="2400" dirty="0">
+                <a:solidFill>
+                  <a:srgbClr val="000000"/>
+                </a:solidFill>
+                <a:ea typeface="ＭＳ ゴシック" panose="020B0609070205080204" pitchFamily="49" charset="-128"/>
+              </a:rPr>
+            </a:br>
+            <a:r>
+              <a:rPr lang="en-US" altLang="ja-JP" sz="2400" dirty="0">
+                <a:solidFill>
+                  <a:srgbClr val="000000"/>
+                </a:solidFill>
+                <a:ea typeface="ＭＳ ゴシック" panose="020B0609070205080204" pitchFamily="49" charset="-128"/>
+              </a:rPr>
+              <a:t>        </a:t>
+            </a:r>
+            <a:r>
+              <a:rPr lang="en-US" altLang="ja-JP" sz="2400" dirty="0" err="1">
+                <a:solidFill>
+                  <a:srgbClr val="000000"/>
+                </a:solidFill>
+                <a:ea typeface="ＭＳ ゴシック" panose="020B0609070205080204" pitchFamily="49" charset="-128"/>
+              </a:rPr>
+              <a:t>cout</a:t>
+            </a:r>
+            <a:r>
+              <a:rPr lang="en-US" altLang="ja-JP" sz="2400" dirty="0">
+                <a:solidFill>
+                  <a:srgbClr val="000000"/>
+                </a:solidFill>
+                <a:ea typeface="ＭＳ ゴシック" panose="020B0609070205080204" pitchFamily="49" charset="-128"/>
+              </a:rPr>
+              <a:t> &lt;&lt; it-&gt;first &lt;&lt; </a:t>
+            </a:r>
+            <a:r>
+              <a:rPr lang="en-US" altLang="ja-JP" sz="2400" dirty="0" err="1">
+                <a:solidFill>
+                  <a:srgbClr val="000000"/>
+                </a:solidFill>
+                <a:ea typeface="ＭＳ ゴシック" panose="020B0609070205080204" pitchFamily="49" charset="-128"/>
+              </a:rPr>
+              <a:t>endl</a:t>
+            </a:r>
+            <a:r>
+              <a:rPr lang="en-US" altLang="ja-JP" sz="2400" dirty="0">
+                <a:solidFill>
+                  <a:srgbClr val="000000"/>
+                </a:solidFill>
+                <a:ea typeface="ＭＳ ゴシック" panose="020B0609070205080204" pitchFamily="49" charset="-128"/>
+              </a:rPr>
+              <a:t>;</a:t>
+            </a:r>
+            <a:br>
+              <a:rPr lang="en-US" altLang="ja-JP" sz="2400" dirty="0">
+                <a:solidFill>
+                  <a:srgbClr val="000000"/>
+                </a:solidFill>
+                <a:ea typeface="ＭＳ ゴシック" panose="020B0609070205080204" pitchFamily="49" charset="-128"/>
+              </a:rPr>
+            </a:br>
+            <a:r>
+              <a:rPr lang="en-US" altLang="ja-JP" sz="2400" dirty="0">
+                <a:solidFill>
+                  <a:srgbClr val="000000"/>
+                </a:solidFill>
+                <a:ea typeface="ＭＳ ゴシック" panose="020B0609070205080204" pitchFamily="49" charset="-128"/>
+              </a:rPr>
+              <a:t>    }</a:t>
+            </a:r>
+            <a:br>
+              <a:rPr lang="en-US" altLang="ja-JP" sz="2400" dirty="0">
+                <a:solidFill>
+                  <a:srgbClr val="000000"/>
+                </a:solidFill>
+                <a:ea typeface="ＭＳ ゴシック" panose="020B0609070205080204" pitchFamily="49" charset="-128"/>
+              </a:rPr>
+            </a:br>
+            <a:r>
+              <a:rPr lang="en-US" altLang="ja-JP" sz="2400" dirty="0">
+                <a:solidFill>
+                  <a:srgbClr val="000000"/>
+                </a:solidFill>
+                <a:ea typeface="ＭＳ ゴシック" panose="020B0609070205080204" pitchFamily="49" charset="-128"/>
+              </a:rPr>
+              <a:t>    </a:t>
+            </a:r>
+            <a:r>
+              <a:rPr lang="en-US" altLang="ja-JP" sz="2400" dirty="0">
+                <a:solidFill>
+                  <a:srgbClr val="00B050"/>
+                </a:solidFill>
+                <a:ea typeface="ＭＳ ゴシック" panose="020B0609070205080204" pitchFamily="49" charset="-128"/>
+              </a:rPr>
+              <a:t>//</a:t>
+            </a:r>
+            <a:r>
+              <a:rPr lang="ja-JP" altLang="en-US" sz="2400" dirty="0">
+                <a:solidFill>
+                  <a:srgbClr val="00B050"/>
+                </a:solidFill>
+                <a:ea typeface="ＭＳ ゴシック" panose="020B0609070205080204" pitchFamily="49" charset="-128"/>
+              </a:rPr>
+              <a:t>範囲</a:t>
+            </a:r>
+            <a:r>
+              <a:rPr lang="en-US" altLang="ja-JP" sz="2400" dirty="0">
+                <a:solidFill>
+                  <a:srgbClr val="00B050"/>
+                </a:solidFill>
+                <a:ea typeface="ＭＳ ゴシック" panose="020B0609070205080204" pitchFamily="49" charset="-128"/>
+              </a:rPr>
+              <a:t>for</a:t>
+            </a:r>
+            <a:br>
+              <a:rPr lang="en-US" altLang="ja-JP" sz="2400" dirty="0">
+                <a:solidFill>
+                  <a:srgbClr val="00B050"/>
+                </a:solidFill>
+                <a:ea typeface="ＭＳ ゴシック" panose="020B0609070205080204" pitchFamily="49" charset="-128"/>
+              </a:rPr>
+            </a:br>
+            <a:r>
+              <a:rPr lang="en-US" altLang="ja-JP" sz="2400" dirty="0">
+                <a:solidFill>
+                  <a:srgbClr val="00B050"/>
+                </a:solidFill>
+                <a:ea typeface="ＭＳ ゴシック" panose="020B0609070205080204" pitchFamily="49" charset="-128"/>
+              </a:rPr>
+              <a:t> </a:t>
+            </a:r>
+            <a:r>
+              <a:rPr lang="ja-JP" altLang="en-US" sz="2400" dirty="0">
+                <a:solidFill>
+                  <a:srgbClr val="00B050"/>
+                </a:solidFill>
+                <a:ea typeface="ＭＳ ゴシック" panose="020B0609070205080204" pitchFamily="49" charset="-128"/>
+              </a:rPr>
+              <a:t>   </a:t>
+            </a:r>
+            <a:r>
+              <a:rPr lang="en-US" altLang="ja-JP" sz="2400" dirty="0">
+                <a:solidFill>
+                  <a:srgbClr val="00B050"/>
+                </a:solidFill>
+                <a:ea typeface="ＭＳ ゴシック" panose="020B0609070205080204" pitchFamily="49" charset="-128"/>
+              </a:rPr>
+              <a:t>//for (auto p : </a:t>
+            </a:r>
+            <a:r>
+              <a:rPr lang="en-US" altLang="ja-JP" sz="2400" dirty="0" err="1">
+                <a:solidFill>
+                  <a:srgbClr val="00B050"/>
+                </a:solidFill>
+                <a:ea typeface="ＭＳ ゴシック" panose="020B0609070205080204" pitchFamily="49" charset="-128"/>
+              </a:rPr>
+              <a:t>dic</a:t>
+            </a:r>
+            <a:r>
+              <a:rPr lang="en-US" altLang="ja-JP" sz="2400" dirty="0">
+                <a:solidFill>
+                  <a:srgbClr val="00B050"/>
+                </a:solidFill>
+                <a:ea typeface="ＭＳ ゴシック" panose="020B0609070205080204" pitchFamily="49" charset="-128"/>
+              </a:rPr>
+              <a:t>){</a:t>
+            </a:r>
+            <a:br>
+              <a:rPr lang="en-US" altLang="ja-JP" sz="2400" dirty="0">
+                <a:solidFill>
+                  <a:srgbClr val="00B050"/>
+                </a:solidFill>
+                <a:ea typeface="ＭＳ ゴシック" panose="020B0609070205080204" pitchFamily="49" charset="-128"/>
+              </a:rPr>
+            </a:br>
+            <a:r>
+              <a:rPr lang="en-US" altLang="ja-JP" sz="2400" dirty="0">
+                <a:solidFill>
+                  <a:srgbClr val="00B050"/>
+                </a:solidFill>
+                <a:ea typeface="ＭＳ ゴシック" panose="020B0609070205080204" pitchFamily="49" charset="-128"/>
+              </a:rPr>
+              <a:t>    //    </a:t>
+            </a:r>
+            <a:r>
+              <a:rPr lang="en-US" altLang="ja-JP" sz="2400" dirty="0" err="1">
+                <a:solidFill>
+                  <a:srgbClr val="00B050"/>
+                </a:solidFill>
+                <a:ea typeface="ＭＳ ゴシック" panose="020B0609070205080204" pitchFamily="49" charset="-128"/>
+              </a:rPr>
+              <a:t>cout</a:t>
+            </a:r>
+            <a:r>
+              <a:rPr lang="en-US" altLang="ja-JP" sz="2400" dirty="0">
+                <a:solidFill>
+                  <a:srgbClr val="00B050"/>
+                </a:solidFill>
+                <a:ea typeface="ＭＳ ゴシック" panose="020B0609070205080204" pitchFamily="49" charset="-128"/>
+              </a:rPr>
+              <a:t> &lt;&lt; </a:t>
+            </a:r>
+            <a:r>
+              <a:rPr lang="en-US" altLang="ja-JP" sz="2400" dirty="0" err="1">
+                <a:solidFill>
+                  <a:srgbClr val="00B050"/>
+                </a:solidFill>
+                <a:ea typeface="ＭＳ ゴシック" panose="020B0609070205080204" pitchFamily="49" charset="-128"/>
+              </a:rPr>
+              <a:t>p.first</a:t>
+            </a:r>
+            <a:r>
+              <a:rPr lang="en-US" altLang="ja-JP" sz="2400" dirty="0">
+                <a:solidFill>
+                  <a:srgbClr val="00B050"/>
+                </a:solidFill>
+                <a:ea typeface="ＭＳ ゴシック" panose="020B0609070205080204" pitchFamily="49" charset="-128"/>
+              </a:rPr>
+              <a:t> &lt;&lt; </a:t>
+            </a:r>
+            <a:r>
+              <a:rPr lang="en-US" altLang="ja-JP" sz="2400" dirty="0" err="1">
+                <a:solidFill>
+                  <a:srgbClr val="00B050"/>
+                </a:solidFill>
+                <a:ea typeface="ＭＳ ゴシック" panose="020B0609070205080204" pitchFamily="49" charset="-128"/>
+              </a:rPr>
+              <a:t>endl</a:t>
+            </a:r>
+            <a:r>
+              <a:rPr lang="en-US" altLang="ja-JP" sz="2400" dirty="0">
+                <a:solidFill>
+                  <a:srgbClr val="00B050"/>
+                </a:solidFill>
+                <a:ea typeface="ＭＳ ゴシック" panose="020B0609070205080204" pitchFamily="49" charset="-128"/>
+              </a:rPr>
+              <a:t>;</a:t>
+            </a:r>
+            <a:br>
+              <a:rPr lang="en-US" altLang="ja-JP" sz="2400" dirty="0">
+                <a:solidFill>
+                  <a:srgbClr val="00B050"/>
+                </a:solidFill>
+                <a:ea typeface="ＭＳ ゴシック" panose="020B0609070205080204" pitchFamily="49" charset="-128"/>
+              </a:rPr>
+            </a:br>
+            <a:r>
+              <a:rPr lang="en-US" altLang="ja-JP" sz="2400" dirty="0">
+                <a:solidFill>
+                  <a:srgbClr val="00B050"/>
+                </a:solidFill>
+                <a:ea typeface="ＭＳ ゴシック" panose="020B0609070205080204" pitchFamily="49" charset="-128"/>
+              </a:rPr>
+              <a:t>    //}</a:t>
+            </a:r>
+            <a:br>
+              <a:rPr lang="en-US" altLang="ja-JP" sz="2400" dirty="0">
+                <a:solidFill>
+                  <a:srgbClr val="00B050"/>
+                </a:solidFill>
+                <a:ea typeface="ＭＳ ゴシック" panose="020B0609070205080204" pitchFamily="49" charset="-128"/>
+              </a:rPr>
+            </a:br>
+            <a:br>
+              <a:rPr lang="en-US" altLang="ja-JP" sz="2400" dirty="0">
+                <a:solidFill>
+                  <a:srgbClr val="00B050"/>
+                </a:solidFill>
+                <a:ea typeface="ＭＳ ゴシック" panose="020B0609070205080204" pitchFamily="49" charset="-128"/>
+              </a:rPr>
+            </a:br>
+            <a:r>
+              <a:rPr lang="en-US" altLang="ja-JP" sz="2400" dirty="0">
+                <a:solidFill>
+                  <a:srgbClr val="00B050"/>
+                </a:solidFill>
+                <a:ea typeface="ＭＳ ゴシック" panose="020B0609070205080204" pitchFamily="49" charset="-128"/>
+              </a:rPr>
+              <a:t>    </a:t>
+            </a:r>
+            <a:r>
+              <a:rPr lang="en-US" altLang="ja-JP" sz="2400" dirty="0">
+                <a:solidFill>
+                  <a:srgbClr val="000000"/>
+                </a:solidFill>
+                <a:ea typeface="ＭＳ ゴシック" panose="020B0609070205080204" pitchFamily="49" charset="-128"/>
+              </a:rPr>
+              <a:t>return 0;</a:t>
+            </a:r>
+            <a:br>
+              <a:rPr lang="en-US" altLang="ja-JP" sz="2400" dirty="0">
+                <a:solidFill>
+                  <a:srgbClr val="000000"/>
+                </a:solidFill>
+                <a:ea typeface="ＭＳ ゴシック" panose="020B0609070205080204" pitchFamily="49" charset="-128"/>
+              </a:rPr>
+            </a:br>
+            <a:r>
+              <a:rPr lang="en-US" altLang="ja-JP" sz="2400" dirty="0">
+                <a:solidFill>
+                  <a:srgbClr val="000000"/>
+                </a:solidFill>
+                <a:ea typeface="ＭＳ ゴシック" panose="020B0609070205080204" pitchFamily="49" charset="-128"/>
+              </a:rPr>
+              <a:t>}</a:t>
+            </a:r>
+          </a:p>
+        </p:txBody>
+      </p:sp>
+      <p:sp>
+        <p:nvSpPr>
+          <p:cNvPr id="4" name="テキスト ボックス 3">
+            <a:extLst>
+              <a:ext uri="{FF2B5EF4-FFF2-40B4-BE49-F238E27FC236}">
+                <a16:creationId xmlns:a16="http://schemas.microsoft.com/office/drawing/2014/main" id="{36167C58-0781-4BAB-BAA5-8E3EEFBCFF26}"/>
+              </a:ext>
+            </a:extLst>
+          </p:cNvPr>
+          <p:cNvSpPr txBox="1"/>
+          <p:nvPr/>
+        </p:nvSpPr>
+        <p:spPr>
+          <a:xfrm>
+            <a:off x="7104919" y="639756"/>
+            <a:ext cx="4195379" cy="523220"/>
+          </a:xfrm>
+          <a:prstGeom prst="rect">
+            <a:avLst/>
+          </a:prstGeom>
+          <a:noFill/>
+        </p:spPr>
+        <p:txBody>
+          <a:bodyPr wrap="none" rtlCol="0">
+            <a:spAutoFit/>
+          </a:bodyPr>
+          <a:lstStyle/>
+          <a:p>
+            <a:r>
+              <a:rPr kumimoji="1" lang="en-US" altLang="ja-JP" sz="2800" dirty="0"/>
+              <a:t>PracMap2(main.cpp)</a:t>
+            </a:r>
+            <a:endParaRPr kumimoji="1" lang="ja-JP" altLang="en-US" sz="2800" dirty="0"/>
+          </a:p>
+        </p:txBody>
+      </p:sp>
+    </p:spTree>
+    <p:extLst>
+      <p:ext uri="{BB962C8B-B14F-4D97-AF65-F5344CB8AC3E}">
+        <p14:creationId xmlns:p14="http://schemas.microsoft.com/office/powerpoint/2010/main" val="1134127267"/>
+      </p:ext>
+    </p:extLst>
+  </p:cSld>
+  <p:clrMapOvr>
+    <a:masterClrMapping/>
+  </p:clrMapOvr>
+</p:sld>
+</file>
+
+<file path=ppt/slides/slide17.xml><?xml version="1.0" encoding="utf-8"?>
+<p:sld xmlns:a="http://schemas.openxmlformats.org/drawingml/2006/main" xmlns:r="http://schemas.openxmlformats.org/officeDocument/2006/relationships" xmlns:p="http://schemas.openxmlformats.org/presentationml/2006/main">
+  <p:cSld>
+    <p:spTree>
+      <p:nvGrpSpPr>
+        <p:cNvPr id="1" name=""/>
+        <p:cNvGrpSpPr/>
+        <p:nvPr/>
+      </p:nvGrpSpPr>
+      <p:grpSpPr>
+        <a:xfrm>
+          <a:off x="0" y="0"/>
+          <a:ext cx="0" cy="0"/>
+          <a:chOff x="0" y="0"/>
+          <a:chExt cx="0" cy="0"/>
+        </a:xfrm>
+      </p:grpSpPr>
+      <p:sp>
+        <p:nvSpPr>
+          <p:cNvPr id="2" name="タイトル 1">
+            <a:extLst>
+              <a:ext uri="{FF2B5EF4-FFF2-40B4-BE49-F238E27FC236}">
+                <a16:creationId xmlns:a16="http://schemas.microsoft.com/office/drawing/2014/main" id="{9F789731-37C4-49DD-AEE8-78E5514E279E}"/>
+              </a:ext>
+            </a:extLst>
+          </p:cNvPr>
+          <p:cNvSpPr>
+            <a:spLocks noGrp="1"/>
+          </p:cNvSpPr>
+          <p:nvPr>
+            <p:ph type="title"/>
+          </p:nvPr>
+        </p:nvSpPr>
+        <p:spPr/>
+        <p:txBody>
+          <a:bodyPr/>
+          <a:lstStyle/>
+          <a:p>
+            <a:r>
+              <a:rPr kumimoji="1" lang="ja-JP" altLang="en-US" dirty="0"/>
+              <a:t>演習：</a:t>
+            </a:r>
+            <a:r>
+              <a:rPr lang="en-US" altLang="ja-JP" dirty="0"/>
+              <a:t>map</a:t>
+            </a:r>
+            <a:endParaRPr kumimoji="1" lang="ja-JP" altLang="en-US" dirty="0"/>
+          </a:p>
+        </p:txBody>
+      </p:sp>
+      <p:sp>
+        <p:nvSpPr>
+          <p:cNvPr id="3" name="コンテンツ プレースホルダー 2">
+            <a:extLst>
+              <a:ext uri="{FF2B5EF4-FFF2-40B4-BE49-F238E27FC236}">
+                <a16:creationId xmlns:a16="http://schemas.microsoft.com/office/drawing/2014/main" id="{39562F0E-6033-40BD-BCB8-F015661306FD}"/>
+              </a:ext>
+            </a:extLst>
+          </p:cNvPr>
+          <p:cNvSpPr>
+            <a:spLocks noGrp="1"/>
+          </p:cNvSpPr>
+          <p:nvPr>
+            <p:ph idx="1"/>
+          </p:nvPr>
+        </p:nvSpPr>
+        <p:spPr/>
+        <p:txBody>
+          <a:bodyPr>
+            <a:normAutofit/>
+          </a:bodyPr>
+          <a:lstStyle/>
+          <a:p>
+            <a:r>
+              <a:rPr lang="ja-JP" altLang="en-US" b="1" u="sng" dirty="0"/>
+              <a:t>課題③</a:t>
+            </a:r>
+            <a:br>
+              <a:rPr lang="en-US" altLang="ja-JP" dirty="0"/>
+            </a:br>
+            <a:br>
+              <a:rPr lang="en-US" altLang="ja-JP" dirty="0"/>
+            </a:br>
+            <a:r>
+              <a:rPr lang="ja-JP" altLang="en-US" dirty="0"/>
+              <a:t>乱数生成用の処理をプログラムに追加しなさい</a:t>
+            </a:r>
+            <a:br>
+              <a:rPr lang="en-US" altLang="ja-JP" dirty="0"/>
+            </a:br>
+            <a:endParaRPr lang="en-US" altLang="ja-JP" dirty="0"/>
+          </a:p>
+        </p:txBody>
+      </p:sp>
+      <p:sp>
+        <p:nvSpPr>
+          <p:cNvPr id="4" name="テキスト ボックス 3">
+            <a:extLst>
+              <a:ext uri="{FF2B5EF4-FFF2-40B4-BE49-F238E27FC236}">
+                <a16:creationId xmlns:a16="http://schemas.microsoft.com/office/drawing/2014/main" id="{9B9E3FB8-3129-6761-C0ED-F89351E44614}"/>
+              </a:ext>
+            </a:extLst>
+          </p:cNvPr>
+          <p:cNvSpPr txBox="1"/>
+          <p:nvPr/>
+        </p:nvSpPr>
+        <p:spPr>
+          <a:xfrm>
+            <a:off x="1227588" y="2926799"/>
+            <a:ext cx="10224274" cy="3539430"/>
+          </a:xfrm>
+          <a:prstGeom prst="rect">
+            <a:avLst/>
+          </a:prstGeom>
+          <a:noFill/>
+          <a:ln>
+            <a:solidFill>
+              <a:schemeClr val="tx1"/>
+            </a:solidFill>
+          </a:ln>
+        </p:spPr>
+        <p:txBody>
+          <a:bodyPr wrap="none" rtlCol="0">
+            <a:spAutoFit/>
+          </a:bodyPr>
+          <a:lstStyle/>
+          <a:p>
+            <a:r>
+              <a:rPr lang="en-US" altLang="ja-JP" sz="2800" dirty="0">
+                <a:solidFill>
+                  <a:srgbClr val="008000"/>
+                </a:solidFill>
+                <a:ea typeface="ＭＳ ゴシック" panose="020B0609070205080204" pitchFamily="49" charset="-128"/>
+              </a:rPr>
+              <a:t>//</a:t>
+            </a:r>
+            <a:r>
+              <a:rPr lang="ja-JP" altLang="en-US" sz="2800" dirty="0">
+                <a:solidFill>
+                  <a:srgbClr val="008000"/>
+                </a:solidFill>
+                <a:ea typeface="ＭＳ ゴシック" panose="020B0609070205080204" pitchFamily="49" charset="-128"/>
+              </a:rPr>
+              <a:t>乱数生成器を作成</a:t>
+            </a:r>
+            <a:endParaRPr lang="ja-JP" altLang="en-US" sz="2800" dirty="0">
+              <a:solidFill>
+                <a:srgbClr val="000000"/>
+              </a:solidFill>
+              <a:ea typeface="ＭＳ ゴシック" panose="020B0609070205080204" pitchFamily="49" charset="-128"/>
+            </a:endParaRPr>
+          </a:p>
+          <a:p>
+            <a:r>
+              <a:rPr lang="en-US" altLang="ja-JP" sz="2800" dirty="0" err="1">
+                <a:solidFill>
+                  <a:srgbClr val="FF0000"/>
+                </a:solidFill>
+                <a:ea typeface="ＭＳ ゴシック" panose="020B0609070205080204" pitchFamily="49" charset="-128"/>
+              </a:rPr>
+              <a:t>random_device</a:t>
+            </a:r>
+            <a:r>
+              <a:rPr lang="en-US" altLang="ja-JP" sz="2800" dirty="0">
+                <a:solidFill>
+                  <a:srgbClr val="FF0000"/>
+                </a:solidFill>
+                <a:ea typeface="ＭＳ ゴシック" panose="020B0609070205080204" pitchFamily="49" charset="-128"/>
+              </a:rPr>
+              <a:t> </a:t>
+            </a:r>
+            <a:r>
+              <a:rPr lang="en-US" altLang="ja-JP" sz="2800" dirty="0" err="1">
+                <a:solidFill>
+                  <a:srgbClr val="000000"/>
+                </a:solidFill>
+                <a:ea typeface="ＭＳ ゴシック" panose="020B0609070205080204" pitchFamily="49" charset="-128"/>
+              </a:rPr>
+              <a:t>rand_dev</a:t>
+            </a:r>
+            <a:r>
+              <a:rPr lang="en-US" altLang="ja-JP" sz="2800" dirty="0">
+                <a:solidFill>
+                  <a:srgbClr val="000000"/>
+                </a:solidFill>
+                <a:ea typeface="ＭＳ ゴシック" panose="020B0609070205080204" pitchFamily="49" charset="-128"/>
+              </a:rPr>
+              <a:t>{};</a:t>
+            </a:r>
+            <a:endParaRPr lang="ja-JP" altLang="en-US" sz="2800" dirty="0">
+              <a:solidFill>
+                <a:srgbClr val="000000"/>
+              </a:solidFill>
+              <a:ea typeface="ＭＳ ゴシック" panose="020B0609070205080204" pitchFamily="49" charset="-128"/>
+            </a:endParaRPr>
+          </a:p>
+          <a:p>
+            <a:r>
+              <a:rPr lang="en-US" altLang="ja-JP" sz="2800" dirty="0">
+                <a:solidFill>
+                  <a:srgbClr val="008000"/>
+                </a:solidFill>
+                <a:ea typeface="ＭＳ ゴシック" panose="020B0609070205080204" pitchFamily="49" charset="-128"/>
+              </a:rPr>
+              <a:t>//</a:t>
+            </a:r>
+            <a:r>
+              <a:rPr lang="ja-JP" altLang="en-US" sz="2800" dirty="0">
+                <a:solidFill>
+                  <a:srgbClr val="008000"/>
+                </a:solidFill>
+                <a:ea typeface="ＭＳ ゴシック" panose="020B0609070205080204" pitchFamily="49" charset="-128"/>
+              </a:rPr>
+              <a:t>アルゴリズムにメルセンヌツイスターを使う</a:t>
+            </a:r>
+            <a:br>
+              <a:rPr lang="en-US" altLang="ja-JP" sz="2800" dirty="0">
+                <a:solidFill>
+                  <a:srgbClr val="2B91AF"/>
+                </a:solidFill>
+                <a:ea typeface="ＭＳ ゴシック" panose="020B0609070205080204" pitchFamily="49" charset="-128"/>
+              </a:rPr>
+            </a:br>
+            <a:r>
+              <a:rPr lang="en-US" altLang="ja-JP" sz="2800" dirty="0">
+                <a:solidFill>
+                  <a:srgbClr val="FF0000"/>
+                </a:solidFill>
+                <a:ea typeface="ＭＳ ゴシック" panose="020B0609070205080204" pitchFamily="49" charset="-128"/>
+              </a:rPr>
+              <a:t>mt19937</a:t>
+            </a:r>
+            <a:r>
+              <a:rPr lang="ja-JP" altLang="en-US" sz="2800" dirty="0">
+                <a:solidFill>
+                  <a:srgbClr val="000000"/>
+                </a:solidFill>
+                <a:ea typeface="ＭＳ ゴシック" panose="020B0609070205080204" pitchFamily="49" charset="-128"/>
+              </a:rPr>
+              <a:t> </a:t>
+            </a:r>
+            <a:r>
+              <a:rPr lang="en-US" altLang="ja-JP" sz="2800" dirty="0" err="1">
+                <a:solidFill>
+                  <a:srgbClr val="000000"/>
+                </a:solidFill>
+                <a:ea typeface="ＭＳ ゴシック" panose="020B0609070205080204" pitchFamily="49" charset="-128"/>
+              </a:rPr>
+              <a:t>rand_engine</a:t>
+            </a:r>
+            <a:r>
+              <a:rPr lang="en-US" altLang="ja-JP" sz="2800" dirty="0">
+                <a:solidFill>
+                  <a:srgbClr val="000000"/>
+                </a:solidFill>
+                <a:ea typeface="ＭＳ ゴシック" panose="020B0609070205080204" pitchFamily="49" charset="-128"/>
+              </a:rPr>
+              <a:t>(</a:t>
+            </a:r>
+            <a:r>
+              <a:rPr lang="en-US" altLang="ja-JP" sz="2800" dirty="0" err="1">
+                <a:solidFill>
+                  <a:srgbClr val="000000"/>
+                </a:solidFill>
+                <a:ea typeface="ＭＳ ゴシック" panose="020B0609070205080204" pitchFamily="49" charset="-128"/>
+              </a:rPr>
+              <a:t>rand_dev</a:t>
+            </a:r>
+            <a:r>
+              <a:rPr lang="en-US" altLang="ja-JP" sz="2800" dirty="0">
+                <a:ea typeface="ＭＳ ゴシック" panose="020B0609070205080204" pitchFamily="49" charset="-128"/>
+              </a:rPr>
+              <a:t>()</a:t>
+            </a:r>
+            <a:r>
+              <a:rPr lang="en-US" altLang="ja-JP" sz="2800" dirty="0">
+                <a:solidFill>
+                  <a:srgbClr val="000000"/>
+                </a:solidFill>
+                <a:ea typeface="ＭＳ ゴシック" panose="020B0609070205080204" pitchFamily="49" charset="-128"/>
+              </a:rPr>
+              <a:t>);</a:t>
+            </a:r>
+            <a:br>
+              <a:rPr lang="en-US" altLang="ja-JP" sz="2800" dirty="0">
+                <a:solidFill>
+                  <a:srgbClr val="000000"/>
+                </a:solidFill>
+                <a:ea typeface="ＭＳ ゴシック" panose="020B0609070205080204" pitchFamily="49" charset="-128"/>
+              </a:rPr>
+            </a:br>
+            <a:r>
+              <a:rPr lang="en-US" altLang="ja-JP" sz="2800" dirty="0">
+                <a:solidFill>
+                  <a:srgbClr val="008000"/>
+                </a:solidFill>
+                <a:ea typeface="ＭＳ ゴシック" panose="020B0609070205080204" pitchFamily="49" charset="-128"/>
+              </a:rPr>
+              <a:t>// 0</a:t>
+            </a:r>
+            <a:r>
+              <a:rPr lang="ja-JP" altLang="en-US" sz="2800" dirty="0">
+                <a:solidFill>
+                  <a:srgbClr val="008000"/>
+                </a:solidFill>
+                <a:ea typeface="ＭＳ ゴシック" panose="020B0609070205080204" pitchFamily="49" charset="-128"/>
+              </a:rPr>
+              <a:t>～</a:t>
+            </a:r>
+            <a:r>
+              <a:rPr lang="en-US" altLang="ja-JP" sz="2800" dirty="0">
+                <a:solidFill>
+                  <a:srgbClr val="008000"/>
+                </a:solidFill>
+                <a:ea typeface="ＭＳ ゴシック" panose="020B0609070205080204" pitchFamily="49" charset="-128"/>
+              </a:rPr>
+              <a:t>(map</a:t>
+            </a:r>
+            <a:r>
+              <a:rPr lang="ja-JP" altLang="en-US" sz="2800" dirty="0">
+                <a:solidFill>
+                  <a:srgbClr val="008000"/>
+                </a:solidFill>
+                <a:ea typeface="ＭＳ ゴシック" panose="020B0609070205080204" pitchFamily="49" charset="-128"/>
+              </a:rPr>
+              <a:t>の要素数</a:t>
+            </a:r>
+            <a:r>
+              <a:rPr lang="en-US" altLang="ja-JP" sz="2800" dirty="0">
+                <a:solidFill>
+                  <a:srgbClr val="008000"/>
+                </a:solidFill>
+                <a:ea typeface="ＭＳ ゴシック" panose="020B0609070205080204" pitchFamily="49" charset="-128"/>
+              </a:rPr>
+              <a:t>)-1 </a:t>
+            </a:r>
+            <a:r>
+              <a:rPr lang="ja-JP" altLang="en-US" sz="2800" dirty="0">
+                <a:solidFill>
+                  <a:srgbClr val="008000"/>
+                </a:solidFill>
+                <a:ea typeface="ＭＳ ゴシック" panose="020B0609070205080204" pitchFamily="49" charset="-128"/>
+              </a:rPr>
+              <a:t>を均等な確率で得る分布生成器</a:t>
+            </a:r>
+            <a:endParaRPr lang="ja-JP" altLang="en-US" sz="2800" dirty="0">
+              <a:solidFill>
+                <a:srgbClr val="000000"/>
+              </a:solidFill>
+              <a:ea typeface="ＭＳ ゴシック" panose="020B0609070205080204" pitchFamily="49" charset="-128"/>
+            </a:endParaRPr>
+          </a:p>
+          <a:p>
+            <a:r>
+              <a:rPr lang="en-US" altLang="ja-JP" sz="2800" dirty="0" err="1">
+                <a:solidFill>
+                  <a:srgbClr val="FF0000"/>
+                </a:solidFill>
+                <a:ea typeface="ＭＳ ゴシック" panose="020B0609070205080204" pitchFamily="49" charset="-128"/>
+              </a:rPr>
+              <a:t>uniform_int_distribution</a:t>
+            </a:r>
+            <a:r>
+              <a:rPr lang="en-US" altLang="ja-JP" sz="2800" dirty="0">
+                <a:solidFill>
+                  <a:srgbClr val="000000"/>
+                </a:solidFill>
+                <a:ea typeface="ＭＳ ゴシック" panose="020B0609070205080204" pitchFamily="49" charset="-128"/>
+              </a:rPr>
+              <a:t>&lt;</a:t>
+            </a:r>
+            <a:r>
+              <a:rPr lang="en-US" altLang="ja-JP" sz="2800" dirty="0">
+                <a:solidFill>
+                  <a:srgbClr val="0000FF"/>
+                </a:solidFill>
+                <a:ea typeface="ＭＳ ゴシック" panose="020B0609070205080204" pitchFamily="49" charset="-128"/>
+              </a:rPr>
+              <a:t>int</a:t>
+            </a:r>
+            <a:r>
+              <a:rPr lang="en-US" altLang="ja-JP" sz="2800" dirty="0">
+                <a:solidFill>
+                  <a:srgbClr val="000000"/>
+                </a:solidFill>
+                <a:ea typeface="ＭＳ ゴシック" panose="020B0609070205080204" pitchFamily="49" charset="-128"/>
+              </a:rPr>
+              <a:t>&gt; </a:t>
+            </a:r>
+            <a:br>
+              <a:rPr lang="en-US" altLang="ja-JP" sz="2800" dirty="0">
+                <a:solidFill>
+                  <a:srgbClr val="000000"/>
+                </a:solidFill>
+                <a:ea typeface="ＭＳ ゴシック" panose="020B0609070205080204" pitchFamily="49" charset="-128"/>
+              </a:rPr>
+            </a:br>
+            <a:r>
+              <a:rPr lang="en-US" altLang="ja-JP" sz="2800" dirty="0">
+                <a:solidFill>
+                  <a:srgbClr val="000000"/>
+                </a:solidFill>
+                <a:ea typeface="ＭＳ ゴシック" panose="020B0609070205080204" pitchFamily="49" charset="-128"/>
+              </a:rPr>
+              <a:t>                   </a:t>
+            </a:r>
+            <a:r>
+              <a:rPr lang="en-US" altLang="ja-JP" sz="2800" dirty="0" err="1">
+                <a:solidFill>
+                  <a:srgbClr val="000000"/>
+                </a:solidFill>
+                <a:ea typeface="ＭＳ ゴシック" panose="020B0609070205080204" pitchFamily="49" charset="-128"/>
+              </a:rPr>
+              <a:t>dist</a:t>
+            </a:r>
+            <a:r>
+              <a:rPr lang="en-US" altLang="ja-JP" sz="2800" dirty="0">
+                <a:solidFill>
+                  <a:srgbClr val="000000"/>
+                </a:solidFill>
+                <a:ea typeface="ＭＳ ゴシック" panose="020B0609070205080204" pitchFamily="49" charset="-128"/>
+              </a:rPr>
+              <a:t>(0, </a:t>
+            </a:r>
+            <a:r>
+              <a:rPr lang="en-US" altLang="ja-JP" sz="2800" dirty="0" err="1">
+                <a:solidFill>
+                  <a:srgbClr val="000000"/>
+                </a:solidFill>
+                <a:ea typeface="ＭＳ ゴシック" panose="020B0609070205080204" pitchFamily="49" charset="-128"/>
+              </a:rPr>
+              <a:t>dic.size</a:t>
+            </a:r>
+            <a:r>
+              <a:rPr lang="en-US" altLang="ja-JP" sz="2800" dirty="0">
+                <a:solidFill>
+                  <a:srgbClr val="000000"/>
+                </a:solidFill>
+                <a:ea typeface="ＭＳ ゴシック" panose="020B0609070205080204" pitchFamily="49" charset="-128"/>
+              </a:rPr>
+              <a:t>() – 1);</a:t>
+            </a:r>
+            <a:br>
+              <a:rPr lang="en-US" altLang="ja-JP" sz="2800" dirty="0">
+                <a:solidFill>
+                  <a:srgbClr val="000000"/>
+                </a:solidFill>
+                <a:ea typeface="ＭＳ ゴシック" panose="020B0609070205080204" pitchFamily="49" charset="-128"/>
+              </a:rPr>
+            </a:br>
+            <a:r>
+              <a:rPr lang="en-US" altLang="ja-JP" sz="2800" dirty="0">
+                <a:solidFill>
+                  <a:srgbClr val="0066FF"/>
+                </a:solidFill>
+                <a:ea typeface="ＭＳ ゴシック" panose="020B0609070205080204" pitchFamily="49" charset="-128"/>
+              </a:rPr>
+              <a:t>int</a:t>
+            </a:r>
+            <a:r>
+              <a:rPr lang="en-US" altLang="ja-JP" sz="2800" dirty="0">
+                <a:solidFill>
+                  <a:srgbClr val="000000"/>
+                </a:solidFill>
+                <a:ea typeface="ＭＳ ゴシック" panose="020B0609070205080204" pitchFamily="49" charset="-128"/>
+              </a:rPr>
+              <a:t> </a:t>
+            </a:r>
+            <a:r>
+              <a:rPr lang="en-US" altLang="ja-JP" sz="2800" dirty="0" err="1">
+                <a:solidFill>
+                  <a:srgbClr val="000000"/>
+                </a:solidFill>
+                <a:ea typeface="ＭＳ ゴシック" panose="020B0609070205080204" pitchFamily="49" charset="-128"/>
+              </a:rPr>
+              <a:t>rnd</a:t>
+            </a:r>
+            <a:r>
+              <a:rPr lang="en-US" altLang="ja-JP" sz="2800" dirty="0">
+                <a:solidFill>
+                  <a:srgbClr val="000000"/>
+                </a:solidFill>
+                <a:ea typeface="ＭＳ ゴシック" panose="020B0609070205080204" pitchFamily="49" charset="-128"/>
+              </a:rPr>
+              <a:t> = </a:t>
+            </a:r>
+            <a:r>
+              <a:rPr lang="en-US" altLang="ja-JP" sz="2800" dirty="0" err="1">
+                <a:solidFill>
+                  <a:srgbClr val="000000"/>
+                </a:solidFill>
+                <a:ea typeface="ＭＳ ゴシック" panose="020B0609070205080204" pitchFamily="49" charset="-128"/>
+              </a:rPr>
+              <a:t>dist</a:t>
+            </a:r>
+            <a:r>
+              <a:rPr lang="en-US" altLang="ja-JP" sz="2800" dirty="0">
+                <a:solidFill>
+                  <a:srgbClr val="000000"/>
+                </a:solidFill>
+                <a:ea typeface="ＭＳ ゴシック" panose="020B0609070205080204" pitchFamily="49" charset="-128"/>
+              </a:rPr>
+              <a:t>(</a:t>
+            </a:r>
+            <a:r>
+              <a:rPr lang="en-US" altLang="ja-JP" sz="2800" dirty="0" err="1">
+                <a:solidFill>
+                  <a:srgbClr val="000000"/>
+                </a:solidFill>
+                <a:ea typeface="ＭＳ ゴシック" panose="020B0609070205080204" pitchFamily="49" charset="-128"/>
+              </a:rPr>
+              <a:t>rand_engine</a:t>
+            </a:r>
+            <a:r>
+              <a:rPr lang="en-US" altLang="ja-JP" sz="2800" dirty="0">
+                <a:solidFill>
+                  <a:srgbClr val="000000"/>
+                </a:solidFill>
+                <a:ea typeface="ＭＳ ゴシック" panose="020B0609070205080204" pitchFamily="49" charset="-128"/>
+              </a:rPr>
+              <a:t>); </a:t>
+            </a:r>
+            <a:r>
+              <a:rPr lang="en-US" altLang="ja-JP" sz="2800" dirty="0">
+                <a:solidFill>
+                  <a:srgbClr val="00B050"/>
+                </a:solidFill>
+                <a:ea typeface="ＭＳ ゴシック" panose="020B0609070205080204" pitchFamily="49" charset="-128"/>
+              </a:rPr>
+              <a:t>//</a:t>
+            </a:r>
+            <a:r>
+              <a:rPr lang="en-US" altLang="ja-JP" sz="2800" dirty="0" err="1">
+                <a:solidFill>
+                  <a:srgbClr val="00B050"/>
+                </a:solidFill>
+                <a:ea typeface="ＭＳ ゴシック" panose="020B0609070205080204" pitchFamily="49" charset="-128"/>
+              </a:rPr>
+              <a:t>rnd</a:t>
+            </a:r>
+            <a:r>
+              <a:rPr lang="ja-JP" altLang="en-US" sz="2800" dirty="0">
+                <a:solidFill>
+                  <a:srgbClr val="00B050"/>
+                </a:solidFill>
+                <a:ea typeface="ＭＳ ゴシック" panose="020B0609070205080204" pitchFamily="49" charset="-128"/>
+              </a:rPr>
+              <a:t>には</a:t>
+            </a:r>
+            <a:r>
+              <a:rPr lang="en-US" altLang="ja-JP" sz="2800" dirty="0">
+                <a:solidFill>
+                  <a:srgbClr val="00B050"/>
+                </a:solidFill>
+                <a:ea typeface="ＭＳ ゴシック" panose="020B0609070205080204" pitchFamily="49" charset="-128"/>
+              </a:rPr>
+              <a:t>0~4</a:t>
+            </a:r>
+            <a:r>
+              <a:rPr lang="ja-JP" altLang="en-US" sz="2800" dirty="0">
+                <a:solidFill>
+                  <a:srgbClr val="00B050"/>
+                </a:solidFill>
+                <a:ea typeface="ＭＳ ゴシック" panose="020B0609070205080204" pitchFamily="49" charset="-128"/>
+              </a:rPr>
+              <a:t>が格納</a:t>
+            </a:r>
+            <a:endParaRPr kumimoji="1" lang="ja-JP" altLang="en-US" sz="2800" dirty="0">
+              <a:solidFill>
+                <a:srgbClr val="00B050"/>
+              </a:solidFill>
+            </a:endParaRPr>
+          </a:p>
+        </p:txBody>
+      </p:sp>
+    </p:spTree>
+    <p:extLst>
+      <p:ext uri="{BB962C8B-B14F-4D97-AF65-F5344CB8AC3E}">
+        <p14:creationId xmlns:p14="http://schemas.microsoft.com/office/powerpoint/2010/main" val="3832606075"/>
+      </p:ext>
+    </p:extLst>
+  </p:cSld>
+  <p:clrMapOvr>
+    <a:masterClrMapping/>
+  </p:clrMapOvr>
+</p:sld>
+</file>
+
+<file path=ppt/slides/slide18.xml><?xml version="1.0" encoding="utf-8"?>
+<p:sld xmlns:a="http://schemas.openxmlformats.org/drawingml/2006/main" xmlns:r="http://schemas.openxmlformats.org/officeDocument/2006/relationships" xmlns:p="http://schemas.openxmlformats.org/presentationml/2006/main">
+  <p:cSld>
+    <p:spTree>
+      <p:nvGrpSpPr>
+        <p:cNvPr id="1" name=""/>
+        <p:cNvGrpSpPr/>
+        <p:nvPr/>
+      </p:nvGrpSpPr>
+      <p:grpSpPr>
+        <a:xfrm>
+          <a:off x="0" y="0"/>
+          <a:ext cx="0" cy="0"/>
+          <a:chOff x="0" y="0"/>
+          <a:chExt cx="0" cy="0"/>
+        </a:xfrm>
+      </p:grpSpPr>
+      <p:sp>
+        <p:nvSpPr>
+          <p:cNvPr id="2" name="タイトル 1">
+            <a:extLst>
+              <a:ext uri="{FF2B5EF4-FFF2-40B4-BE49-F238E27FC236}">
+                <a16:creationId xmlns:a16="http://schemas.microsoft.com/office/drawing/2014/main" id="{9F789731-37C4-49DD-AEE8-78E5514E279E}"/>
+              </a:ext>
+            </a:extLst>
+          </p:cNvPr>
+          <p:cNvSpPr>
+            <a:spLocks noGrp="1"/>
+          </p:cNvSpPr>
+          <p:nvPr>
+            <p:ph type="title"/>
+          </p:nvPr>
+        </p:nvSpPr>
+        <p:spPr/>
+        <p:txBody>
+          <a:bodyPr/>
+          <a:lstStyle/>
+          <a:p>
+            <a:r>
+              <a:rPr kumimoji="1" lang="ja-JP" altLang="en-US" dirty="0"/>
+              <a:t>演習：</a:t>
+            </a:r>
+            <a:r>
+              <a:rPr kumimoji="1" lang="en-US" altLang="ja-JP" dirty="0"/>
+              <a:t>map</a:t>
+            </a:r>
+            <a:endParaRPr kumimoji="1" lang="ja-JP" altLang="en-US" dirty="0"/>
+          </a:p>
+        </p:txBody>
+      </p:sp>
+      <p:sp>
+        <p:nvSpPr>
+          <p:cNvPr id="3" name="コンテンツ プレースホルダー 2">
+            <a:extLst>
+              <a:ext uri="{FF2B5EF4-FFF2-40B4-BE49-F238E27FC236}">
+                <a16:creationId xmlns:a16="http://schemas.microsoft.com/office/drawing/2014/main" id="{39562F0E-6033-40BD-BCB8-F015661306FD}"/>
+              </a:ext>
+            </a:extLst>
+          </p:cNvPr>
+          <p:cNvSpPr>
+            <a:spLocks noGrp="1"/>
+          </p:cNvSpPr>
+          <p:nvPr>
+            <p:ph idx="1"/>
+          </p:nvPr>
+        </p:nvSpPr>
+        <p:spPr>
+          <a:xfrm>
+            <a:off x="731195" y="1162976"/>
+            <a:ext cx="10893357" cy="5626930"/>
+          </a:xfrm>
+          <a:solidFill>
+            <a:schemeClr val="bg1"/>
+          </a:solidFill>
+          <a:ln>
+            <a:solidFill>
+              <a:schemeClr val="tx1"/>
+            </a:solidFill>
+          </a:ln>
+        </p:spPr>
+        <p:txBody>
+          <a:bodyPr>
+            <a:noAutofit/>
+          </a:bodyPr>
+          <a:lstStyle/>
+          <a:p>
+            <a:r>
+              <a:rPr lang="en-US" altLang="ja-JP" sz="2400" dirty="0">
+                <a:solidFill>
+                  <a:srgbClr val="0000FF"/>
+                </a:solidFill>
+                <a:ea typeface="ＭＳ ゴシック" panose="020B0609070205080204" pitchFamily="49" charset="-128"/>
+              </a:rPr>
+              <a:t>using</a:t>
+            </a:r>
+            <a:r>
+              <a:rPr lang="en-US" altLang="ja-JP" sz="2400" dirty="0">
+                <a:solidFill>
+                  <a:srgbClr val="000000"/>
+                </a:solidFill>
+                <a:ea typeface="ＭＳ ゴシック" panose="020B0609070205080204" pitchFamily="49" charset="-128"/>
+              </a:rPr>
+              <a:t> </a:t>
+            </a:r>
+            <a:r>
+              <a:rPr lang="en-US" altLang="ja-JP" sz="2400" dirty="0">
+                <a:solidFill>
+                  <a:srgbClr val="0000FF"/>
+                </a:solidFill>
+                <a:ea typeface="ＭＳ ゴシック" panose="020B0609070205080204" pitchFamily="49" charset="-128"/>
+              </a:rPr>
+              <a:t>namespace</a:t>
+            </a:r>
+            <a:r>
+              <a:rPr lang="en-US" altLang="ja-JP" sz="2400" dirty="0">
+                <a:solidFill>
+                  <a:srgbClr val="000000"/>
+                </a:solidFill>
+                <a:ea typeface="ＭＳ ゴシック" panose="020B0609070205080204" pitchFamily="49" charset="-128"/>
+              </a:rPr>
+              <a:t> std;</a:t>
+            </a:r>
+            <a:br>
+              <a:rPr lang="en-US" altLang="ja-JP" sz="2400" dirty="0">
+                <a:solidFill>
+                  <a:srgbClr val="000000"/>
+                </a:solidFill>
+                <a:ea typeface="ＭＳ ゴシック" panose="020B0609070205080204" pitchFamily="49" charset="-128"/>
+              </a:rPr>
+            </a:br>
+            <a:r>
+              <a:rPr lang="en-US" altLang="ja-JP" sz="2400" dirty="0">
+                <a:solidFill>
+                  <a:srgbClr val="0000FF"/>
+                </a:solidFill>
+                <a:ea typeface="ＭＳ ゴシック" panose="020B0609070205080204" pitchFamily="49" charset="-128"/>
+              </a:rPr>
+              <a:t>int</a:t>
+            </a:r>
+            <a:r>
+              <a:rPr lang="en-US" altLang="ja-JP" sz="2400" dirty="0">
+                <a:solidFill>
+                  <a:srgbClr val="000000"/>
+                </a:solidFill>
+                <a:ea typeface="ＭＳ ゴシック" panose="020B0609070205080204" pitchFamily="49" charset="-128"/>
+              </a:rPr>
+              <a:t> main() {</a:t>
+            </a:r>
+            <a:br>
+              <a:rPr lang="en-US" altLang="ja-JP" sz="2400" dirty="0">
+                <a:solidFill>
+                  <a:srgbClr val="000000"/>
+                </a:solidFill>
+                <a:ea typeface="ＭＳ ゴシック" panose="020B0609070205080204" pitchFamily="49" charset="-128"/>
+              </a:rPr>
+            </a:br>
+            <a:r>
+              <a:rPr lang="en-US" altLang="ja-JP" sz="2400" dirty="0">
+                <a:solidFill>
+                  <a:srgbClr val="000000"/>
+                </a:solidFill>
+                <a:ea typeface="ＭＳ ゴシック" panose="020B0609070205080204" pitchFamily="49" charset="-128"/>
+              </a:rPr>
+              <a:t>    </a:t>
+            </a:r>
+            <a:r>
+              <a:rPr lang="en-US" altLang="ja-JP" sz="2400" dirty="0">
+                <a:solidFill>
+                  <a:srgbClr val="00B050"/>
+                </a:solidFill>
+                <a:ea typeface="ＭＳ ゴシック" panose="020B0609070205080204" pitchFamily="49" charset="-128"/>
+              </a:rPr>
+              <a:t>//</a:t>
+            </a:r>
+            <a:r>
+              <a:rPr lang="ja-JP" altLang="en-US" sz="2400" dirty="0">
+                <a:solidFill>
+                  <a:srgbClr val="00B050"/>
+                </a:solidFill>
+                <a:ea typeface="ＭＳ ゴシック" panose="020B0609070205080204" pitchFamily="49" charset="-128"/>
+              </a:rPr>
+              <a:t>英単語の和訳と英訳のペアを</a:t>
+            </a:r>
+            <a:r>
+              <a:rPr lang="en-US" altLang="ja-JP" sz="2400" dirty="0" err="1">
+                <a:solidFill>
+                  <a:srgbClr val="00B050"/>
+                </a:solidFill>
+                <a:ea typeface="ＭＳ ゴシック" panose="020B0609070205080204" pitchFamily="49" charset="-128"/>
+              </a:rPr>
+              <a:t>dic</a:t>
+            </a:r>
+            <a:r>
+              <a:rPr lang="ja-JP" altLang="en-US" sz="2400" dirty="0">
+                <a:solidFill>
+                  <a:srgbClr val="00B050"/>
+                </a:solidFill>
+                <a:ea typeface="ＭＳ ゴシック" panose="020B0609070205080204" pitchFamily="49" charset="-128"/>
+              </a:rPr>
+              <a:t>に格納</a:t>
+            </a:r>
+            <a:br>
+              <a:rPr lang="en-US" altLang="ja-JP" sz="2400" dirty="0">
+                <a:solidFill>
+                  <a:srgbClr val="000000"/>
+                </a:solidFill>
+                <a:ea typeface="ＭＳ ゴシック" panose="020B0609070205080204" pitchFamily="49" charset="-128"/>
+              </a:rPr>
+            </a:br>
+            <a:r>
+              <a:rPr lang="en-US" altLang="ja-JP" sz="2400" dirty="0">
+                <a:solidFill>
+                  <a:srgbClr val="000000"/>
+                </a:solidFill>
+                <a:ea typeface="ＭＳ ゴシック" panose="020B0609070205080204" pitchFamily="49" charset="-128"/>
+              </a:rPr>
+              <a:t>    </a:t>
+            </a:r>
+            <a:r>
+              <a:rPr lang="en-US" altLang="ja-JP" sz="2400" dirty="0">
+                <a:solidFill>
+                  <a:srgbClr val="2B91AF"/>
+                </a:solidFill>
+                <a:ea typeface="ＭＳ ゴシック" panose="020B0609070205080204" pitchFamily="49" charset="-128"/>
+              </a:rPr>
+              <a:t>map</a:t>
+            </a:r>
+            <a:r>
+              <a:rPr lang="en-US" altLang="ja-JP" sz="2400" dirty="0">
+                <a:solidFill>
+                  <a:srgbClr val="000000"/>
+                </a:solidFill>
+                <a:ea typeface="ＭＳ ゴシック" panose="020B0609070205080204" pitchFamily="49" charset="-128"/>
+              </a:rPr>
+              <a:t>&lt;</a:t>
+            </a:r>
+            <a:r>
+              <a:rPr lang="en-US" altLang="ja-JP" sz="2400" dirty="0">
+                <a:solidFill>
+                  <a:srgbClr val="2B91AF"/>
+                </a:solidFill>
+                <a:ea typeface="ＭＳ ゴシック" panose="020B0609070205080204" pitchFamily="49" charset="-128"/>
+              </a:rPr>
+              <a:t>string</a:t>
+            </a:r>
+            <a:r>
+              <a:rPr lang="en-US" altLang="ja-JP" sz="2400" dirty="0">
+                <a:solidFill>
+                  <a:srgbClr val="000000"/>
+                </a:solidFill>
+                <a:ea typeface="ＭＳ ゴシック" panose="020B0609070205080204" pitchFamily="49" charset="-128"/>
+              </a:rPr>
+              <a:t>, </a:t>
+            </a:r>
+            <a:r>
+              <a:rPr lang="en-US" altLang="ja-JP" sz="2400" dirty="0">
+                <a:solidFill>
+                  <a:srgbClr val="2B91AF"/>
+                </a:solidFill>
+                <a:ea typeface="ＭＳ ゴシック" panose="020B0609070205080204" pitchFamily="49" charset="-128"/>
+              </a:rPr>
+              <a:t>string</a:t>
+            </a:r>
+            <a:r>
+              <a:rPr lang="en-US" altLang="ja-JP" sz="2400" dirty="0">
+                <a:solidFill>
+                  <a:srgbClr val="000000"/>
+                </a:solidFill>
+                <a:ea typeface="ＭＳ ゴシック" panose="020B0609070205080204" pitchFamily="49" charset="-128"/>
+              </a:rPr>
+              <a:t>&gt; </a:t>
+            </a:r>
+            <a:r>
+              <a:rPr lang="en-US" altLang="ja-JP" sz="2400" dirty="0" err="1">
+                <a:solidFill>
+                  <a:srgbClr val="00B0F0"/>
+                </a:solidFill>
+                <a:ea typeface="ＭＳ ゴシック" panose="020B0609070205080204" pitchFamily="49" charset="-128"/>
+              </a:rPr>
+              <a:t>dic</a:t>
+            </a:r>
+            <a:r>
+              <a:rPr lang="en-US" altLang="ja-JP" sz="2400" dirty="0">
+                <a:solidFill>
+                  <a:srgbClr val="000000"/>
+                </a:solidFill>
+                <a:ea typeface="ＭＳ ゴシック" panose="020B0609070205080204" pitchFamily="49" charset="-128"/>
+              </a:rPr>
+              <a:t>{ {</a:t>
+            </a:r>
+            <a:r>
+              <a:rPr lang="en-US" altLang="ja-JP" sz="2400" dirty="0">
+                <a:solidFill>
+                  <a:srgbClr val="A31515"/>
+                </a:solidFill>
+                <a:ea typeface="ＭＳ ゴシック" panose="020B0609070205080204" pitchFamily="49" charset="-128"/>
+              </a:rPr>
+              <a:t>“</a:t>
+            </a:r>
+            <a:r>
+              <a:rPr lang="ja-JP" altLang="en-US" sz="2400" dirty="0">
+                <a:solidFill>
+                  <a:srgbClr val="A31515"/>
+                </a:solidFill>
+                <a:ea typeface="ＭＳ ゴシック" panose="020B0609070205080204" pitchFamily="49" charset="-128"/>
+              </a:rPr>
+              <a:t>活動</a:t>
+            </a:r>
+            <a:r>
+              <a:rPr lang="en-US" altLang="ja-JP" sz="2400" dirty="0">
+                <a:solidFill>
+                  <a:srgbClr val="A31515"/>
+                </a:solidFill>
+                <a:ea typeface="ＭＳ ゴシック" panose="020B0609070205080204" pitchFamily="49" charset="-128"/>
+              </a:rPr>
+              <a:t>”</a:t>
+            </a:r>
+            <a:r>
+              <a:rPr lang="en-US" altLang="ja-JP" sz="2400" dirty="0">
+                <a:solidFill>
+                  <a:srgbClr val="000000"/>
+                </a:solidFill>
+                <a:ea typeface="ＭＳ ゴシック" panose="020B0609070205080204" pitchFamily="49" charset="-128"/>
+              </a:rPr>
+              <a:t>,</a:t>
+            </a:r>
+            <a:r>
+              <a:rPr lang="en-US" altLang="ja-JP" sz="2400" dirty="0">
+                <a:solidFill>
+                  <a:srgbClr val="A31515"/>
+                </a:solidFill>
+                <a:ea typeface="ＭＳ ゴシック" panose="020B0609070205080204" pitchFamily="49" charset="-128"/>
+              </a:rPr>
+              <a:t>“activity”</a:t>
+            </a:r>
+            <a:r>
+              <a:rPr lang="en-US" altLang="ja-JP" sz="2400" dirty="0">
+                <a:solidFill>
+                  <a:srgbClr val="000000"/>
+                </a:solidFill>
+                <a:ea typeface="ＭＳ ゴシック" panose="020B0609070205080204" pitchFamily="49" charset="-128"/>
+              </a:rPr>
+              <a:t>},</a:t>
+            </a:r>
+            <a:br>
+              <a:rPr lang="en-US" altLang="ja-JP" sz="2400" dirty="0">
+                <a:solidFill>
+                  <a:srgbClr val="000000"/>
+                </a:solidFill>
+                <a:ea typeface="ＭＳ ゴシック" panose="020B0609070205080204" pitchFamily="49" charset="-128"/>
+              </a:rPr>
+            </a:br>
+            <a:r>
+              <a:rPr lang="en-US" altLang="ja-JP" sz="2400" dirty="0">
+                <a:solidFill>
+                  <a:srgbClr val="000000"/>
+                </a:solidFill>
+                <a:ea typeface="ＭＳ ゴシック" panose="020B0609070205080204" pitchFamily="49" charset="-128"/>
+              </a:rPr>
+              <a:t>      {</a:t>
+            </a:r>
+            <a:r>
+              <a:rPr lang="en-US" altLang="ja-JP" sz="2400" dirty="0">
+                <a:solidFill>
+                  <a:srgbClr val="A31515"/>
+                </a:solidFill>
+                <a:ea typeface="ＭＳ ゴシック" panose="020B0609070205080204" pitchFamily="49" charset="-128"/>
+              </a:rPr>
+              <a:t>“</a:t>
+            </a:r>
+            <a:r>
+              <a:rPr lang="ja-JP" altLang="en-US" sz="2400" dirty="0">
+                <a:solidFill>
+                  <a:srgbClr val="A31515"/>
+                </a:solidFill>
+                <a:ea typeface="ＭＳ ゴシック" panose="020B0609070205080204" pitchFamily="49" charset="-128"/>
+              </a:rPr>
+              <a:t>雰囲気</a:t>
+            </a:r>
+            <a:r>
+              <a:rPr lang="en-US" altLang="ja-JP" sz="2400" dirty="0">
+                <a:solidFill>
+                  <a:srgbClr val="A31515"/>
+                </a:solidFill>
+                <a:ea typeface="ＭＳ ゴシック" panose="020B0609070205080204" pitchFamily="49" charset="-128"/>
+              </a:rPr>
+              <a:t>”</a:t>
+            </a:r>
+            <a:r>
+              <a:rPr lang="en-US" altLang="ja-JP" sz="2400" dirty="0">
+                <a:solidFill>
+                  <a:srgbClr val="000000"/>
+                </a:solidFill>
+                <a:ea typeface="ＭＳ ゴシック" panose="020B0609070205080204" pitchFamily="49" charset="-128"/>
+              </a:rPr>
+              <a:t>,</a:t>
+            </a:r>
+            <a:r>
+              <a:rPr lang="en-US" altLang="ja-JP" sz="2400" dirty="0">
+                <a:solidFill>
+                  <a:srgbClr val="A31515"/>
+                </a:solidFill>
+                <a:ea typeface="ＭＳ ゴシック" panose="020B0609070205080204" pitchFamily="49" charset="-128"/>
+              </a:rPr>
+              <a:t>“atmosphere”</a:t>
+            </a:r>
+            <a:r>
+              <a:rPr lang="en-US" altLang="ja-JP" sz="2400" dirty="0">
+                <a:solidFill>
+                  <a:srgbClr val="000000"/>
+                </a:solidFill>
+                <a:ea typeface="ＭＳ ゴシック" panose="020B0609070205080204" pitchFamily="49" charset="-128"/>
+              </a:rPr>
+              <a:t>},{</a:t>
+            </a:r>
+            <a:r>
+              <a:rPr lang="en-US" altLang="ja-JP" sz="2400" dirty="0">
+                <a:solidFill>
+                  <a:srgbClr val="A31515"/>
+                </a:solidFill>
+                <a:ea typeface="ＭＳ ゴシック" panose="020B0609070205080204" pitchFamily="49" charset="-128"/>
+              </a:rPr>
+              <a:t>“</a:t>
+            </a:r>
+            <a:r>
+              <a:rPr lang="ja-JP" altLang="en-US" sz="2400" dirty="0">
+                <a:solidFill>
+                  <a:srgbClr val="A31515"/>
+                </a:solidFill>
+                <a:ea typeface="ＭＳ ゴシック" panose="020B0609070205080204" pitchFamily="49" charset="-128"/>
+              </a:rPr>
+              <a:t>血液</a:t>
+            </a:r>
+            <a:r>
+              <a:rPr lang="en-US" altLang="ja-JP" sz="2400" dirty="0">
+                <a:solidFill>
+                  <a:srgbClr val="A31515"/>
+                </a:solidFill>
+                <a:ea typeface="ＭＳ ゴシック" panose="020B0609070205080204" pitchFamily="49" charset="-128"/>
+              </a:rPr>
+              <a:t>”</a:t>
+            </a:r>
+            <a:r>
+              <a:rPr lang="en-US" altLang="ja-JP" sz="2400" dirty="0">
+                <a:solidFill>
+                  <a:srgbClr val="000000"/>
+                </a:solidFill>
+                <a:ea typeface="ＭＳ ゴシック" panose="020B0609070205080204" pitchFamily="49" charset="-128"/>
+              </a:rPr>
+              <a:t>,</a:t>
+            </a:r>
+            <a:r>
+              <a:rPr lang="en-US" altLang="ja-JP" sz="2400" dirty="0">
+                <a:solidFill>
+                  <a:srgbClr val="A31515"/>
+                </a:solidFill>
+                <a:ea typeface="ＭＳ ゴシック" panose="020B0609070205080204" pitchFamily="49" charset="-128"/>
+              </a:rPr>
+              <a:t>“blood”</a:t>
+            </a:r>
+            <a:r>
+              <a:rPr lang="en-US" altLang="ja-JP" sz="2400" dirty="0">
+                <a:solidFill>
+                  <a:srgbClr val="000000"/>
+                </a:solidFill>
+                <a:ea typeface="ＭＳ ゴシック" panose="020B0609070205080204" pitchFamily="49" charset="-128"/>
+              </a:rPr>
+              <a:t>},</a:t>
+            </a:r>
+            <a:br>
+              <a:rPr lang="en-US" altLang="ja-JP" sz="2400" dirty="0">
+                <a:solidFill>
+                  <a:srgbClr val="000000"/>
+                </a:solidFill>
+                <a:ea typeface="ＭＳ ゴシック" panose="020B0609070205080204" pitchFamily="49" charset="-128"/>
+              </a:rPr>
+            </a:br>
+            <a:r>
+              <a:rPr lang="en-US" altLang="ja-JP" sz="2400" dirty="0">
+                <a:solidFill>
+                  <a:srgbClr val="000000"/>
+                </a:solidFill>
+                <a:ea typeface="ＭＳ ゴシック" panose="020B0609070205080204" pitchFamily="49" charset="-128"/>
+              </a:rPr>
+              <a:t>      {</a:t>
+            </a:r>
+            <a:r>
+              <a:rPr lang="en-US" altLang="ja-JP" sz="2400" dirty="0">
+                <a:solidFill>
+                  <a:srgbClr val="A31515"/>
+                </a:solidFill>
+                <a:ea typeface="ＭＳ ゴシック" panose="020B0609070205080204" pitchFamily="49" charset="-128"/>
+              </a:rPr>
+              <a:t>“</a:t>
+            </a:r>
+            <a:r>
+              <a:rPr lang="ja-JP" altLang="en-US" sz="2400" dirty="0">
+                <a:solidFill>
+                  <a:srgbClr val="A31515"/>
+                </a:solidFill>
+                <a:ea typeface="ＭＳ ゴシック" panose="020B0609070205080204" pitchFamily="49" charset="-128"/>
+              </a:rPr>
+              <a:t>環境</a:t>
+            </a:r>
+            <a:r>
+              <a:rPr lang="en-US" altLang="ja-JP" sz="2400" dirty="0">
+                <a:solidFill>
+                  <a:srgbClr val="A31515"/>
+                </a:solidFill>
+                <a:ea typeface="ＭＳ ゴシック" panose="020B0609070205080204" pitchFamily="49" charset="-128"/>
+              </a:rPr>
+              <a:t>”</a:t>
+            </a:r>
+            <a:r>
+              <a:rPr lang="en-US" altLang="ja-JP" sz="2400" dirty="0">
+                <a:solidFill>
+                  <a:srgbClr val="000000"/>
+                </a:solidFill>
+                <a:ea typeface="ＭＳ ゴシック" panose="020B0609070205080204" pitchFamily="49" charset="-128"/>
+              </a:rPr>
+              <a:t>,</a:t>
+            </a:r>
+            <a:r>
+              <a:rPr lang="en-US" altLang="ja-JP" sz="2400" dirty="0">
+                <a:solidFill>
+                  <a:srgbClr val="A31515"/>
+                </a:solidFill>
+                <a:ea typeface="ＭＳ ゴシック" panose="020B0609070205080204" pitchFamily="49" charset="-128"/>
+              </a:rPr>
+              <a:t>“environment”</a:t>
+            </a:r>
+            <a:r>
+              <a:rPr lang="en-US" altLang="ja-JP" sz="2400" dirty="0">
+                <a:solidFill>
+                  <a:srgbClr val="000000"/>
+                </a:solidFill>
+                <a:ea typeface="ＭＳ ゴシック" panose="020B0609070205080204" pitchFamily="49" charset="-128"/>
+              </a:rPr>
+              <a:t>}, {</a:t>
+            </a:r>
+            <a:r>
+              <a:rPr lang="en-US" altLang="ja-JP" sz="2400" dirty="0">
+                <a:solidFill>
+                  <a:srgbClr val="A31515"/>
+                </a:solidFill>
+                <a:ea typeface="ＭＳ ゴシック" panose="020B0609070205080204" pitchFamily="49" charset="-128"/>
+              </a:rPr>
+              <a:t>“</a:t>
+            </a:r>
+            <a:r>
+              <a:rPr lang="ja-JP" altLang="en-US" sz="2400" dirty="0">
+                <a:solidFill>
+                  <a:srgbClr val="A31515"/>
+                </a:solidFill>
+                <a:ea typeface="ＭＳ ゴシック" panose="020B0609070205080204" pitchFamily="49" charset="-128"/>
+              </a:rPr>
+              <a:t>温度</a:t>
+            </a:r>
+            <a:r>
+              <a:rPr lang="en-US" altLang="ja-JP" sz="2400" dirty="0">
+                <a:solidFill>
+                  <a:srgbClr val="A31515"/>
+                </a:solidFill>
+                <a:ea typeface="ＭＳ ゴシック" panose="020B0609070205080204" pitchFamily="49" charset="-128"/>
+              </a:rPr>
+              <a:t>”</a:t>
+            </a:r>
+            <a:r>
+              <a:rPr lang="en-US" altLang="ja-JP" sz="2400" dirty="0">
+                <a:solidFill>
+                  <a:srgbClr val="000000"/>
+                </a:solidFill>
+                <a:ea typeface="ＭＳ ゴシック" panose="020B0609070205080204" pitchFamily="49" charset="-128"/>
+              </a:rPr>
+              <a:t>,</a:t>
+            </a:r>
+            <a:r>
+              <a:rPr lang="en-US" altLang="ja-JP" sz="2400" dirty="0">
+                <a:solidFill>
+                  <a:srgbClr val="A31515"/>
+                </a:solidFill>
+                <a:ea typeface="ＭＳ ゴシック" panose="020B0609070205080204" pitchFamily="49" charset="-128"/>
+              </a:rPr>
+              <a:t>“temperature”</a:t>
+            </a:r>
+            <a:r>
+              <a:rPr lang="en-US" altLang="ja-JP" sz="2400" dirty="0">
+                <a:solidFill>
+                  <a:srgbClr val="000000"/>
+                </a:solidFill>
+                <a:ea typeface="ＭＳ ゴシック" panose="020B0609070205080204" pitchFamily="49" charset="-128"/>
+              </a:rPr>
+              <a:t>}};</a:t>
+            </a:r>
+            <a:br>
+              <a:rPr lang="en-US" altLang="ja-JP" sz="2400" dirty="0">
+                <a:solidFill>
+                  <a:srgbClr val="000000"/>
+                </a:solidFill>
+                <a:ea typeface="ＭＳ ゴシック" panose="020B0609070205080204" pitchFamily="49" charset="-128"/>
+              </a:rPr>
+            </a:br>
+            <a:br>
+              <a:rPr lang="en-US" altLang="ja-JP" sz="2400" dirty="0">
+                <a:solidFill>
+                  <a:srgbClr val="000000"/>
+                </a:solidFill>
+                <a:ea typeface="ＭＳ ゴシック" panose="020B0609070205080204" pitchFamily="49" charset="-128"/>
+              </a:rPr>
+            </a:br>
+            <a:r>
+              <a:rPr lang="en-US" altLang="ja-JP" sz="2400" dirty="0">
+                <a:solidFill>
+                  <a:srgbClr val="000000"/>
+                </a:solidFill>
+                <a:ea typeface="ＭＳ ゴシック" panose="020B0609070205080204" pitchFamily="49" charset="-128"/>
+              </a:rPr>
+              <a:t>    </a:t>
+            </a:r>
+            <a:r>
+              <a:rPr lang="en-US" altLang="ja-JP" sz="2400" dirty="0">
+                <a:solidFill>
+                  <a:srgbClr val="008000"/>
+                </a:solidFill>
+                <a:ea typeface="ＭＳ ゴシック" panose="020B0609070205080204" pitchFamily="49" charset="-128"/>
+              </a:rPr>
+              <a:t>//</a:t>
+            </a:r>
+            <a:r>
+              <a:rPr lang="ja-JP" altLang="en-US" sz="2400" dirty="0">
+                <a:solidFill>
+                  <a:srgbClr val="008000"/>
+                </a:solidFill>
+                <a:ea typeface="ＭＳ ゴシック" panose="020B0609070205080204" pitchFamily="49" charset="-128"/>
+              </a:rPr>
+              <a:t>乱数生成器を作成</a:t>
+            </a:r>
+            <a:br>
+              <a:rPr lang="en-US" altLang="ja-JP" sz="2400" dirty="0">
+                <a:solidFill>
+                  <a:srgbClr val="000000"/>
+                </a:solidFill>
+                <a:ea typeface="ＭＳ ゴシック" panose="020B0609070205080204" pitchFamily="49" charset="-128"/>
+              </a:rPr>
+            </a:br>
+            <a:r>
+              <a:rPr lang="en-US" altLang="ja-JP" sz="2400" dirty="0">
+                <a:solidFill>
+                  <a:srgbClr val="000000"/>
+                </a:solidFill>
+                <a:ea typeface="ＭＳ ゴシック" panose="020B0609070205080204" pitchFamily="49" charset="-128"/>
+              </a:rPr>
+              <a:t>    </a:t>
+            </a:r>
+            <a:r>
+              <a:rPr lang="en-US" altLang="ja-JP" sz="2400" dirty="0" err="1">
+                <a:solidFill>
+                  <a:srgbClr val="FF0000"/>
+                </a:solidFill>
+                <a:ea typeface="ＭＳ ゴシック" panose="020B0609070205080204" pitchFamily="49" charset="-128"/>
+              </a:rPr>
+              <a:t>random_device</a:t>
+            </a:r>
+            <a:r>
+              <a:rPr lang="en-US" altLang="ja-JP" sz="2400" dirty="0">
+                <a:solidFill>
+                  <a:srgbClr val="FF0000"/>
+                </a:solidFill>
+                <a:ea typeface="ＭＳ ゴシック" panose="020B0609070205080204" pitchFamily="49" charset="-128"/>
+              </a:rPr>
+              <a:t> </a:t>
+            </a:r>
+            <a:r>
+              <a:rPr lang="en-US" altLang="ja-JP" sz="2400" dirty="0" err="1">
+                <a:solidFill>
+                  <a:srgbClr val="000000"/>
+                </a:solidFill>
+                <a:ea typeface="ＭＳ ゴシック" panose="020B0609070205080204" pitchFamily="49" charset="-128"/>
+              </a:rPr>
+              <a:t>rand_dev</a:t>
+            </a:r>
+            <a:r>
+              <a:rPr lang="en-US" altLang="ja-JP" sz="2400" dirty="0">
+                <a:solidFill>
+                  <a:srgbClr val="000000"/>
+                </a:solidFill>
+                <a:ea typeface="ＭＳ ゴシック" panose="020B0609070205080204" pitchFamily="49" charset="-128"/>
+              </a:rPr>
+              <a:t>{};</a:t>
+            </a:r>
+            <a:br>
+              <a:rPr lang="en-US" altLang="ja-JP" sz="2400" dirty="0">
+                <a:solidFill>
+                  <a:srgbClr val="000000"/>
+                </a:solidFill>
+                <a:ea typeface="ＭＳ ゴシック" panose="020B0609070205080204" pitchFamily="49" charset="-128"/>
+              </a:rPr>
+            </a:br>
+            <a:r>
+              <a:rPr lang="ja-JP" altLang="en-US" sz="2400" dirty="0">
+                <a:solidFill>
+                  <a:srgbClr val="000000"/>
+                </a:solidFill>
+                <a:ea typeface="ＭＳ ゴシック" panose="020B0609070205080204" pitchFamily="49" charset="-128"/>
+              </a:rPr>
+              <a:t>    </a:t>
+            </a:r>
+            <a:r>
+              <a:rPr lang="en-US" altLang="ja-JP" sz="2400" dirty="0">
+                <a:solidFill>
+                  <a:srgbClr val="008000"/>
+                </a:solidFill>
+                <a:ea typeface="ＭＳ ゴシック" panose="020B0609070205080204" pitchFamily="49" charset="-128"/>
+              </a:rPr>
+              <a:t>//</a:t>
+            </a:r>
+            <a:r>
+              <a:rPr lang="ja-JP" altLang="en-US" sz="2400" dirty="0">
+                <a:solidFill>
+                  <a:srgbClr val="008000"/>
+                </a:solidFill>
+                <a:ea typeface="ＭＳ ゴシック" panose="020B0609070205080204" pitchFamily="49" charset="-128"/>
+              </a:rPr>
+              <a:t>アルゴリズムにメルセンヌツイスターを使う</a:t>
+            </a:r>
+            <a:br>
+              <a:rPr lang="en-US" altLang="ja-JP" sz="2400" dirty="0">
+                <a:solidFill>
+                  <a:srgbClr val="2B91AF"/>
+                </a:solidFill>
+                <a:ea typeface="ＭＳ ゴシック" panose="020B0609070205080204" pitchFamily="49" charset="-128"/>
+              </a:rPr>
+            </a:br>
+            <a:r>
+              <a:rPr lang="en-US" altLang="ja-JP" sz="2400" dirty="0">
+                <a:solidFill>
+                  <a:srgbClr val="2B91AF"/>
+                </a:solidFill>
+                <a:ea typeface="ＭＳ ゴシック" panose="020B0609070205080204" pitchFamily="49" charset="-128"/>
+              </a:rPr>
+              <a:t>    </a:t>
+            </a:r>
+            <a:r>
+              <a:rPr lang="en-US" altLang="ja-JP" sz="2400" dirty="0">
+                <a:solidFill>
+                  <a:srgbClr val="FF0000"/>
+                </a:solidFill>
+                <a:ea typeface="ＭＳ ゴシック" panose="020B0609070205080204" pitchFamily="49" charset="-128"/>
+              </a:rPr>
+              <a:t>mt19937</a:t>
+            </a:r>
+            <a:r>
+              <a:rPr lang="ja-JP" altLang="en-US" sz="2400" dirty="0">
+                <a:solidFill>
+                  <a:srgbClr val="000000"/>
+                </a:solidFill>
+                <a:ea typeface="ＭＳ ゴシック" panose="020B0609070205080204" pitchFamily="49" charset="-128"/>
+              </a:rPr>
+              <a:t> </a:t>
+            </a:r>
+            <a:r>
+              <a:rPr lang="en-US" altLang="ja-JP" sz="2400" dirty="0" err="1">
+                <a:solidFill>
+                  <a:srgbClr val="000000"/>
+                </a:solidFill>
+                <a:ea typeface="ＭＳ ゴシック" panose="020B0609070205080204" pitchFamily="49" charset="-128"/>
+              </a:rPr>
+              <a:t>rand_engine</a:t>
+            </a:r>
+            <a:r>
+              <a:rPr lang="en-US" altLang="ja-JP" sz="2400" dirty="0">
+                <a:solidFill>
+                  <a:srgbClr val="000000"/>
+                </a:solidFill>
+                <a:ea typeface="ＭＳ ゴシック" panose="020B0609070205080204" pitchFamily="49" charset="-128"/>
+              </a:rPr>
+              <a:t>(</a:t>
+            </a:r>
+            <a:r>
+              <a:rPr lang="en-US" altLang="ja-JP" sz="2400" dirty="0" err="1">
+                <a:solidFill>
+                  <a:srgbClr val="000000"/>
+                </a:solidFill>
+                <a:ea typeface="ＭＳ ゴシック" panose="020B0609070205080204" pitchFamily="49" charset="-128"/>
+              </a:rPr>
+              <a:t>rand_dev</a:t>
+            </a:r>
+            <a:r>
+              <a:rPr lang="en-US" altLang="ja-JP" sz="2400" dirty="0">
+                <a:ea typeface="ＭＳ ゴシック" panose="020B0609070205080204" pitchFamily="49" charset="-128"/>
+              </a:rPr>
+              <a:t>()</a:t>
+            </a:r>
+            <a:r>
+              <a:rPr lang="en-US" altLang="ja-JP" sz="2400" dirty="0">
+                <a:solidFill>
+                  <a:srgbClr val="000000"/>
+                </a:solidFill>
+                <a:ea typeface="ＭＳ ゴシック" panose="020B0609070205080204" pitchFamily="49" charset="-128"/>
+              </a:rPr>
+              <a:t>);</a:t>
+            </a:r>
+            <a:br>
+              <a:rPr lang="en-US" altLang="ja-JP" sz="2400" dirty="0">
+                <a:solidFill>
+                  <a:srgbClr val="000000"/>
+                </a:solidFill>
+                <a:ea typeface="ＭＳ ゴシック" panose="020B0609070205080204" pitchFamily="49" charset="-128"/>
+              </a:rPr>
+            </a:br>
+            <a:r>
+              <a:rPr lang="en-US" altLang="ja-JP" sz="2400" dirty="0">
+                <a:solidFill>
+                  <a:srgbClr val="000000"/>
+                </a:solidFill>
+                <a:ea typeface="ＭＳ ゴシック" panose="020B0609070205080204" pitchFamily="49" charset="-128"/>
+              </a:rPr>
+              <a:t>    </a:t>
+            </a:r>
+            <a:r>
+              <a:rPr lang="en-US" altLang="ja-JP" sz="2400" dirty="0">
+                <a:solidFill>
+                  <a:srgbClr val="008000"/>
+                </a:solidFill>
+                <a:ea typeface="ＭＳ ゴシック" panose="020B0609070205080204" pitchFamily="49" charset="-128"/>
+              </a:rPr>
+              <a:t>// 0</a:t>
+            </a:r>
+            <a:r>
+              <a:rPr lang="ja-JP" altLang="en-US" sz="2400" dirty="0">
+                <a:solidFill>
+                  <a:srgbClr val="008000"/>
+                </a:solidFill>
+                <a:ea typeface="ＭＳ ゴシック" panose="020B0609070205080204" pitchFamily="49" charset="-128"/>
+              </a:rPr>
+              <a:t>～</a:t>
+            </a:r>
+            <a:r>
+              <a:rPr lang="en-US" altLang="ja-JP" sz="2400" dirty="0">
+                <a:solidFill>
+                  <a:srgbClr val="008000"/>
+                </a:solidFill>
+                <a:ea typeface="ＭＳ ゴシック" panose="020B0609070205080204" pitchFamily="49" charset="-128"/>
+              </a:rPr>
+              <a:t>(map</a:t>
+            </a:r>
+            <a:r>
+              <a:rPr lang="ja-JP" altLang="en-US" sz="2400" dirty="0">
+                <a:solidFill>
+                  <a:srgbClr val="008000"/>
+                </a:solidFill>
+                <a:ea typeface="ＭＳ ゴシック" panose="020B0609070205080204" pitchFamily="49" charset="-128"/>
+              </a:rPr>
+              <a:t>の要素数</a:t>
+            </a:r>
+            <a:r>
+              <a:rPr lang="en-US" altLang="ja-JP" sz="2400" dirty="0">
+                <a:solidFill>
+                  <a:srgbClr val="008000"/>
+                </a:solidFill>
+                <a:ea typeface="ＭＳ ゴシック" panose="020B0609070205080204" pitchFamily="49" charset="-128"/>
+              </a:rPr>
+              <a:t>)-1 </a:t>
+            </a:r>
+            <a:r>
+              <a:rPr lang="ja-JP" altLang="en-US" sz="2400" dirty="0">
+                <a:solidFill>
+                  <a:srgbClr val="008000"/>
+                </a:solidFill>
+                <a:ea typeface="ＭＳ ゴシック" panose="020B0609070205080204" pitchFamily="49" charset="-128"/>
+              </a:rPr>
+              <a:t>を均等な確率で得る分布生成器</a:t>
+            </a:r>
+            <a:r>
+              <a:rPr lang="ja-JP" altLang="en-US" sz="2400" dirty="0">
+                <a:solidFill>
+                  <a:srgbClr val="000000"/>
+                </a:solidFill>
+                <a:ea typeface="ＭＳ ゴシック" panose="020B0609070205080204" pitchFamily="49" charset="-128"/>
+              </a:rPr>
+              <a:t> </a:t>
+            </a:r>
+            <a:br>
+              <a:rPr lang="en-US" altLang="ja-JP" sz="2400" dirty="0">
+                <a:solidFill>
+                  <a:srgbClr val="000000"/>
+                </a:solidFill>
+                <a:ea typeface="ＭＳ ゴシック" panose="020B0609070205080204" pitchFamily="49" charset="-128"/>
+              </a:rPr>
+            </a:br>
+            <a:r>
+              <a:rPr lang="en-US" altLang="ja-JP" sz="2400" dirty="0">
+                <a:solidFill>
+                  <a:srgbClr val="000000"/>
+                </a:solidFill>
+                <a:ea typeface="ＭＳ ゴシック" panose="020B0609070205080204" pitchFamily="49" charset="-128"/>
+              </a:rPr>
+              <a:t>    </a:t>
+            </a:r>
+            <a:r>
+              <a:rPr lang="en-US" altLang="ja-JP" sz="2400" dirty="0" err="1">
+                <a:solidFill>
+                  <a:srgbClr val="FF0000"/>
+                </a:solidFill>
+                <a:ea typeface="ＭＳ ゴシック" panose="020B0609070205080204" pitchFamily="49" charset="-128"/>
+              </a:rPr>
+              <a:t>uniform_int_distribution</a:t>
+            </a:r>
+            <a:r>
+              <a:rPr lang="en-US" altLang="ja-JP" sz="2400" dirty="0">
+                <a:solidFill>
+                  <a:srgbClr val="000000"/>
+                </a:solidFill>
+                <a:ea typeface="ＭＳ ゴシック" panose="020B0609070205080204" pitchFamily="49" charset="-128"/>
+              </a:rPr>
+              <a:t>&lt;</a:t>
+            </a:r>
+            <a:r>
+              <a:rPr lang="en-US" altLang="ja-JP" sz="2400" dirty="0">
+                <a:solidFill>
+                  <a:srgbClr val="0000FF"/>
+                </a:solidFill>
+                <a:ea typeface="ＭＳ ゴシック" panose="020B0609070205080204" pitchFamily="49" charset="-128"/>
+              </a:rPr>
+              <a:t>int</a:t>
+            </a:r>
+            <a:r>
+              <a:rPr lang="en-US" altLang="ja-JP" sz="2400" dirty="0">
+                <a:solidFill>
+                  <a:srgbClr val="000000"/>
+                </a:solidFill>
+                <a:ea typeface="ＭＳ ゴシック" panose="020B0609070205080204" pitchFamily="49" charset="-128"/>
+              </a:rPr>
+              <a:t>&gt; </a:t>
+            </a:r>
+            <a:br>
+              <a:rPr lang="en-US" altLang="ja-JP" sz="2400" dirty="0">
+                <a:solidFill>
+                  <a:srgbClr val="000000"/>
+                </a:solidFill>
+                <a:ea typeface="ＭＳ ゴシック" panose="020B0609070205080204" pitchFamily="49" charset="-128"/>
+              </a:rPr>
+            </a:br>
+            <a:r>
+              <a:rPr lang="en-US" altLang="ja-JP" sz="2400" dirty="0">
+                <a:solidFill>
+                  <a:srgbClr val="000000"/>
+                </a:solidFill>
+                <a:ea typeface="ＭＳ ゴシック" panose="020B0609070205080204" pitchFamily="49" charset="-128"/>
+              </a:rPr>
+              <a:t>                               </a:t>
+            </a:r>
+            <a:r>
+              <a:rPr lang="en-US" altLang="ja-JP" sz="2400" dirty="0" err="1">
+                <a:solidFill>
+                  <a:srgbClr val="000000"/>
+                </a:solidFill>
+                <a:ea typeface="ＭＳ ゴシック" panose="020B0609070205080204" pitchFamily="49" charset="-128"/>
+              </a:rPr>
+              <a:t>dist</a:t>
+            </a:r>
+            <a:r>
+              <a:rPr lang="en-US" altLang="ja-JP" sz="2400" dirty="0">
+                <a:solidFill>
+                  <a:srgbClr val="000000"/>
+                </a:solidFill>
+                <a:ea typeface="ＭＳ ゴシック" panose="020B0609070205080204" pitchFamily="49" charset="-128"/>
+              </a:rPr>
+              <a:t>(0, </a:t>
+            </a:r>
+            <a:r>
+              <a:rPr lang="en-US" altLang="ja-JP" sz="2400" dirty="0" err="1">
+                <a:solidFill>
+                  <a:srgbClr val="000000"/>
+                </a:solidFill>
+                <a:ea typeface="ＭＳ ゴシック" panose="020B0609070205080204" pitchFamily="49" charset="-128"/>
+              </a:rPr>
+              <a:t>dic.size</a:t>
+            </a:r>
+            <a:r>
+              <a:rPr lang="en-US" altLang="ja-JP" sz="2400" dirty="0">
+                <a:solidFill>
+                  <a:srgbClr val="000000"/>
+                </a:solidFill>
+                <a:ea typeface="ＭＳ ゴシック" panose="020B0609070205080204" pitchFamily="49" charset="-128"/>
+              </a:rPr>
+              <a:t>() – 1);</a:t>
+            </a:r>
+            <a:br>
+              <a:rPr lang="en-US" altLang="ja-JP" sz="2400" dirty="0">
+                <a:solidFill>
+                  <a:srgbClr val="000000"/>
+                </a:solidFill>
+                <a:ea typeface="ＭＳ ゴシック" panose="020B0609070205080204" pitchFamily="49" charset="-128"/>
+              </a:rPr>
+            </a:br>
+            <a:br>
+              <a:rPr lang="en-US" altLang="ja-JP" sz="2400" dirty="0">
+                <a:solidFill>
+                  <a:srgbClr val="00B050"/>
+                </a:solidFill>
+                <a:ea typeface="ＭＳ ゴシック" panose="020B0609070205080204" pitchFamily="49" charset="-128"/>
+              </a:rPr>
+            </a:br>
+            <a:r>
+              <a:rPr lang="en-US" altLang="ja-JP" sz="2400" dirty="0">
+                <a:solidFill>
+                  <a:srgbClr val="00B050"/>
+                </a:solidFill>
+                <a:ea typeface="ＭＳ ゴシック" panose="020B0609070205080204" pitchFamily="49" charset="-128"/>
+              </a:rPr>
+              <a:t>    </a:t>
+            </a:r>
+            <a:r>
+              <a:rPr lang="en-US" altLang="ja-JP" sz="2400" dirty="0">
+                <a:solidFill>
+                  <a:srgbClr val="000000"/>
+                </a:solidFill>
+                <a:ea typeface="ＭＳ ゴシック" panose="020B0609070205080204" pitchFamily="49" charset="-128"/>
+              </a:rPr>
+              <a:t>return 0;</a:t>
+            </a:r>
+            <a:br>
+              <a:rPr lang="en-US" altLang="ja-JP" sz="2400" dirty="0">
+                <a:solidFill>
+                  <a:srgbClr val="000000"/>
+                </a:solidFill>
+                <a:ea typeface="ＭＳ ゴシック" panose="020B0609070205080204" pitchFamily="49" charset="-128"/>
+              </a:rPr>
+            </a:br>
+            <a:r>
+              <a:rPr lang="en-US" altLang="ja-JP" sz="2400" dirty="0">
+                <a:solidFill>
+                  <a:srgbClr val="000000"/>
+                </a:solidFill>
+                <a:ea typeface="ＭＳ ゴシック" panose="020B0609070205080204" pitchFamily="49" charset="-128"/>
+              </a:rPr>
+              <a:t>}</a:t>
+            </a:r>
+          </a:p>
+        </p:txBody>
+      </p:sp>
+      <p:sp>
+        <p:nvSpPr>
+          <p:cNvPr id="4" name="テキスト ボックス 3">
+            <a:extLst>
+              <a:ext uri="{FF2B5EF4-FFF2-40B4-BE49-F238E27FC236}">
+                <a16:creationId xmlns:a16="http://schemas.microsoft.com/office/drawing/2014/main" id="{36167C58-0781-4BAB-BAA5-8E3EEFBCFF26}"/>
+              </a:ext>
+            </a:extLst>
+          </p:cNvPr>
+          <p:cNvSpPr txBox="1"/>
+          <p:nvPr/>
+        </p:nvSpPr>
+        <p:spPr>
+          <a:xfrm>
+            <a:off x="7104919" y="639756"/>
+            <a:ext cx="4195379" cy="523220"/>
+          </a:xfrm>
+          <a:prstGeom prst="rect">
+            <a:avLst/>
+          </a:prstGeom>
+          <a:noFill/>
+        </p:spPr>
+        <p:txBody>
+          <a:bodyPr wrap="none" rtlCol="0">
+            <a:spAutoFit/>
+          </a:bodyPr>
+          <a:lstStyle/>
+          <a:p>
+            <a:r>
+              <a:rPr kumimoji="1" lang="en-US" altLang="ja-JP" sz="2800" dirty="0"/>
+              <a:t>PracMap2(main.cpp)</a:t>
+            </a:r>
+            <a:endParaRPr kumimoji="1" lang="ja-JP" altLang="en-US" sz="2800" dirty="0"/>
+          </a:p>
+        </p:txBody>
+      </p:sp>
+    </p:spTree>
+    <p:extLst>
+      <p:ext uri="{BB962C8B-B14F-4D97-AF65-F5344CB8AC3E}">
+        <p14:creationId xmlns:p14="http://schemas.microsoft.com/office/powerpoint/2010/main" val="1189442664"/>
+      </p:ext>
+    </p:extLst>
+  </p:cSld>
+  <p:clrMapOvr>
+    <a:masterClrMapping/>
+  </p:clrMapOvr>
+</p:sld>
+</file>
+
+<file path=ppt/slides/slide19.xml><?xml version="1.0" encoding="utf-8"?>
+<p:sld xmlns:a="http://schemas.openxmlformats.org/drawingml/2006/main" xmlns:r="http://schemas.openxmlformats.org/officeDocument/2006/relationships" xmlns:p="http://schemas.openxmlformats.org/presentationml/2006/main">
+  <p:cSld>
+    <p:spTree>
+      <p:nvGrpSpPr>
+        <p:cNvPr id="1" name=""/>
+        <p:cNvGrpSpPr/>
+        <p:nvPr/>
+      </p:nvGrpSpPr>
+      <p:grpSpPr>
+        <a:xfrm>
+          <a:off x="0" y="0"/>
+          <a:ext cx="0" cy="0"/>
+          <a:chOff x="0" y="0"/>
+          <a:chExt cx="0" cy="0"/>
+        </a:xfrm>
+      </p:grpSpPr>
+      <p:sp>
+        <p:nvSpPr>
+          <p:cNvPr id="2" name="タイトル 1">
+            <a:extLst>
+              <a:ext uri="{FF2B5EF4-FFF2-40B4-BE49-F238E27FC236}">
+                <a16:creationId xmlns:a16="http://schemas.microsoft.com/office/drawing/2014/main" id="{9F789731-37C4-49DD-AEE8-78E5514E279E}"/>
+              </a:ext>
+            </a:extLst>
+          </p:cNvPr>
+          <p:cNvSpPr>
+            <a:spLocks noGrp="1"/>
+          </p:cNvSpPr>
+          <p:nvPr>
+            <p:ph type="title"/>
+          </p:nvPr>
+        </p:nvSpPr>
+        <p:spPr/>
+        <p:txBody>
+          <a:bodyPr/>
+          <a:lstStyle/>
+          <a:p>
+            <a:r>
+              <a:rPr kumimoji="1" lang="ja-JP" altLang="en-US" dirty="0"/>
+              <a:t>演習：</a:t>
+            </a:r>
+            <a:r>
+              <a:rPr lang="en-US" altLang="ja-JP" dirty="0"/>
+              <a:t>map</a:t>
+            </a:r>
+            <a:endParaRPr kumimoji="1" lang="ja-JP" altLang="en-US" dirty="0"/>
+          </a:p>
+        </p:txBody>
+      </p:sp>
+      <p:sp>
+        <p:nvSpPr>
+          <p:cNvPr id="3" name="コンテンツ プレースホルダー 2">
+            <a:extLst>
+              <a:ext uri="{FF2B5EF4-FFF2-40B4-BE49-F238E27FC236}">
+                <a16:creationId xmlns:a16="http://schemas.microsoft.com/office/drawing/2014/main" id="{39562F0E-6033-40BD-BCB8-F015661306FD}"/>
+              </a:ext>
+            </a:extLst>
+          </p:cNvPr>
+          <p:cNvSpPr>
+            <a:spLocks noGrp="1"/>
+          </p:cNvSpPr>
+          <p:nvPr>
+            <p:ph idx="1"/>
+          </p:nvPr>
+        </p:nvSpPr>
+        <p:spPr>
+          <a:xfrm>
+            <a:off x="838199" y="1376038"/>
+            <a:ext cx="11136549" cy="4980311"/>
+          </a:xfrm>
+        </p:spPr>
+        <p:txBody>
+          <a:bodyPr>
+            <a:normAutofit/>
+          </a:bodyPr>
+          <a:lstStyle/>
+          <a:p>
+            <a:r>
+              <a:rPr lang="ja-JP" altLang="en-US" b="1" u="sng" dirty="0"/>
+              <a:t>課題④</a:t>
+            </a:r>
+            <a:br>
+              <a:rPr lang="en-US" altLang="ja-JP" dirty="0"/>
+            </a:br>
+            <a:br>
+              <a:rPr lang="en-US" altLang="ja-JP" dirty="0"/>
+            </a:br>
+            <a:r>
+              <a:rPr lang="ja-JP" altLang="en-US" dirty="0"/>
+              <a:t>乱数生成処理によって、</a:t>
+            </a:r>
+            <a:r>
+              <a:rPr lang="en-US" altLang="ja-JP" dirty="0"/>
+              <a:t>0</a:t>
+            </a:r>
+            <a:r>
+              <a:rPr lang="ja-JP" altLang="en-US" dirty="0"/>
+              <a:t>～</a:t>
+            </a:r>
+            <a:r>
+              <a:rPr lang="en-US" altLang="ja-JP" dirty="0"/>
+              <a:t>4</a:t>
+            </a:r>
+            <a:r>
+              <a:rPr lang="ja-JP" altLang="en-US" dirty="0"/>
+              <a:t>までの乱数を取得し、</a:t>
+            </a:r>
+            <a:r>
+              <a:rPr lang="en-US" altLang="ja-JP" dirty="0" err="1">
+                <a:solidFill>
+                  <a:srgbClr val="00B0F0"/>
+                </a:solidFill>
+              </a:rPr>
+              <a:t>dic</a:t>
+            </a:r>
+            <a:r>
+              <a:rPr lang="ja-JP" altLang="en-US" dirty="0"/>
+              <a:t>の先頭イテレータから乱数ぶんだけ進めた</a:t>
+            </a:r>
+            <a:br>
+              <a:rPr lang="en-US" altLang="ja-JP" dirty="0"/>
+            </a:br>
+            <a:r>
+              <a:rPr lang="ja-JP" altLang="en-US" dirty="0"/>
+              <a:t>キーの値を表示しなさい</a:t>
+            </a:r>
+            <a:br>
+              <a:rPr lang="en-US" altLang="ja-JP" dirty="0"/>
+            </a:br>
+            <a:r>
+              <a:rPr lang="ja-JP" altLang="en-US" dirty="0"/>
+              <a:t>ただし、このとき</a:t>
+            </a:r>
+            <a:r>
+              <a:rPr lang="en-US" altLang="ja-JP" dirty="0">
+                <a:solidFill>
+                  <a:srgbClr val="FF0000"/>
+                </a:solidFill>
+              </a:rPr>
+              <a:t>next</a:t>
+            </a:r>
+            <a:r>
+              <a:rPr lang="ja-JP" altLang="en-US" dirty="0"/>
+              <a:t>関数を使うものとする</a:t>
+            </a:r>
+            <a:br>
+              <a:rPr lang="en-US" altLang="ja-JP" dirty="0"/>
+            </a:br>
+            <a:br>
+              <a:rPr lang="en-US" altLang="ja-JP" dirty="0"/>
+            </a:br>
+            <a:r>
+              <a:rPr lang="en-US" altLang="ja-JP" dirty="0"/>
+              <a:t>std::</a:t>
+            </a:r>
+            <a:r>
+              <a:rPr lang="en-US" altLang="ja-JP" dirty="0">
+                <a:solidFill>
+                  <a:srgbClr val="FF0000"/>
+                </a:solidFill>
+              </a:rPr>
+              <a:t>next</a:t>
+            </a:r>
+            <a:r>
+              <a:rPr lang="en-US" altLang="ja-JP" dirty="0"/>
+              <a:t>(</a:t>
+            </a:r>
+            <a:r>
+              <a:rPr lang="ja-JP" altLang="en-US" dirty="0"/>
+              <a:t>イテレータ</a:t>
+            </a:r>
+            <a:r>
+              <a:rPr lang="en-US" altLang="ja-JP" dirty="0"/>
+              <a:t>,</a:t>
+            </a:r>
+            <a:r>
+              <a:rPr lang="ja-JP" altLang="en-US" dirty="0"/>
+              <a:t>　イテレータを進める量</a:t>
+            </a:r>
+            <a:r>
+              <a:rPr lang="en-US" altLang="ja-JP" dirty="0"/>
+              <a:t>)</a:t>
+            </a:r>
+            <a:br>
+              <a:rPr lang="en-US" altLang="ja-JP" dirty="0"/>
+            </a:br>
+            <a:r>
+              <a:rPr lang="ja-JP" altLang="en-US" dirty="0"/>
+              <a:t>例）</a:t>
+            </a:r>
+            <a:r>
+              <a:rPr lang="en-US" altLang="ja-JP" sz="3200" dirty="0">
+                <a:solidFill>
+                  <a:srgbClr val="0066FF"/>
+                </a:solidFill>
+              </a:rPr>
+              <a:t>auto</a:t>
+            </a:r>
+            <a:r>
+              <a:rPr lang="en-US" altLang="ja-JP" sz="3200" dirty="0"/>
+              <a:t> it = </a:t>
+            </a:r>
+            <a:r>
+              <a:rPr lang="en-US" altLang="ja-JP" sz="3200" dirty="0" err="1"/>
+              <a:t>dic.begin</a:t>
+            </a:r>
+            <a:r>
+              <a:rPr lang="en-US" altLang="ja-JP" sz="3200" dirty="0"/>
+              <a:t>();</a:t>
+            </a:r>
+            <a:r>
+              <a:rPr lang="en-US" altLang="ja-JP" sz="3200" dirty="0">
+                <a:solidFill>
+                  <a:srgbClr val="00B050"/>
+                </a:solidFill>
+              </a:rPr>
+              <a:t>//</a:t>
+            </a:r>
+            <a:r>
+              <a:rPr lang="ja-JP" altLang="en-US" sz="3200" dirty="0">
+                <a:solidFill>
+                  <a:srgbClr val="00B050"/>
+                </a:solidFill>
+              </a:rPr>
+              <a:t>先頭イテレータ取得</a:t>
+            </a:r>
+            <a:br>
+              <a:rPr lang="en-US" altLang="ja-JP" sz="3200" dirty="0"/>
+            </a:br>
+            <a:r>
+              <a:rPr lang="en-US" altLang="ja-JP" sz="3200" dirty="0"/>
+              <a:t>   it = </a:t>
+            </a:r>
+            <a:r>
+              <a:rPr lang="en-US" altLang="ja-JP" sz="3200" dirty="0">
+                <a:solidFill>
+                  <a:srgbClr val="FF0000"/>
+                </a:solidFill>
+              </a:rPr>
+              <a:t>next</a:t>
+            </a:r>
+            <a:r>
+              <a:rPr lang="en-US" altLang="ja-JP" sz="3200" dirty="0"/>
+              <a:t>(it, 3);</a:t>
+            </a:r>
+            <a:r>
+              <a:rPr lang="ja-JP" altLang="en-US" sz="3200" dirty="0"/>
+              <a:t>　　　　</a:t>
+            </a:r>
+            <a:r>
+              <a:rPr lang="en-US" altLang="ja-JP" sz="3200" dirty="0">
+                <a:solidFill>
+                  <a:srgbClr val="00B050"/>
+                </a:solidFill>
+              </a:rPr>
+              <a:t>//+3</a:t>
+            </a:r>
+            <a:r>
+              <a:rPr lang="ja-JP" altLang="en-US" sz="3200" dirty="0">
+                <a:solidFill>
+                  <a:srgbClr val="00B050"/>
+                </a:solidFill>
+              </a:rPr>
+              <a:t>してイテレータ更新</a:t>
+            </a:r>
+            <a:endParaRPr lang="en-US" altLang="ja-JP" dirty="0">
+              <a:solidFill>
+                <a:srgbClr val="00B050"/>
+              </a:solidFill>
+            </a:endParaRPr>
+          </a:p>
+        </p:txBody>
+      </p:sp>
+    </p:spTree>
+    <p:extLst>
+      <p:ext uri="{BB962C8B-B14F-4D97-AF65-F5344CB8AC3E}">
+        <p14:creationId xmlns:p14="http://schemas.microsoft.com/office/powerpoint/2010/main" val="3214504905"/>
+      </p:ext>
+    </p:extLst>
+  </p:cSld>
+  <p:clrMapOvr>
+    <a:masterClrMapping/>
+  </p:clrMapOvr>
+</p:sld>
+</file>
+
 <file path=ppt/slides/slide2.xml><?xml version="1.0" encoding="utf-8"?>
 <p:sld xmlns:a="http://schemas.openxmlformats.org/drawingml/2006/main" xmlns:r="http://schemas.openxmlformats.org/officeDocument/2006/relationships" xmlns:p="http://schemas.openxmlformats.org/presentationml/2006/main">
   <p:cSld>
@@ -5020,6 +10131,137 @@
     <p:extLst>
       <p:ext uri="{BB962C8B-B14F-4D97-AF65-F5344CB8AC3E}">
         <p14:creationId xmlns:p14="http://schemas.microsoft.com/office/powerpoint/2010/main" val="2367350881"/>
+      </p:ext>
+    </p:extLst>
+  </p:cSld>
+  <p:clrMapOvr>
+    <a:masterClrMapping/>
+  </p:clrMapOvr>
+</p:sld>
+</file>
+
+<file path=ppt/slides/slide20.xml><?xml version="1.0" encoding="utf-8"?>
+<p:sld xmlns:a="http://schemas.openxmlformats.org/drawingml/2006/main" xmlns:r="http://schemas.openxmlformats.org/officeDocument/2006/relationships" xmlns:p="http://schemas.openxmlformats.org/presentationml/2006/main">
+  <p:cSld>
+    <p:spTree>
+      <p:nvGrpSpPr>
+        <p:cNvPr id="1" name=""/>
+        <p:cNvGrpSpPr/>
+        <p:nvPr/>
+      </p:nvGrpSpPr>
+      <p:grpSpPr>
+        <a:xfrm>
+          <a:off x="0" y="0"/>
+          <a:ext cx="0" cy="0"/>
+          <a:chOff x="0" y="0"/>
+          <a:chExt cx="0" cy="0"/>
+        </a:xfrm>
+      </p:grpSpPr>
+      <p:sp>
+        <p:nvSpPr>
+          <p:cNvPr id="2" name="タイトル 1">
+            <a:extLst>
+              <a:ext uri="{FF2B5EF4-FFF2-40B4-BE49-F238E27FC236}">
+                <a16:creationId xmlns:a16="http://schemas.microsoft.com/office/drawing/2014/main" id="{9F789731-37C4-49DD-AEE8-78E5514E279E}"/>
+              </a:ext>
+            </a:extLst>
+          </p:cNvPr>
+          <p:cNvSpPr>
+            <a:spLocks noGrp="1"/>
+          </p:cNvSpPr>
+          <p:nvPr>
+            <p:ph type="title"/>
+          </p:nvPr>
+        </p:nvSpPr>
+        <p:spPr/>
+        <p:txBody>
+          <a:bodyPr/>
+          <a:lstStyle/>
+          <a:p>
+            <a:r>
+              <a:rPr kumimoji="1" lang="ja-JP" altLang="en-US" dirty="0"/>
+              <a:t>演習：</a:t>
+            </a:r>
+            <a:r>
+              <a:rPr lang="en-US" altLang="ja-JP" dirty="0"/>
+              <a:t>map</a:t>
+            </a:r>
+            <a:endParaRPr kumimoji="1" lang="ja-JP" altLang="en-US" dirty="0"/>
+          </a:p>
+        </p:txBody>
+      </p:sp>
+      <p:sp>
+        <p:nvSpPr>
+          <p:cNvPr id="3" name="コンテンツ プレースホルダー 2">
+            <a:extLst>
+              <a:ext uri="{FF2B5EF4-FFF2-40B4-BE49-F238E27FC236}">
+                <a16:creationId xmlns:a16="http://schemas.microsoft.com/office/drawing/2014/main" id="{39562F0E-6033-40BD-BCB8-F015661306FD}"/>
+              </a:ext>
+            </a:extLst>
+          </p:cNvPr>
+          <p:cNvSpPr>
+            <a:spLocks noGrp="1"/>
+          </p:cNvSpPr>
+          <p:nvPr>
+            <p:ph idx="1"/>
+          </p:nvPr>
+        </p:nvSpPr>
+        <p:spPr>
+          <a:xfrm>
+            <a:off x="838199" y="1376038"/>
+            <a:ext cx="11136549" cy="4980311"/>
+          </a:xfrm>
+        </p:spPr>
+        <p:txBody>
+          <a:bodyPr>
+            <a:normAutofit/>
+          </a:bodyPr>
+          <a:lstStyle/>
+          <a:p>
+            <a:r>
+              <a:rPr lang="ja-JP" altLang="en-US" b="1" u="sng" dirty="0"/>
+              <a:t>課題⑤</a:t>
+            </a:r>
+            <a:br>
+              <a:rPr lang="en-US" altLang="ja-JP" dirty="0"/>
+            </a:br>
+            <a:br>
+              <a:rPr lang="en-US" altLang="ja-JP" dirty="0"/>
+            </a:br>
+            <a:r>
+              <a:rPr lang="ja-JP" altLang="en-US" dirty="0"/>
+              <a:t>乱数により、</a:t>
+            </a:r>
+            <a:r>
+              <a:rPr lang="en-US" altLang="ja-JP" dirty="0" err="1"/>
+              <a:t>dic</a:t>
+            </a:r>
+            <a:r>
+              <a:rPr lang="ja-JP" altLang="en-US" dirty="0"/>
+              <a:t>からひとつのキーを表示し、それに</a:t>
+            </a:r>
+            <a:br>
+              <a:rPr lang="en-US" altLang="ja-JP" dirty="0"/>
+            </a:br>
+            <a:r>
+              <a:rPr lang="ja-JP" altLang="en-US" dirty="0"/>
+              <a:t>対応する英単語をキーボードから入力させる</a:t>
+            </a:r>
+            <a:br>
+              <a:rPr lang="en-US" altLang="ja-JP"/>
+            </a:br>
+            <a:endParaRPr lang="en-US" altLang="ja-JP" dirty="0">
+              <a:solidFill>
+                <a:srgbClr val="00B050"/>
+              </a:solidFill>
+            </a:endParaRPr>
+          </a:p>
+        </p:txBody>
+      </p:sp>
+    </p:spTree>
+    <p:extLst>
+      <p:ext uri="{BB962C8B-B14F-4D97-AF65-F5344CB8AC3E}">
+        <p14:creationId xmlns:p14="http://schemas.microsoft.com/office/powerpoint/2010/main" val="1304478522"/>
       </p:ext>
     </p:extLst>
   </p:cSld>

--- a/授業資料/演習課題：map.pptx
+++ b/授業資料/演習課題：map.pptx
@@ -24,7 +24,9 @@
     <p:sldId id="429" r:id="rId18"/>
     <p:sldId id="430" r:id="rId19"/>
     <p:sldId id="431" r:id="rId20"/>
-    <p:sldId id="432" r:id="rId21"/>
+    <p:sldId id="433" r:id="rId21"/>
+    <p:sldId id="432" r:id="rId22"/>
+    <p:sldId id="434" r:id="rId23"/>
   </p:sldIdLst>
   <p:sldSz cx="12192000" cy="6858000"/>
   <p:notesSz cx="6858000" cy="9144000"/>
@@ -8431,6 +8433,9 @@
           </a:bodyPr>
           <a:lstStyle/>
           <a:p>
+            <a:pPr marL="0" indent="0">
+              <a:buNone/>
+            </a:pPr>
             <a:r>
               <a:rPr lang="en-US" altLang="ja-JP" sz="2400" dirty="0">
                 <a:solidFill>
@@ -10183,6 +10188,777 @@
               <a:t>演習：</a:t>
             </a:r>
             <a:r>
+              <a:rPr kumimoji="1" lang="en-US" altLang="ja-JP" dirty="0"/>
+              <a:t>map</a:t>
+            </a:r>
+            <a:endParaRPr kumimoji="1" lang="ja-JP" altLang="en-US" dirty="0"/>
+          </a:p>
+        </p:txBody>
+      </p:sp>
+      <p:sp>
+        <p:nvSpPr>
+          <p:cNvPr id="3" name="コンテンツ プレースホルダー 2">
+            <a:extLst>
+              <a:ext uri="{FF2B5EF4-FFF2-40B4-BE49-F238E27FC236}">
+                <a16:creationId xmlns:a16="http://schemas.microsoft.com/office/drawing/2014/main" id="{39562F0E-6033-40BD-BCB8-F015661306FD}"/>
+              </a:ext>
+            </a:extLst>
+          </p:cNvPr>
+          <p:cNvSpPr>
+            <a:spLocks noGrp="1"/>
+          </p:cNvSpPr>
+          <p:nvPr>
+            <p:ph idx="1"/>
+          </p:nvPr>
+        </p:nvSpPr>
+        <p:spPr>
+          <a:xfrm>
+            <a:off x="731195" y="1162976"/>
+            <a:ext cx="10893357" cy="5626930"/>
+          </a:xfrm>
+          <a:solidFill>
+            <a:schemeClr val="bg1"/>
+          </a:solidFill>
+          <a:ln>
+            <a:solidFill>
+              <a:schemeClr val="tx1"/>
+            </a:solidFill>
+          </a:ln>
+        </p:spPr>
+        <p:txBody>
+          <a:bodyPr>
+            <a:noAutofit/>
+          </a:bodyPr>
+          <a:lstStyle/>
+          <a:p>
+            <a:pPr marL="0" indent="0">
+              <a:buNone/>
+            </a:pPr>
+            <a:br>
+              <a:rPr lang="en-US" altLang="ja-JP" sz="2400" dirty="0">
+                <a:solidFill>
+                  <a:srgbClr val="000000"/>
+                </a:solidFill>
+                <a:ea typeface="ＭＳ ゴシック" panose="020B0609070205080204" pitchFamily="49" charset="-128"/>
+              </a:rPr>
+            </a:br>
+            <a:br>
+              <a:rPr lang="en-US" altLang="ja-JP" sz="2400" dirty="0">
+                <a:solidFill>
+                  <a:srgbClr val="000000"/>
+                </a:solidFill>
+                <a:ea typeface="ＭＳ ゴシック" panose="020B0609070205080204" pitchFamily="49" charset="-128"/>
+              </a:rPr>
+            </a:br>
+            <a:r>
+              <a:rPr lang="en-US" altLang="ja-JP" sz="2400" dirty="0">
+                <a:solidFill>
+                  <a:srgbClr val="000000"/>
+                </a:solidFill>
+                <a:ea typeface="ＭＳ ゴシック" panose="020B0609070205080204" pitchFamily="49" charset="-128"/>
+              </a:rPr>
+              <a:t>    </a:t>
+            </a:r>
+            <a:r>
+              <a:rPr lang="en-US" altLang="ja-JP" sz="2400" dirty="0">
+                <a:solidFill>
+                  <a:srgbClr val="008000"/>
+                </a:solidFill>
+                <a:ea typeface="ＭＳ ゴシック" panose="020B0609070205080204" pitchFamily="49" charset="-128"/>
+              </a:rPr>
+              <a:t>//</a:t>
+            </a:r>
+            <a:r>
+              <a:rPr lang="ja-JP" altLang="en-US" sz="2400" dirty="0">
+                <a:solidFill>
+                  <a:srgbClr val="008000"/>
+                </a:solidFill>
+                <a:ea typeface="ＭＳ ゴシック" panose="020B0609070205080204" pitchFamily="49" charset="-128"/>
+              </a:rPr>
+              <a:t>乱数生成器を作成</a:t>
+            </a:r>
+            <a:br>
+              <a:rPr lang="en-US" altLang="ja-JP" sz="2400" dirty="0">
+                <a:solidFill>
+                  <a:srgbClr val="000000"/>
+                </a:solidFill>
+                <a:ea typeface="ＭＳ ゴシック" panose="020B0609070205080204" pitchFamily="49" charset="-128"/>
+              </a:rPr>
+            </a:br>
+            <a:r>
+              <a:rPr lang="en-US" altLang="ja-JP" sz="2400" dirty="0">
+                <a:solidFill>
+                  <a:srgbClr val="000000"/>
+                </a:solidFill>
+                <a:ea typeface="ＭＳ ゴシック" panose="020B0609070205080204" pitchFamily="49" charset="-128"/>
+              </a:rPr>
+              <a:t>    </a:t>
+            </a:r>
+            <a:r>
+              <a:rPr lang="en-US" altLang="ja-JP" sz="2400" dirty="0" err="1">
+                <a:solidFill>
+                  <a:srgbClr val="FF0000"/>
+                </a:solidFill>
+                <a:ea typeface="ＭＳ ゴシック" panose="020B0609070205080204" pitchFamily="49" charset="-128"/>
+              </a:rPr>
+              <a:t>random_device</a:t>
+            </a:r>
+            <a:r>
+              <a:rPr lang="en-US" altLang="ja-JP" sz="2400" dirty="0">
+                <a:solidFill>
+                  <a:srgbClr val="FF0000"/>
+                </a:solidFill>
+                <a:ea typeface="ＭＳ ゴシック" panose="020B0609070205080204" pitchFamily="49" charset="-128"/>
+              </a:rPr>
+              <a:t> </a:t>
+            </a:r>
+            <a:r>
+              <a:rPr lang="en-US" altLang="ja-JP" sz="2400" dirty="0" err="1">
+                <a:solidFill>
+                  <a:srgbClr val="000000"/>
+                </a:solidFill>
+                <a:ea typeface="ＭＳ ゴシック" panose="020B0609070205080204" pitchFamily="49" charset="-128"/>
+              </a:rPr>
+              <a:t>rand_dev</a:t>
+            </a:r>
+            <a:r>
+              <a:rPr lang="en-US" altLang="ja-JP" sz="2400" dirty="0">
+                <a:solidFill>
+                  <a:srgbClr val="000000"/>
+                </a:solidFill>
+                <a:ea typeface="ＭＳ ゴシック" panose="020B0609070205080204" pitchFamily="49" charset="-128"/>
+              </a:rPr>
+              <a:t>{};</a:t>
+            </a:r>
+            <a:br>
+              <a:rPr lang="en-US" altLang="ja-JP" sz="2400" dirty="0">
+                <a:solidFill>
+                  <a:srgbClr val="000000"/>
+                </a:solidFill>
+                <a:ea typeface="ＭＳ ゴシック" panose="020B0609070205080204" pitchFamily="49" charset="-128"/>
+              </a:rPr>
+            </a:br>
+            <a:r>
+              <a:rPr lang="ja-JP" altLang="en-US" sz="2400" dirty="0">
+                <a:solidFill>
+                  <a:srgbClr val="000000"/>
+                </a:solidFill>
+                <a:ea typeface="ＭＳ ゴシック" panose="020B0609070205080204" pitchFamily="49" charset="-128"/>
+              </a:rPr>
+              <a:t>    </a:t>
+            </a:r>
+            <a:r>
+              <a:rPr lang="en-US" altLang="ja-JP" sz="2400" dirty="0">
+                <a:solidFill>
+                  <a:srgbClr val="008000"/>
+                </a:solidFill>
+                <a:ea typeface="ＭＳ ゴシック" panose="020B0609070205080204" pitchFamily="49" charset="-128"/>
+              </a:rPr>
+              <a:t>//</a:t>
+            </a:r>
+            <a:r>
+              <a:rPr lang="ja-JP" altLang="en-US" sz="2400" dirty="0">
+                <a:solidFill>
+                  <a:srgbClr val="008000"/>
+                </a:solidFill>
+                <a:ea typeface="ＭＳ ゴシック" panose="020B0609070205080204" pitchFamily="49" charset="-128"/>
+              </a:rPr>
+              <a:t>アルゴリズムにメルセンヌツイスターを使う</a:t>
+            </a:r>
+            <a:br>
+              <a:rPr lang="en-US" altLang="ja-JP" sz="2400" dirty="0">
+                <a:solidFill>
+                  <a:srgbClr val="2B91AF"/>
+                </a:solidFill>
+                <a:ea typeface="ＭＳ ゴシック" panose="020B0609070205080204" pitchFamily="49" charset="-128"/>
+              </a:rPr>
+            </a:br>
+            <a:r>
+              <a:rPr lang="en-US" altLang="ja-JP" sz="2400" dirty="0">
+                <a:solidFill>
+                  <a:srgbClr val="2B91AF"/>
+                </a:solidFill>
+                <a:ea typeface="ＭＳ ゴシック" panose="020B0609070205080204" pitchFamily="49" charset="-128"/>
+              </a:rPr>
+              <a:t>    </a:t>
+            </a:r>
+            <a:r>
+              <a:rPr lang="en-US" altLang="ja-JP" sz="2400" dirty="0">
+                <a:solidFill>
+                  <a:srgbClr val="FF0000"/>
+                </a:solidFill>
+                <a:ea typeface="ＭＳ ゴシック" panose="020B0609070205080204" pitchFamily="49" charset="-128"/>
+              </a:rPr>
+              <a:t>mt19937</a:t>
+            </a:r>
+            <a:r>
+              <a:rPr lang="ja-JP" altLang="en-US" sz="2400" dirty="0">
+                <a:solidFill>
+                  <a:srgbClr val="000000"/>
+                </a:solidFill>
+                <a:ea typeface="ＭＳ ゴシック" panose="020B0609070205080204" pitchFamily="49" charset="-128"/>
+              </a:rPr>
+              <a:t> </a:t>
+            </a:r>
+            <a:r>
+              <a:rPr lang="en-US" altLang="ja-JP" sz="2400" dirty="0" err="1">
+                <a:solidFill>
+                  <a:srgbClr val="000000"/>
+                </a:solidFill>
+                <a:ea typeface="ＭＳ ゴシック" panose="020B0609070205080204" pitchFamily="49" charset="-128"/>
+              </a:rPr>
+              <a:t>rand_engine</a:t>
+            </a:r>
+            <a:r>
+              <a:rPr lang="en-US" altLang="ja-JP" sz="2400" dirty="0">
+                <a:solidFill>
+                  <a:srgbClr val="000000"/>
+                </a:solidFill>
+                <a:ea typeface="ＭＳ ゴシック" panose="020B0609070205080204" pitchFamily="49" charset="-128"/>
+              </a:rPr>
+              <a:t>(</a:t>
+            </a:r>
+            <a:r>
+              <a:rPr lang="en-US" altLang="ja-JP" sz="2400" dirty="0" err="1">
+                <a:solidFill>
+                  <a:srgbClr val="000000"/>
+                </a:solidFill>
+                <a:ea typeface="ＭＳ ゴシック" panose="020B0609070205080204" pitchFamily="49" charset="-128"/>
+              </a:rPr>
+              <a:t>rand_dev</a:t>
+            </a:r>
+            <a:r>
+              <a:rPr lang="en-US" altLang="ja-JP" sz="2400" dirty="0">
+                <a:ea typeface="ＭＳ ゴシック" panose="020B0609070205080204" pitchFamily="49" charset="-128"/>
+              </a:rPr>
+              <a:t>()</a:t>
+            </a:r>
+            <a:r>
+              <a:rPr lang="en-US" altLang="ja-JP" sz="2400" dirty="0">
+                <a:solidFill>
+                  <a:srgbClr val="000000"/>
+                </a:solidFill>
+                <a:ea typeface="ＭＳ ゴシック" panose="020B0609070205080204" pitchFamily="49" charset="-128"/>
+              </a:rPr>
+              <a:t>);</a:t>
+            </a:r>
+            <a:br>
+              <a:rPr lang="en-US" altLang="ja-JP" sz="2400" dirty="0">
+                <a:solidFill>
+                  <a:srgbClr val="000000"/>
+                </a:solidFill>
+                <a:ea typeface="ＭＳ ゴシック" panose="020B0609070205080204" pitchFamily="49" charset="-128"/>
+              </a:rPr>
+            </a:br>
+            <a:r>
+              <a:rPr lang="en-US" altLang="ja-JP" sz="2400" dirty="0">
+                <a:solidFill>
+                  <a:srgbClr val="000000"/>
+                </a:solidFill>
+                <a:ea typeface="ＭＳ ゴシック" panose="020B0609070205080204" pitchFamily="49" charset="-128"/>
+              </a:rPr>
+              <a:t>    </a:t>
+            </a:r>
+            <a:r>
+              <a:rPr lang="en-US" altLang="ja-JP" sz="2400" dirty="0">
+                <a:solidFill>
+                  <a:srgbClr val="008000"/>
+                </a:solidFill>
+                <a:ea typeface="ＭＳ ゴシック" panose="020B0609070205080204" pitchFamily="49" charset="-128"/>
+              </a:rPr>
+              <a:t>// 0</a:t>
+            </a:r>
+            <a:r>
+              <a:rPr lang="ja-JP" altLang="en-US" sz="2400" dirty="0">
+                <a:solidFill>
+                  <a:srgbClr val="008000"/>
+                </a:solidFill>
+                <a:ea typeface="ＭＳ ゴシック" panose="020B0609070205080204" pitchFamily="49" charset="-128"/>
+              </a:rPr>
+              <a:t>～</a:t>
+            </a:r>
+            <a:r>
+              <a:rPr lang="en-US" altLang="ja-JP" sz="2400" dirty="0">
+                <a:solidFill>
+                  <a:srgbClr val="008000"/>
+                </a:solidFill>
+                <a:ea typeface="ＭＳ ゴシック" panose="020B0609070205080204" pitchFamily="49" charset="-128"/>
+              </a:rPr>
+              <a:t>(map</a:t>
+            </a:r>
+            <a:r>
+              <a:rPr lang="ja-JP" altLang="en-US" sz="2400" dirty="0">
+                <a:solidFill>
+                  <a:srgbClr val="008000"/>
+                </a:solidFill>
+                <a:ea typeface="ＭＳ ゴシック" panose="020B0609070205080204" pitchFamily="49" charset="-128"/>
+              </a:rPr>
+              <a:t>の要素数</a:t>
+            </a:r>
+            <a:r>
+              <a:rPr lang="en-US" altLang="ja-JP" sz="2400" dirty="0">
+                <a:solidFill>
+                  <a:srgbClr val="008000"/>
+                </a:solidFill>
+                <a:ea typeface="ＭＳ ゴシック" panose="020B0609070205080204" pitchFamily="49" charset="-128"/>
+              </a:rPr>
+              <a:t>)-1 </a:t>
+            </a:r>
+            <a:r>
+              <a:rPr lang="ja-JP" altLang="en-US" sz="2400" dirty="0">
+                <a:solidFill>
+                  <a:srgbClr val="008000"/>
+                </a:solidFill>
+                <a:ea typeface="ＭＳ ゴシック" panose="020B0609070205080204" pitchFamily="49" charset="-128"/>
+              </a:rPr>
+              <a:t>を均等な確率で得る分布生成器</a:t>
+            </a:r>
+            <a:r>
+              <a:rPr lang="ja-JP" altLang="en-US" sz="2400" dirty="0">
+                <a:solidFill>
+                  <a:srgbClr val="000000"/>
+                </a:solidFill>
+                <a:ea typeface="ＭＳ ゴシック" panose="020B0609070205080204" pitchFamily="49" charset="-128"/>
+              </a:rPr>
+              <a:t> </a:t>
+            </a:r>
+            <a:br>
+              <a:rPr lang="en-US" altLang="ja-JP" sz="2400" dirty="0">
+                <a:solidFill>
+                  <a:srgbClr val="000000"/>
+                </a:solidFill>
+                <a:ea typeface="ＭＳ ゴシック" panose="020B0609070205080204" pitchFamily="49" charset="-128"/>
+              </a:rPr>
+            </a:br>
+            <a:r>
+              <a:rPr lang="en-US" altLang="ja-JP" sz="2400" dirty="0">
+                <a:solidFill>
+                  <a:srgbClr val="000000"/>
+                </a:solidFill>
+                <a:ea typeface="ＭＳ ゴシック" panose="020B0609070205080204" pitchFamily="49" charset="-128"/>
+              </a:rPr>
+              <a:t>    </a:t>
+            </a:r>
+            <a:r>
+              <a:rPr lang="en-US" altLang="ja-JP" sz="2400" dirty="0" err="1">
+                <a:solidFill>
+                  <a:srgbClr val="FF0000"/>
+                </a:solidFill>
+                <a:ea typeface="ＭＳ ゴシック" panose="020B0609070205080204" pitchFamily="49" charset="-128"/>
+              </a:rPr>
+              <a:t>uniform_int_distribution</a:t>
+            </a:r>
+            <a:r>
+              <a:rPr lang="en-US" altLang="ja-JP" sz="2400" dirty="0">
+                <a:solidFill>
+                  <a:srgbClr val="000000"/>
+                </a:solidFill>
+                <a:ea typeface="ＭＳ ゴシック" panose="020B0609070205080204" pitchFamily="49" charset="-128"/>
+              </a:rPr>
+              <a:t>&lt;</a:t>
+            </a:r>
+            <a:r>
+              <a:rPr lang="en-US" altLang="ja-JP" sz="2400" dirty="0">
+                <a:solidFill>
+                  <a:srgbClr val="0000FF"/>
+                </a:solidFill>
+                <a:ea typeface="ＭＳ ゴシック" panose="020B0609070205080204" pitchFamily="49" charset="-128"/>
+              </a:rPr>
+              <a:t>int</a:t>
+            </a:r>
+            <a:r>
+              <a:rPr lang="en-US" altLang="ja-JP" sz="2400" dirty="0">
+                <a:solidFill>
+                  <a:srgbClr val="000000"/>
+                </a:solidFill>
+                <a:ea typeface="ＭＳ ゴシック" panose="020B0609070205080204" pitchFamily="49" charset="-128"/>
+              </a:rPr>
+              <a:t>&gt; </a:t>
+            </a:r>
+            <a:br>
+              <a:rPr lang="en-US" altLang="ja-JP" sz="2400" dirty="0">
+                <a:solidFill>
+                  <a:srgbClr val="000000"/>
+                </a:solidFill>
+                <a:ea typeface="ＭＳ ゴシック" panose="020B0609070205080204" pitchFamily="49" charset="-128"/>
+              </a:rPr>
+            </a:br>
+            <a:r>
+              <a:rPr lang="en-US" altLang="ja-JP" sz="2400" dirty="0">
+                <a:solidFill>
+                  <a:srgbClr val="000000"/>
+                </a:solidFill>
+                <a:ea typeface="ＭＳ ゴシック" panose="020B0609070205080204" pitchFamily="49" charset="-128"/>
+              </a:rPr>
+              <a:t>                               </a:t>
+            </a:r>
+            <a:r>
+              <a:rPr lang="en-US" altLang="ja-JP" sz="2400" dirty="0" err="1">
+                <a:solidFill>
+                  <a:srgbClr val="000000"/>
+                </a:solidFill>
+                <a:ea typeface="ＭＳ ゴシック" panose="020B0609070205080204" pitchFamily="49" charset="-128"/>
+              </a:rPr>
+              <a:t>dist</a:t>
+            </a:r>
+            <a:r>
+              <a:rPr lang="en-US" altLang="ja-JP" sz="2400" dirty="0">
+                <a:solidFill>
+                  <a:srgbClr val="000000"/>
+                </a:solidFill>
+                <a:ea typeface="ＭＳ ゴシック" panose="020B0609070205080204" pitchFamily="49" charset="-128"/>
+              </a:rPr>
+              <a:t>(0, </a:t>
+            </a:r>
+            <a:r>
+              <a:rPr lang="en-US" altLang="ja-JP" sz="2400" dirty="0" err="1">
+                <a:solidFill>
+                  <a:srgbClr val="000000"/>
+                </a:solidFill>
+                <a:ea typeface="ＭＳ ゴシック" panose="020B0609070205080204" pitchFamily="49" charset="-128"/>
+              </a:rPr>
+              <a:t>dic.size</a:t>
+            </a:r>
+            <a:r>
+              <a:rPr lang="en-US" altLang="ja-JP" sz="2400" dirty="0">
+                <a:solidFill>
+                  <a:srgbClr val="000000"/>
+                </a:solidFill>
+                <a:ea typeface="ＭＳ ゴシック" panose="020B0609070205080204" pitchFamily="49" charset="-128"/>
+              </a:rPr>
+              <a:t>() – 1);</a:t>
+            </a:r>
+            <a:br>
+              <a:rPr lang="en-US" altLang="ja-JP" sz="2400" dirty="0">
+                <a:solidFill>
+                  <a:srgbClr val="000000"/>
+                </a:solidFill>
+                <a:ea typeface="ＭＳ ゴシック" panose="020B0609070205080204" pitchFamily="49" charset="-128"/>
+              </a:rPr>
+            </a:br>
+            <a:br>
+              <a:rPr lang="en-US" altLang="ja-JP" sz="2400" dirty="0">
+                <a:solidFill>
+                  <a:srgbClr val="000000"/>
+                </a:solidFill>
+                <a:ea typeface="ＭＳ ゴシック" panose="020B0609070205080204" pitchFamily="49" charset="-128"/>
+              </a:rPr>
+            </a:br>
+            <a:r>
+              <a:rPr lang="en-US" altLang="ja-JP" sz="2400" dirty="0">
+                <a:solidFill>
+                  <a:srgbClr val="000000"/>
+                </a:solidFill>
+                <a:ea typeface="ＭＳ ゴシック" panose="020B0609070205080204" pitchFamily="49" charset="-128"/>
+              </a:rPr>
+              <a:t>    </a:t>
+            </a:r>
+            <a:r>
+              <a:rPr lang="en-US" altLang="ja-JP" sz="2400" dirty="0">
+                <a:solidFill>
+                  <a:srgbClr val="0066FF"/>
+                </a:solidFill>
+                <a:ea typeface="ＭＳ ゴシック" panose="020B0609070205080204" pitchFamily="49" charset="-128"/>
+              </a:rPr>
+              <a:t>auto</a:t>
+            </a:r>
+            <a:r>
+              <a:rPr lang="en-US" altLang="ja-JP" sz="2400" dirty="0">
+                <a:solidFill>
+                  <a:srgbClr val="000000"/>
+                </a:solidFill>
+                <a:ea typeface="ＭＳ ゴシック" panose="020B0609070205080204" pitchFamily="49" charset="-128"/>
+              </a:rPr>
+              <a:t> it = </a:t>
+            </a:r>
+            <a:r>
+              <a:rPr lang="en-US" altLang="ja-JP" sz="2400" dirty="0" err="1">
+                <a:solidFill>
+                  <a:srgbClr val="000000"/>
+                </a:solidFill>
+                <a:ea typeface="ＭＳ ゴシック" panose="020B0609070205080204" pitchFamily="49" charset="-128"/>
+              </a:rPr>
+              <a:t>dic.begin</a:t>
+            </a:r>
+            <a:r>
+              <a:rPr lang="en-US" altLang="ja-JP" sz="2400" dirty="0">
+                <a:solidFill>
+                  <a:srgbClr val="000000"/>
+                </a:solidFill>
+                <a:ea typeface="ＭＳ ゴシック" panose="020B0609070205080204" pitchFamily="49" charset="-128"/>
+              </a:rPr>
+              <a:t>();</a:t>
+            </a:r>
+            <a:br>
+              <a:rPr lang="en-US" altLang="ja-JP" sz="2400" dirty="0">
+                <a:solidFill>
+                  <a:srgbClr val="000000"/>
+                </a:solidFill>
+                <a:ea typeface="ＭＳ ゴシック" panose="020B0609070205080204" pitchFamily="49" charset="-128"/>
+              </a:rPr>
+            </a:br>
+            <a:r>
+              <a:rPr lang="en-US" altLang="ja-JP" sz="2400" dirty="0">
+                <a:solidFill>
+                  <a:srgbClr val="000000"/>
+                </a:solidFill>
+                <a:ea typeface="ＭＳ ゴシック" panose="020B0609070205080204" pitchFamily="49" charset="-128"/>
+              </a:rPr>
+              <a:t>    it = </a:t>
+            </a:r>
+            <a:r>
+              <a:rPr lang="en-US" altLang="ja-JP" sz="2400" dirty="0">
+                <a:solidFill>
+                  <a:srgbClr val="FF0000"/>
+                </a:solidFill>
+                <a:ea typeface="ＭＳ ゴシック" panose="020B0609070205080204" pitchFamily="49" charset="-128"/>
+              </a:rPr>
+              <a:t>next</a:t>
+            </a:r>
+            <a:r>
+              <a:rPr lang="en-US" altLang="ja-JP" sz="2400" dirty="0">
+                <a:solidFill>
+                  <a:srgbClr val="000000"/>
+                </a:solidFill>
+                <a:ea typeface="ＭＳ ゴシック" panose="020B0609070205080204" pitchFamily="49" charset="-128"/>
+              </a:rPr>
+              <a:t>(it, </a:t>
+            </a:r>
+            <a:r>
+              <a:rPr lang="en-US" altLang="ja-JP" sz="2400" dirty="0" err="1">
+                <a:solidFill>
+                  <a:srgbClr val="000000"/>
+                </a:solidFill>
+                <a:ea typeface="ＭＳ ゴシック" panose="020B0609070205080204" pitchFamily="49" charset="-128"/>
+              </a:rPr>
+              <a:t>dist</a:t>
+            </a:r>
+            <a:r>
+              <a:rPr lang="en-US" altLang="ja-JP" sz="2400" dirty="0">
+                <a:solidFill>
+                  <a:srgbClr val="000000"/>
+                </a:solidFill>
+                <a:ea typeface="ＭＳ ゴシック" panose="020B0609070205080204" pitchFamily="49" charset="-128"/>
+              </a:rPr>
+              <a:t>(</a:t>
+            </a:r>
+            <a:r>
+              <a:rPr lang="en-US" altLang="ja-JP" sz="2400" dirty="0" err="1">
+                <a:solidFill>
+                  <a:srgbClr val="000000"/>
+                </a:solidFill>
+                <a:ea typeface="ＭＳ ゴシック" panose="020B0609070205080204" pitchFamily="49" charset="-128"/>
+              </a:rPr>
+              <a:t>rand_engine</a:t>
+            </a:r>
+            <a:r>
+              <a:rPr lang="en-US" altLang="ja-JP" sz="2400" dirty="0">
+                <a:solidFill>
+                  <a:srgbClr val="000000"/>
+                </a:solidFill>
+                <a:ea typeface="ＭＳ ゴシック" panose="020B0609070205080204" pitchFamily="49" charset="-128"/>
+              </a:rPr>
+              <a:t>));</a:t>
+            </a:r>
+            <a:br>
+              <a:rPr lang="en-US" altLang="ja-JP" sz="2400" dirty="0">
+                <a:solidFill>
+                  <a:srgbClr val="000000"/>
+                </a:solidFill>
+                <a:ea typeface="ＭＳ ゴシック" panose="020B0609070205080204" pitchFamily="49" charset="-128"/>
+              </a:rPr>
+            </a:br>
+            <a:r>
+              <a:rPr lang="en-US" altLang="ja-JP" sz="2400" dirty="0">
+                <a:solidFill>
+                  <a:srgbClr val="000000"/>
+                </a:solidFill>
+                <a:ea typeface="ＭＳ ゴシック" panose="020B0609070205080204" pitchFamily="49" charset="-128"/>
+              </a:rPr>
+              <a:t>    </a:t>
+            </a:r>
+            <a:r>
+              <a:rPr lang="en-US" altLang="ja-JP" sz="2400" dirty="0" err="1">
+                <a:solidFill>
+                  <a:srgbClr val="000000"/>
+                </a:solidFill>
+                <a:ea typeface="ＭＳ ゴシック" panose="020B0609070205080204" pitchFamily="49" charset="-128"/>
+              </a:rPr>
+              <a:t>cout</a:t>
+            </a:r>
+            <a:r>
+              <a:rPr lang="en-US" altLang="ja-JP" sz="2400" dirty="0">
+                <a:solidFill>
+                  <a:srgbClr val="000000"/>
+                </a:solidFill>
+                <a:ea typeface="ＭＳ ゴシック" panose="020B0609070205080204" pitchFamily="49" charset="-128"/>
+              </a:rPr>
+              <a:t> &lt;&lt; it-&gt;first &lt;&lt; </a:t>
+            </a:r>
+            <a:r>
+              <a:rPr lang="en-US" altLang="ja-JP" sz="2400" dirty="0" err="1">
+                <a:solidFill>
+                  <a:srgbClr val="000000"/>
+                </a:solidFill>
+                <a:ea typeface="ＭＳ ゴシック" panose="020B0609070205080204" pitchFamily="49" charset="-128"/>
+              </a:rPr>
+              <a:t>endl</a:t>
+            </a:r>
+            <a:r>
+              <a:rPr lang="en-US" altLang="ja-JP" sz="2400" dirty="0">
+                <a:solidFill>
+                  <a:srgbClr val="000000"/>
+                </a:solidFill>
+                <a:ea typeface="ＭＳ ゴシック" panose="020B0609070205080204" pitchFamily="49" charset="-128"/>
+              </a:rPr>
+              <a:t>;</a:t>
+            </a:r>
+            <a:br>
+              <a:rPr lang="en-US" altLang="ja-JP" sz="2400" dirty="0">
+                <a:solidFill>
+                  <a:srgbClr val="000000"/>
+                </a:solidFill>
+                <a:ea typeface="ＭＳ ゴシック" panose="020B0609070205080204" pitchFamily="49" charset="-128"/>
+              </a:rPr>
+            </a:br>
+            <a:br>
+              <a:rPr lang="en-US" altLang="ja-JP" sz="2400" dirty="0">
+                <a:solidFill>
+                  <a:srgbClr val="00B050"/>
+                </a:solidFill>
+                <a:ea typeface="ＭＳ ゴシック" panose="020B0609070205080204" pitchFamily="49" charset="-128"/>
+              </a:rPr>
+            </a:br>
+            <a:r>
+              <a:rPr lang="en-US" altLang="ja-JP" sz="2400" dirty="0">
+                <a:solidFill>
+                  <a:srgbClr val="00B050"/>
+                </a:solidFill>
+                <a:ea typeface="ＭＳ ゴシック" panose="020B0609070205080204" pitchFamily="49" charset="-128"/>
+              </a:rPr>
+              <a:t>    </a:t>
+            </a:r>
+            <a:r>
+              <a:rPr lang="en-US" altLang="ja-JP" sz="2400" dirty="0">
+                <a:solidFill>
+                  <a:srgbClr val="000000"/>
+                </a:solidFill>
+                <a:ea typeface="ＭＳ ゴシック" panose="020B0609070205080204" pitchFamily="49" charset="-128"/>
+              </a:rPr>
+              <a:t>return 0;</a:t>
+            </a:r>
+            <a:br>
+              <a:rPr lang="en-US" altLang="ja-JP" sz="2400" dirty="0">
+                <a:solidFill>
+                  <a:srgbClr val="000000"/>
+                </a:solidFill>
+                <a:ea typeface="ＭＳ ゴシック" panose="020B0609070205080204" pitchFamily="49" charset="-128"/>
+              </a:rPr>
+            </a:br>
+            <a:r>
+              <a:rPr lang="en-US" altLang="ja-JP" sz="2400" dirty="0">
+                <a:solidFill>
+                  <a:srgbClr val="000000"/>
+                </a:solidFill>
+                <a:ea typeface="ＭＳ ゴシック" panose="020B0609070205080204" pitchFamily="49" charset="-128"/>
+              </a:rPr>
+              <a:t>}</a:t>
+            </a:r>
+          </a:p>
+        </p:txBody>
+      </p:sp>
+      <p:sp>
+        <p:nvSpPr>
+          <p:cNvPr id="4" name="テキスト ボックス 3">
+            <a:extLst>
+              <a:ext uri="{FF2B5EF4-FFF2-40B4-BE49-F238E27FC236}">
+                <a16:creationId xmlns:a16="http://schemas.microsoft.com/office/drawing/2014/main" id="{36167C58-0781-4BAB-BAA5-8E3EEFBCFF26}"/>
+              </a:ext>
+            </a:extLst>
+          </p:cNvPr>
+          <p:cNvSpPr txBox="1"/>
+          <p:nvPr/>
+        </p:nvSpPr>
+        <p:spPr>
+          <a:xfrm>
+            <a:off x="7104919" y="639756"/>
+            <a:ext cx="4195379" cy="523220"/>
+          </a:xfrm>
+          <a:prstGeom prst="rect">
+            <a:avLst/>
+          </a:prstGeom>
+          <a:noFill/>
+        </p:spPr>
+        <p:txBody>
+          <a:bodyPr wrap="none" rtlCol="0">
+            <a:spAutoFit/>
+          </a:bodyPr>
+          <a:lstStyle/>
+          <a:p>
+            <a:r>
+              <a:rPr kumimoji="1" lang="en-US" altLang="ja-JP" sz="2800" dirty="0"/>
+              <a:t>PracMap2(main.cpp)</a:t>
+            </a:r>
+            <a:endParaRPr kumimoji="1" lang="ja-JP" altLang="en-US" sz="2800" dirty="0"/>
+          </a:p>
+        </p:txBody>
+      </p:sp>
+    </p:spTree>
+    <p:extLst>
+      <p:ext uri="{BB962C8B-B14F-4D97-AF65-F5344CB8AC3E}">
+        <p14:creationId xmlns:p14="http://schemas.microsoft.com/office/powerpoint/2010/main" val="3403730244"/>
+      </p:ext>
+    </p:extLst>
+  </p:cSld>
+  <p:clrMapOvr>
+    <a:masterClrMapping/>
+  </p:clrMapOvr>
+</p:sld>
+</file>
+
+<file path=ppt/slides/slide21.xml><?xml version="1.0" encoding="utf-8"?>
+<p:sld xmlns:a="http://schemas.openxmlformats.org/drawingml/2006/main" xmlns:r="http://schemas.openxmlformats.org/officeDocument/2006/relationships" xmlns:p="http://schemas.openxmlformats.org/presentationml/2006/main">
+  <p:cSld>
+    <p:spTree>
+      <p:nvGrpSpPr>
+        <p:cNvPr id="1" name=""/>
+        <p:cNvGrpSpPr/>
+        <p:nvPr/>
+      </p:nvGrpSpPr>
+      <p:grpSpPr>
+        <a:xfrm>
+          <a:off x="0" y="0"/>
+          <a:ext cx="0" cy="0"/>
+          <a:chOff x="0" y="0"/>
+          <a:chExt cx="0" cy="0"/>
+        </a:xfrm>
+      </p:grpSpPr>
+      <p:sp>
+        <p:nvSpPr>
+          <p:cNvPr id="2" name="タイトル 1">
+            <a:extLst>
+              <a:ext uri="{FF2B5EF4-FFF2-40B4-BE49-F238E27FC236}">
+                <a16:creationId xmlns:a16="http://schemas.microsoft.com/office/drawing/2014/main" id="{9F789731-37C4-49DD-AEE8-78E5514E279E}"/>
+              </a:ext>
+            </a:extLst>
+          </p:cNvPr>
+          <p:cNvSpPr>
+            <a:spLocks noGrp="1"/>
+          </p:cNvSpPr>
+          <p:nvPr>
+            <p:ph type="title"/>
+          </p:nvPr>
+        </p:nvSpPr>
+        <p:spPr/>
+        <p:txBody>
+          <a:bodyPr/>
+          <a:lstStyle/>
+          <a:p>
+            <a:r>
+              <a:rPr kumimoji="1" lang="ja-JP" altLang="en-US" dirty="0"/>
+              <a:t>演習：</a:t>
+            </a:r>
+            <a:r>
               <a:rPr lang="en-US" altLang="ja-JP" dirty="0"/>
               <a:t>map</a:t>
             </a:r>
@@ -10248,7 +11024,17 @@
               <a:t>対応する英単語をキーボードから入力させる</a:t>
             </a:r>
             <a:br>
-              <a:rPr lang="en-US" altLang="ja-JP"/>
+              <a:rPr lang="en-US" altLang="ja-JP" dirty="0"/>
+            </a:br>
+            <a:br>
+              <a:rPr lang="en-US" altLang="ja-JP" dirty="0"/>
+            </a:br>
+            <a:r>
+              <a:rPr lang="ja-JP" altLang="en-US" dirty="0"/>
+              <a:t>キーボードから入力したものと、英単語が一致していれば「正解」、一致していなければ「不正解」と表示する</a:t>
+            </a:r>
+            <a:br>
+              <a:rPr lang="en-US" altLang="ja-JP" dirty="0"/>
             </a:br>
             <a:endParaRPr lang="en-US" altLang="ja-JP" dirty="0">
               <a:solidFill>
@@ -10262,6 +11048,586 @@
     <p:extLst>
       <p:ext uri="{BB962C8B-B14F-4D97-AF65-F5344CB8AC3E}">
         <p14:creationId xmlns:p14="http://schemas.microsoft.com/office/powerpoint/2010/main" val="1304478522"/>
+      </p:ext>
+    </p:extLst>
+  </p:cSld>
+  <p:clrMapOvr>
+    <a:masterClrMapping/>
+  </p:clrMapOvr>
+</p:sld>
+</file>
+
+<file path=ppt/slides/slide22.xml><?xml version="1.0" encoding="utf-8"?>
+<p:sld xmlns:a="http://schemas.openxmlformats.org/drawingml/2006/main" xmlns:r="http://schemas.openxmlformats.org/officeDocument/2006/relationships" xmlns:p="http://schemas.openxmlformats.org/presentationml/2006/main">
+  <p:cSld>
+    <p:spTree>
+      <p:nvGrpSpPr>
+        <p:cNvPr id="1" name=""/>
+        <p:cNvGrpSpPr/>
+        <p:nvPr/>
+      </p:nvGrpSpPr>
+      <p:grpSpPr>
+        <a:xfrm>
+          <a:off x="0" y="0"/>
+          <a:ext cx="0" cy="0"/>
+          <a:chOff x="0" y="0"/>
+          <a:chExt cx="0" cy="0"/>
+        </a:xfrm>
+      </p:grpSpPr>
+      <p:sp>
+        <p:nvSpPr>
+          <p:cNvPr id="2" name="タイトル 1">
+            <a:extLst>
+              <a:ext uri="{FF2B5EF4-FFF2-40B4-BE49-F238E27FC236}">
+                <a16:creationId xmlns:a16="http://schemas.microsoft.com/office/drawing/2014/main" id="{9F789731-37C4-49DD-AEE8-78E5514E279E}"/>
+              </a:ext>
+            </a:extLst>
+          </p:cNvPr>
+          <p:cNvSpPr>
+            <a:spLocks noGrp="1"/>
+          </p:cNvSpPr>
+          <p:nvPr>
+            <p:ph type="title"/>
+          </p:nvPr>
+        </p:nvSpPr>
+        <p:spPr/>
+        <p:txBody>
+          <a:bodyPr/>
+          <a:lstStyle/>
+          <a:p>
+            <a:r>
+              <a:rPr kumimoji="1" lang="ja-JP" altLang="en-US" dirty="0"/>
+              <a:t>演習：</a:t>
+            </a:r>
+            <a:r>
+              <a:rPr kumimoji="1" lang="en-US" altLang="ja-JP" dirty="0"/>
+              <a:t>map</a:t>
+            </a:r>
+            <a:endParaRPr kumimoji="1" lang="ja-JP" altLang="en-US" dirty="0"/>
+          </a:p>
+        </p:txBody>
+      </p:sp>
+      <p:sp>
+        <p:nvSpPr>
+          <p:cNvPr id="3" name="コンテンツ プレースホルダー 2">
+            <a:extLst>
+              <a:ext uri="{FF2B5EF4-FFF2-40B4-BE49-F238E27FC236}">
+                <a16:creationId xmlns:a16="http://schemas.microsoft.com/office/drawing/2014/main" id="{39562F0E-6033-40BD-BCB8-F015661306FD}"/>
+              </a:ext>
+            </a:extLst>
+          </p:cNvPr>
+          <p:cNvSpPr>
+            <a:spLocks noGrp="1"/>
+          </p:cNvSpPr>
+          <p:nvPr>
+            <p:ph idx="1"/>
+          </p:nvPr>
+        </p:nvSpPr>
+        <p:spPr>
+          <a:xfrm>
+            <a:off x="731195" y="1162976"/>
+            <a:ext cx="10893357" cy="4547160"/>
+          </a:xfrm>
+          <a:solidFill>
+            <a:schemeClr val="bg1"/>
+          </a:solidFill>
+          <a:ln>
+            <a:solidFill>
+              <a:schemeClr val="tx1"/>
+            </a:solidFill>
+          </a:ln>
+        </p:spPr>
+        <p:txBody>
+          <a:bodyPr>
+            <a:noAutofit/>
+          </a:bodyPr>
+          <a:lstStyle/>
+          <a:p>
+            <a:pPr marL="0" indent="0">
+              <a:buNone/>
+            </a:pPr>
+            <a:r>
+              <a:rPr lang="en-US" altLang="ja-JP" sz="2400" dirty="0">
+                <a:solidFill>
+                  <a:srgbClr val="000000"/>
+                </a:solidFill>
+                <a:ea typeface="ＭＳ ゴシック" panose="020B0609070205080204" pitchFamily="49" charset="-128"/>
+              </a:rPr>
+              <a:t>    </a:t>
+            </a:r>
+            <a:r>
+              <a:rPr lang="en-US" altLang="ja-JP" sz="2400" dirty="0">
+                <a:solidFill>
+                  <a:srgbClr val="0066FF"/>
+                </a:solidFill>
+                <a:ea typeface="ＭＳ ゴシック" panose="020B0609070205080204" pitchFamily="49" charset="-128"/>
+              </a:rPr>
+              <a:t>auto</a:t>
+            </a:r>
+            <a:r>
+              <a:rPr lang="en-US" altLang="ja-JP" sz="2400" dirty="0">
+                <a:solidFill>
+                  <a:srgbClr val="000000"/>
+                </a:solidFill>
+                <a:ea typeface="ＭＳ ゴシック" panose="020B0609070205080204" pitchFamily="49" charset="-128"/>
+              </a:rPr>
+              <a:t> it = </a:t>
+            </a:r>
+            <a:r>
+              <a:rPr lang="en-US" altLang="ja-JP" sz="2400" dirty="0" err="1">
+                <a:solidFill>
+                  <a:srgbClr val="000000"/>
+                </a:solidFill>
+                <a:ea typeface="ＭＳ ゴシック" panose="020B0609070205080204" pitchFamily="49" charset="-128"/>
+              </a:rPr>
+              <a:t>dic.begin</a:t>
+            </a:r>
+            <a:r>
+              <a:rPr lang="en-US" altLang="ja-JP" sz="2400" dirty="0">
+                <a:solidFill>
+                  <a:srgbClr val="000000"/>
+                </a:solidFill>
+                <a:ea typeface="ＭＳ ゴシック" panose="020B0609070205080204" pitchFamily="49" charset="-128"/>
+              </a:rPr>
+              <a:t>();</a:t>
+            </a:r>
+            <a:br>
+              <a:rPr lang="en-US" altLang="ja-JP" sz="2400" dirty="0">
+                <a:solidFill>
+                  <a:srgbClr val="000000"/>
+                </a:solidFill>
+                <a:ea typeface="ＭＳ ゴシック" panose="020B0609070205080204" pitchFamily="49" charset="-128"/>
+              </a:rPr>
+            </a:br>
+            <a:r>
+              <a:rPr lang="en-US" altLang="ja-JP" sz="2400" dirty="0">
+                <a:solidFill>
+                  <a:srgbClr val="000000"/>
+                </a:solidFill>
+                <a:ea typeface="ＭＳ ゴシック" panose="020B0609070205080204" pitchFamily="49" charset="-128"/>
+              </a:rPr>
+              <a:t>    it = </a:t>
+            </a:r>
+            <a:r>
+              <a:rPr lang="en-US" altLang="ja-JP" sz="2400" dirty="0">
+                <a:solidFill>
+                  <a:srgbClr val="FF0000"/>
+                </a:solidFill>
+                <a:ea typeface="ＭＳ ゴシック" panose="020B0609070205080204" pitchFamily="49" charset="-128"/>
+              </a:rPr>
+              <a:t>next</a:t>
+            </a:r>
+            <a:r>
+              <a:rPr lang="en-US" altLang="ja-JP" sz="2400" dirty="0">
+                <a:solidFill>
+                  <a:srgbClr val="000000"/>
+                </a:solidFill>
+                <a:ea typeface="ＭＳ ゴシック" panose="020B0609070205080204" pitchFamily="49" charset="-128"/>
+              </a:rPr>
+              <a:t>(it, </a:t>
+            </a:r>
+            <a:r>
+              <a:rPr lang="en-US" altLang="ja-JP" sz="2400" dirty="0" err="1">
+                <a:solidFill>
+                  <a:srgbClr val="000000"/>
+                </a:solidFill>
+                <a:ea typeface="ＭＳ ゴシック" panose="020B0609070205080204" pitchFamily="49" charset="-128"/>
+              </a:rPr>
+              <a:t>dist</a:t>
+            </a:r>
+            <a:r>
+              <a:rPr lang="en-US" altLang="ja-JP" sz="2400" dirty="0">
+                <a:solidFill>
+                  <a:srgbClr val="000000"/>
+                </a:solidFill>
+                <a:ea typeface="ＭＳ ゴシック" panose="020B0609070205080204" pitchFamily="49" charset="-128"/>
+              </a:rPr>
+              <a:t>(</a:t>
+            </a:r>
+            <a:r>
+              <a:rPr lang="en-US" altLang="ja-JP" sz="2400" dirty="0" err="1">
+                <a:solidFill>
+                  <a:srgbClr val="000000"/>
+                </a:solidFill>
+                <a:ea typeface="ＭＳ ゴシック" panose="020B0609070205080204" pitchFamily="49" charset="-128"/>
+              </a:rPr>
+              <a:t>rand_engine</a:t>
+            </a:r>
+            <a:r>
+              <a:rPr lang="en-US" altLang="ja-JP" sz="2400" dirty="0">
+                <a:solidFill>
+                  <a:srgbClr val="000000"/>
+                </a:solidFill>
+                <a:ea typeface="ＭＳ ゴシック" panose="020B0609070205080204" pitchFamily="49" charset="-128"/>
+              </a:rPr>
+              <a:t>));</a:t>
+            </a:r>
+            <a:br>
+              <a:rPr lang="en-US" altLang="ja-JP" sz="2400" dirty="0">
+                <a:solidFill>
+                  <a:srgbClr val="000000"/>
+                </a:solidFill>
+                <a:ea typeface="ＭＳ ゴシック" panose="020B0609070205080204" pitchFamily="49" charset="-128"/>
+              </a:rPr>
+            </a:br>
+            <a:r>
+              <a:rPr lang="en-US" altLang="ja-JP" sz="2400" dirty="0">
+                <a:solidFill>
+                  <a:srgbClr val="000000"/>
+                </a:solidFill>
+                <a:ea typeface="ＭＳ ゴシック" panose="020B0609070205080204" pitchFamily="49" charset="-128"/>
+              </a:rPr>
+              <a:t>    </a:t>
+            </a:r>
+            <a:r>
+              <a:rPr lang="en-US" altLang="ja-JP" sz="2400" dirty="0" err="1">
+                <a:solidFill>
+                  <a:srgbClr val="000000"/>
+                </a:solidFill>
+                <a:ea typeface="ＭＳ ゴシック" panose="020B0609070205080204" pitchFamily="49" charset="-128"/>
+              </a:rPr>
+              <a:t>cout</a:t>
+            </a:r>
+            <a:r>
+              <a:rPr lang="en-US" altLang="ja-JP" sz="2400" dirty="0">
+                <a:solidFill>
+                  <a:srgbClr val="000000"/>
+                </a:solidFill>
+                <a:ea typeface="ＭＳ ゴシック" panose="020B0609070205080204" pitchFamily="49" charset="-128"/>
+              </a:rPr>
+              <a:t> &lt;&lt; it-&gt;first &lt;&lt; “</a:t>
+            </a:r>
+            <a:r>
+              <a:rPr lang="ja-JP" altLang="en-US" sz="2400" dirty="0">
+                <a:solidFill>
+                  <a:srgbClr val="000000"/>
+                </a:solidFill>
+                <a:ea typeface="ＭＳ ゴシック" panose="020B0609070205080204" pitchFamily="49" charset="-128"/>
+              </a:rPr>
+              <a:t>の英単語は？</a:t>
+            </a:r>
+            <a:r>
+              <a:rPr lang="en-US" altLang="ja-JP" sz="2400" dirty="0">
+                <a:solidFill>
+                  <a:srgbClr val="000000"/>
+                </a:solidFill>
+                <a:ea typeface="ＭＳ ゴシック" panose="020B0609070205080204" pitchFamily="49" charset="-128"/>
+              </a:rPr>
+              <a:t>”;</a:t>
+            </a:r>
+            <a:br>
+              <a:rPr lang="en-US" altLang="ja-JP" sz="2400" dirty="0">
+                <a:solidFill>
+                  <a:srgbClr val="000000"/>
+                </a:solidFill>
+                <a:ea typeface="ＭＳ ゴシック" panose="020B0609070205080204" pitchFamily="49" charset="-128"/>
+              </a:rPr>
+            </a:br>
+            <a:br>
+              <a:rPr lang="en-US" altLang="ja-JP" sz="2400" dirty="0">
+                <a:solidFill>
+                  <a:srgbClr val="000000"/>
+                </a:solidFill>
+                <a:ea typeface="ＭＳ ゴシック" panose="020B0609070205080204" pitchFamily="49" charset="-128"/>
+              </a:rPr>
+            </a:br>
+            <a:r>
+              <a:rPr lang="en-US" altLang="ja-JP" sz="2400" dirty="0">
+                <a:solidFill>
+                  <a:srgbClr val="000000"/>
+                </a:solidFill>
+                <a:ea typeface="ＭＳ ゴシック" panose="020B0609070205080204" pitchFamily="49" charset="-128"/>
+              </a:rPr>
+              <a:t>    </a:t>
+            </a:r>
+            <a:r>
+              <a:rPr lang="en-US" altLang="ja-JP" sz="2400" dirty="0">
+                <a:solidFill>
+                  <a:srgbClr val="009999"/>
+                </a:solidFill>
+                <a:ea typeface="ＭＳ ゴシック" panose="020B0609070205080204" pitchFamily="49" charset="-128"/>
+              </a:rPr>
+              <a:t>string</a:t>
+            </a:r>
+            <a:r>
+              <a:rPr lang="en-US" altLang="ja-JP" sz="2400" dirty="0">
+                <a:solidFill>
+                  <a:srgbClr val="000000"/>
+                </a:solidFill>
+                <a:ea typeface="ＭＳ ゴシック" panose="020B0609070205080204" pitchFamily="49" charset="-128"/>
+              </a:rPr>
+              <a:t> input</a:t>
+            </a:r>
+          </a:p>
+          <a:p>
+            <a:pPr marL="0" indent="0">
+              <a:buNone/>
+            </a:pPr>
+            <a:r>
+              <a:rPr lang="en-US" altLang="ja-JP" sz="2400" dirty="0">
+                <a:solidFill>
+                  <a:srgbClr val="000000"/>
+                </a:solidFill>
+                <a:ea typeface="ＭＳ ゴシック" panose="020B0609070205080204" pitchFamily="49" charset="-128"/>
+              </a:rPr>
+              <a:t>    </a:t>
+            </a:r>
+            <a:r>
+              <a:rPr lang="en-US" altLang="ja-JP" sz="2400" dirty="0" err="1">
+                <a:solidFill>
+                  <a:srgbClr val="000000"/>
+                </a:solidFill>
+                <a:ea typeface="ＭＳ ゴシック" panose="020B0609070205080204" pitchFamily="49" charset="-128"/>
+              </a:rPr>
+              <a:t>cin</a:t>
+            </a:r>
+            <a:r>
+              <a:rPr lang="en-US" altLang="ja-JP" sz="2400" dirty="0">
+                <a:solidFill>
+                  <a:srgbClr val="000000"/>
+                </a:solidFill>
+                <a:ea typeface="ＭＳ ゴシック" panose="020B0609070205080204" pitchFamily="49" charset="-128"/>
+              </a:rPr>
+              <a:t> &gt;&gt; input;</a:t>
+            </a:r>
+            <a:br>
+              <a:rPr lang="en-US" altLang="ja-JP" sz="2400" dirty="0">
+                <a:solidFill>
+                  <a:srgbClr val="000000"/>
+                </a:solidFill>
+                <a:ea typeface="ＭＳ ゴシック" panose="020B0609070205080204" pitchFamily="49" charset="-128"/>
+              </a:rPr>
+            </a:br>
+            <a:r>
+              <a:rPr lang="en-US" altLang="ja-JP" sz="2400" dirty="0">
+                <a:solidFill>
+                  <a:srgbClr val="000000"/>
+                </a:solidFill>
+                <a:ea typeface="ＭＳ ゴシック" panose="020B0609070205080204" pitchFamily="49" charset="-128"/>
+              </a:rPr>
+              <a:t>    if ( *it-&gt;second == input ) {</a:t>
+            </a:r>
+            <a:br>
+              <a:rPr lang="en-US" altLang="ja-JP" sz="2400" dirty="0">
+                <a:solidFill>
+                  <a:srgbClr val="000000"/>
+                </a:solidFill>
+                <a:ea typeface="ＭＳ ゴシック" panose="020B0609070205080204" pitchFamily="49" charset="-128"/>
+              </a:rPr>
+            </a:br>
+            <a:r>
+              <a:rPr lang="en-US" altLang="ja-JP" sz="2400" dirty="0">
+                <a:solidFill>
+                  <a:srgbClr val="000000"/>
+                </a:solidFill>
+                <a:ea typeface="ＭＳ ゴシック" panose="020B0609070205080204" pitchFamily="49" charset="-128"/>
+              </a:rPr>
+              <a:t>        </a:t>
+            </a:r>
+            <a:r>
+              <a:rPr lang="en-US" altLang="ja-JP" sz="2400" dirty="0" err="1">
+                <a:solidFill>
+                  <a:srgbClr val="000000"/>
+                </a:solidFill>
+                <a:ea typeface="ＭＳ ゴシック" panose="020B0609070205080204" pitchFamily="49" charset="-128"/>
+              </a:rPr>
+              <a:t>cout</a:t>
+            </a:r>
+            <a:r>
+              <a:rPr lang="en-US" altLang="ja-JP" sz="2400" dirty="0">
+                <a:solidFill>
+                  <a:srgbClr val="000000"/>
+                </a:solidFill>
+                <a:ea typeface="ＭＳ ゴシック" panose="020B0609070205080204" pitchFamily="49" charset="-128"/>
+              </a:rPr>
+              <a:t> &lt;&lt; “</a:t>
+            </a:r>
+            <a:r>
+              <a:rPr lang="ja-JP" altLang="en-US" sz="2400" dirty="0">
+                <a:solidFill>
+                  <a:srgbClr val="000000"/>
+                </a:solidFill>
+                <a:ea typeface="ＭＳ ゴシック" panose="020B0609070205080204" pitchFamily="49" charset="-128"/>
+              </a:rPr>
+              <a:t>正解</a:t>
+            </a:r>
+            <a:r>
+              <a:rPr lang="en-US" altLang="ja-JP" sz="2400" dirty="0">
+                <a:solidFill>
+                  <a:srgbClr val="000000"/>
+                </a:solidFill>
+                <a:ea typeface="ＭＳ ゴシック" panose="020B0609070205080204" pitchFamily="49" charset="-128"/>
+              </a:rPr>
+              <a:t>” &lt;&lt; </a:t>
+            </a:r>
+            <a:r>
+              <a:rPr lang="en-US" altLang="ja-JP" sz="2400" dirty="0" err="1">
+                <a:solidFill>
+                  <a:srgbClr val="000000"/>
+                </a:solidFill>
+                <a:ea typeface="ＭＳ ゴシック" panose="020B0609070205080204" pitchFamily="49" charset="-128"/>
+              </a:rPr>
+              <a:t>endl</a:t>
+            </a:r>
+            <a:r>
+              <a:rPr lang="en-US" altLang="ja-JP" sz="2400" dirty="0">
+                <a:solidFill>
+                  <a:srgbClr val="000000"/>
+                </a:solidFill>
+                <a:ea typeface="ＭＳ ゴシック" panose="020B0609070205080204" pitchFamily="49" charset="-128"/>
+              </a:rPr>
+              <a:t>;</a:t>
+            </a:r>
+          </a:p>
+          <a:p>
+            <a:pPr marL="0" indent="0">
+              <a:buNone/>
+            </a:pPr>
+            <a:r>
+              <a:rPr lang="en-US" altLang="ja-JP" sz="2400" dirty="0">
+                <a:solidFill>
+                  <a:srgbClr val="00B050"/>
+                </a:solidFill>
+                <a:ea typeface="ＭＳ ゴシック" panose="020B0609070205080204" pitchFamily="49" charset="-128"/>
+              </a:rPr>
+              <a:t>    </a:t>
+            </a:r>
+            <a:r>
+              <a:rPr lang="en-US" altLang="ja-JP" sz="2400" dirty="0">
+                <a:ea typeface="ＭＳ ゴシック" panose="020B0609070205080204" pitchFamily="49" charset="-128"/>
+              </a:rPr>
+              <a:t>} else {</a:t>
+            </a:r>
+          </a:p>
+          <a:p>
+            <a:pPr marL="0" indent="0">
+              <a:buNone/>
+            </a:pPr>
+            <a:r>
+              <a:rPr lang="en-US" altLang="ja-JP" sz="2400" dirty="0">
+                <a:ea typeface="ＭＳ ゴシック" panose="020B0609070205080204" pitchFamily="49" charset="-128"/>
+              </a:rPr>
+              <a:t>        </a:t>
+            </a:r>
+            <a:r>
+              <a:rPr lang="en-US" altLang="ja-JP" sz="2400" dirty="0" err="1">
+                <a:ea typeface="ＭＳ ゴシック" panose="020B0609070205080204" pitchFamily="49" charset="-128"/>
+              </a:rPr>
+              <a:t>cout</a:t>
+            </a:r>
+            <a:r>
+              <a:rPr lang="en-US" altLang="ja-JP" sz="2400" dirty="0">
+                <a:ea typeface="ＭＳ ゴシック" panose="020B0609070205080204" pitchFamily="49" charset="-128"/>
+              </a:rPr>
+              <a:t> &lt;&lt; “</a:t>
+            </a:r>
+            <a:r>
+              <a:rPr lang="ja-JP" altLang="en-US" sz="2400" dirty="0">
+                <a:ea typeface="ＭＳ ゴシック" panose="020B0609070205080204" pitchFamily="49" charset="-128"/>
+              </a:rPr>
+              <a:t>不正解</a:t>
+            </a:r>
+            <a:r>
+              <a:rPr lang="en-US" altLang="ja-JP" sz="2400" dirty="0">
+                <a:ea typeface="ＭＳ ゴシック" panose="020B0609070205080204" pitchFamily="49" charset="-128"/>
+              </a:rPr>
+              <a:t>” &lt;&lt; </a:t>
+            </a:r>
+            <a:r>
+              <a:rPr lang="en-US" altLang="ja-JP" sz="2400" dirty="0" err="1">
+                <a:ea typeface="ＭＳ ゴシック" panose="020B0609070205080204" pitchFamily="49" charset="-128"/>
+              </a:rPr>
+              <a:t>endl</a:t>
+            </a:r>
+            <a:r>
+              <a:rPr lang="en-US" altLang="ja-JP" sz="2400" dirty="0">
+                <a:ea typeface="ＭＳ ゴシック" panose="020B0609070205080204" pitchFamily="49" charset="-128"/>
+              </a:rPr>
+              <a:t>;</a:t>
+            </a:r>
+            <a:br>
+              <a:rPr lang="en-US" altLang="ja-JP" sz="2400" dirty="0">
+                <a:ea typeface="ＭＳ ゴシック" panose="020B0609070205080204" pitchFamily="49" charset="-128"/>
+              </a:rPr>
+            </a:br>
+            <a:r>
+              <a:rPr lang="en-US" altLang="ja-JP" sz="2400" dirty="0">
+                <a:solidFill>
+                  <a:srgbClr val="00B050"/>
+                </a:solidFill>
+                <a:ea typeface="ＭＳ ゴシック" panose="020B0609070205080204" pitchFamily="49" charset="-128"/>
+              </a:rPr>
+              <a:t>    </a:t>
+            </a:r>
+            <a:r>
+              <a:rPr lang="en-US" altLang="ja-JP" sz="2400" dirty="0">
+                <a:solidFill>
+                  <a:srgbClr val="000000"/>
+                </a:solidFill>
+                <a:ea typeface="ＭＳ ゴシック" panose="020B0609070205080204" pitchFamily="49" charset="-128"/>
+              </a:rPr>
+              <a:t>return 0;</a:t>
+            </a:r>
+            <a:br>
+              <a:rPr lang="en-US" altLang="ja-JP" sz="2400" dirty="0">
+                <a:solidFill>
+                  <a:srgbClr val="000000"/>
+                </a:solidFill>
+                <a:ea typeface="ＭＳ ゴシック" panose="020B0609070205080204" pitchFamily="49" charset="-128"/>
+              </a:rPr>
+            </a:br>
+            <a:r>
+              <a:rPr lang="en-US" altLang="ja-JP" sz="2400" dirty="0">
+                <a:solidFill>
+                  <a:srgbClr val="000000"/>
+                </a:solidFill>
+                <a:ea typeface="ＭＳ ゴシック" panose="020B0609070205080204" pitchFamily="49" charset="-128"/>
+              </a:rPr>
+              <a:t>}</a:t>
+            </a:r>
+          </a:p>
+        </p:txBody>
+      </p:sp>
+      <p:sp>
+        <p:nvSpPr>
+          <p:cNvPr id="4" name="テキスト ボックス 3">
+            <a:extLst>
+              <a:ext uri="{FF2B5EF4-FFF2-40B4-BE49-F238E27FC236}">
+                <a16:creationId xmlns:a16="http://schemas.microsoft.com/office/drawing/2014/main" id="{36167C58-0781-4BAB-BAA5-8E3EEFBCFF26}"/>
+              </a:ext>
+            </a:extLst>
+          </p:cNvPr>
+          <p:cNvSpPr txBox="1"/>
+          <p:nvPr/>
+        </p:nvSpPr>
+        <p:spPr>
+          <a:xfrm>
+            <a:off x="7104919" y="639756"/>
+            <a:ext cx="4195379" cy="523220"/>
+          </a:xfrm>
+          <a:prstGeom prst="rect">
+            <a:avLst/>
+          </a:prstGeom>
+          <a:noFill/>
+        </p:spPr>
+        <p:txBody>
+          <a:bodyPr wrap="none" rtlCol="0">
+            <a:spAutoFit/>
+          </a:bodyPr>
+          <a:lstStyle/>
+          <a:p>
+            <a:r>
+              <a:rPr kumimoji="1" lang="en-US" altLang="ja-JP" sz="2800" dirty="0"/>
+              <a:t>PracMap2(main.cpp)</a:t>
+            </a:r>
+            <a:endParaRPr kumimoji="1" lang="ja-JP" altLang="en-US" sz="2800" dirty="0"/>
+          </a:p>
+        </p:txBody>
+      </p:sp>
+    </p:spTree>
+    <p:extLst>
+      <p:ext uri="{BB962C8B-B14F-4D97-AF65-F5344CB8AC3E}">
+        <p14:creationId xmlns:p14="http://schemas.microsoft.com/office/powerpoint/2010/main" val="10598454"/>
       </p:ext>
     </p:extLst>
   </p:cSld>

--- a/授業資料/演習課題：map.pptx
+++ b/授業資料/演習課題：map.pptx
@@ -264,7 +264,7 @@
           <a:p>
             <a:fld id="{5B96D3F8-CD2E-4A0D-AC38-517181EABB18}" type="datetimeFigureOut">
               <a:rPr kumimoji="1" lang="ja-JP" altLang="en-US" smtClean="0"/>
-              <a:t>2024/10/24</a:t>
+              <a:t>2024/10/25</a:t>
             </a:fld>
             <a:endParaRPr kumimoji="1" lang="ja-JP" altLang="en-US"/>
           </a:p>
@@ -466,7 +466,7 @@
           <a:p>
             <a:fld id="{5B96D3F8-CD2E-4A0D-AC38-517181EABB18}" type="datetimeFigureOut">
               <a:rPr kumimoji="1" lang="ja-JP" altLang="en-US" smtClean="0"/>
-              <a:t>2024/10/24</a:t>
+              <a:t>2024/10/25</a:t>
             </a:fld>
             <a:endParaRPr kumimoji="1" lang="ja-JP" altLang="en-US"/>
           </a:p>
@@ -678,7 +678,7 @@
           <a:p>
             <a:fld id="{5B96D3F8-CD2E-4A0D-AC38-517181EABB18}" type="datetimeFigureOut">
               <a:rPr kumimoji="1" lang="ja-JP" altLang="en-US" smtClean="0"/>
-              <a:t>2024/10/24</a:t>
+              <a:t>2024/10/25</a:t>
             </a:fld>
             <a:endParaRPr kumimoji="1" lang="ja-JP" altLang="en-US"/>
           </a:p>
@@ -880,7 +880,7 @@
           <a:p>
             <a:fld id="{5B96D3F8-CD2E-4A0D-AC38-517181EABB18}" type="datetimeFigureOut">
               <a:rPr kumimoji="1" lang="ja-JP" altLang="en-US" smtClean="0"/>
-              <a:t>2024/10/24</a:t>
+              <a:t>2024/10/25</a:t>
             </a:fld>
             <a:endParaRPr kumimoji="1" lang="ja-JP" altLang="en-US"/>
           </a:p>
@@ -1126,7 +1126,7 @@
           <a:p>
             <a:fld id="{5B96D3F8-CD2E-4A0D-AC38-517181EABB18}" type="datetimeFigureOut">
               <a:rPr kumimoji="1" lang="ja-JP" altLang="en-US" smtClean="0"/>
-              <a:t>2024/10/24</a:t>
+              <a:t>2024/10/25</a:t>
             </a:fld>
             <a:endParaRPr kumimoji="1" lang="ja-JP" altLang="en-US"/>
           </a:p>
@@ -1422,7 +1422,7 @@
           <a:p>
             <a:fld id="{5B96D3F8-CD2E-4A0D-AC38-517181EABB18}" type="datetimeFigureOut">
               <a:rPr kumimoji="1" lang="ja-JP" altLang="en-US" smtClean="0"/>
-              <a:t>2024/10/24</a:t>
+              <a:t>2024/10/25</a:t>
             </a:fld>
             <a:endParaRPr kumimoji="1" lang="ja-JP" altLang="en-US"/>
           </a:p>
@@ -1853,7 +1853,7 @@
           <a:p>
             <a:fld id="{5B96D3F8-CD2E-4A0D-AC38-517181EABB18}" type="datetimeFigureOut">
               <a:rPr kumimoji="1" lang="ja-JP" altLang="en-US" smtClean="0"/>
-              <a:t>2024/10/24</a:t>
+              <a:t>2024/10/25</a:t>
             </a:fld>
             <a:endParaRPr kumimoji="1" lang="ja-JP" altLang="en-US"/>
           </a:p>
@@ -1971,7 +1971,7 @@
           <a:p>
             <a:fld id="{5B96D3F8-CD2E-4A0D-AC38-517181EABB18}" type="datetimeFigureOut">
               <a:rPr kumimoji="1" lang="ja-JP" altLang="en-US" smtClean="0"/>
-              <a:t>2024/10/24</a:t>
+              <a:t>2024/10/25</a:t>
             </a:fld>
             <a:endParaRPr kumimoji="1" lang="ja-JP" altLang="en-US"/>
           </a:p>
@@ -2066,7 +2066,7 @@
           <a:p>
             <a:fld id="{5B96D3F8-CD2E-4A0D-AC38-517181EABB18}" type="datetimeFigureOut">
               <a:rPr kumimoji="1" lang="ja-JP" altLang="en-US" smtClean="0"/>
-              <a:t>2024/10/24</a:t>
+              <a:t>2024/10/25</a:t>
             </a:fld>
             <a:endParaRPr kumimoji="1" lang="ja-JP" altLang="en-US"/>
           </a:p>
@@ -2375,7 +2375,7 @@
           <a:p>
             <a:fld id="{5B96D3F8-CD2E-4A0D-AC38-517181EABB18}" type="datetimeFigureOut">
               <a:rPr kumimoji="1" lang="ja-JP" altLang="en-US" smtClean="0"/>
-              <a:t>2024/10/24</a:t>
+              <a:t>2024/10/25</a:t>
             </a:fld>
             <a:endParaRPr kumimoji="1" lang="ja-JP" altLang="en-US"/>
           </a:p>
@@ -2632,7 +2632,7 @@
           <a:p>
             <a:fld id="{5B96D3F8-CD2E-4A0D-AC38-517181EABB18}" type="datetimeFigureOut">
               <a:rPr kumimoji="1" lang="ja-JP" altLang="en-US" smtClean="0"/>
-              <a:t>2024/10/24</a:t>
+              <a:t>2024/10/25</a:t>
             </a:fld>
             <a:endParaRPr kumimoji="1" lang="ja-JP" altLang="en-US"/>
           </a:p>
@@ -2877,7 +2877,7 @@
           <a:p>
             <a:fld id="{5B96D3F8-CD2E-4A0D-AC38-517181EABB18}" type="datetimeFigureOut">
               <a:rPr kumimoji="1" lang="ja-JP" altLang="en-US" smtClean="0"/>
-              <a:t>2024/10/24</a:t>
+              <a:t>2024/10/25</a:t>
             </a:fld>
             <a:endParaRPr kumimoji="1" lang="ja-JP" altLang="en-US"/>
           </a:p>
@@ -7868,7 +7868,7 @@
         <p:spPr>
           <a:xfrm>
             <a:off x="1227588" y="2926799"/>
-            <a:ext cx="10224274" cy="3539430"/>
+            <a:ext cx="10399001" cy="3539430"/>
           </a:xfrm>
           <a:prstGeom prst="rect">
             <a:avLst/>
@@ -7972,7 +7972,7 @@
                 </a:solidFill>
                 <a:ea typeface="ＭＳ ゴシック" panose="020B0609070205080204" pitchFamily="49" charset="-128"/>
               </a:rPr>
-              <a:t>アルゴリズムにメルセンヌツイスターを使う</a:t>
+              <a:t>乱数アルゴリズムにメルセンヌツイスターを指定</a:t>
             </a:r>
             <a:br>
               <a:rPr lang="en-US" altLang="ja-JP" sz="2800" dirty="0">
@@ -8102,7 +8102,7 @@
                 </a:solidFill>
                 <a:ea typeface="ＭＳ ゴシック" panose="020B0609070205080204" pitchFamily="49" charset="-128"/>
               </a:rPr>
-              <a:t>を均等な確率で得る分布生成器</a:t>
+              <a:t>を均等な確率で得る分布生成器作成</a:t>
             </a:r>
             <a:endParaRPr lang="ja-JP" altLang="en-US" sz="2800" dirty="0">
               <a:solidFill>
@@ -9073,7 +9073,7 @@
                 </a:solidFill>
                 <a:ea typeface="ＭＳ ゴシック" panose="020B0609070205080204" pitchFamily="49" charset="-128"/>
               </a:rPr>
-              <a:t>アルゴリズムにメルセンヌツイスターを使う</a:t>
+              <a:t>乱数アルゴリズムにメルセンヌツイスターを指定</a:t>
             </a:r>
             <a:br>
               <a:rPr lang="en-US" altLang="ja-JP" sz="2400" dirty="0">
@@ -9221,16 +9221,7 @@
                 </a:solidFill>
                 <a:ea typeface="ＭＳ ゴシック" panose="020B0609070205080204" pitchFamily="49" charset="-128"/>
               </a:rPr>
-              <a:t>を均等な確率で得る分布生成器</a:t>
-            </a:r>
-            <a:r>
-              <a:rPr lang="ja-JP" altLang="en-US" sz="2400" dirty="0">
-                <a:solidFill>
-                  <a:srgbClr val="000000"/>
-                </a:solidFill>
-                <a:ea typeface="ＭＳ ゴシック" panose="020B0609070205080204" pitchFamily="49" charset="-128"/>
-              </a:rPr>
-              <a:t> </a:t>
+              <a:t>を均等な確率で得る分布生成器を作成</a:t>
             </a:r>
             <a:br>
               <a:rPr lang="en-US" altLang="ja-JP" sz="2400" dirty="0">
@@ -10363,7 +10354,7 @@
                 </a:solidFill>
                 <a:ea typeface="ＭＳ ゴシック" panose="020B0609070205080204" pitchFamily="49" charset="-128"/>
               </a:rPr>
-              <a:t>アルゴリズムにメルセンヌツイスターを使う</a:t>
+              <a:t>乱数アルゴリズムにメルセンヌツイスターを指定</a:t>
             </a:r>
             <a:br>
               <a:rPr lang="en-US" altLang="ja-JP" sz="2400" dirty="0">
@@ -10511,16 +10502,7 @@
                 </a:solidFill>
                 <a:ea typeface="ＭＳ ゴシック" panose="020B0609070205080204" pitchFamily="49" charset="-128"/>
               </a:rPr>
-              <a:t>を均等な確率で得る分布生成器</a:t>
-            </a:r>
-            <a:r>
-              <a:rPr lang="ja-JP" altLang="en-US" sz="2400" dirty="0">
-                <a:solidFill>
-                  <a:srgbClr val="000000"/>
-                </a:solidFill>
-                <a:ea typeface="ＭＳ ゴシック" panose="020B0609070205080204" pitchFamily="49" charset="-128"/>
-              </a:rPr>
-              <a:t> </a:t>
+              <a:t>を均等な確率で得る分布生成器を作成</a:t>
             </a:r>
             <a:br>
               <a:rPr lang="en-US" altLang="ja-JP" sz="2400" dirty="0">
@@ -11405,7 +11387,7 @@
                 </a:solidFill>
                 <a:ea typeface="ＭＳ ゴシック" panose="020B0609070205080204" pitchFamily="49" charset="-128"/>
               </a:rPr>
-              <a:t>    if ( *it-&gt;second == input ) {</a:t>
+              <a:t>    if ( it-&gt;second == input ) {</a:t>
             </a:r>
             <a:br>
               <a:rPr lang="en-US" altLang="ja-JP" sz="2400" dirty="0">

--- a/授業資料/演習課題：map.pptx
+++ b/授業資料/演習課題：map.pptx
@@ -264,7 +264,7 @@
           <a:p>
             <a:fld id="{5B96D3F8-CD2E-4A0D-AC38-517181EABB18}" type="datetimeFigureOut">
               <a:rPr kumimoji="1" lang="ja-JP" altLang="en-US" smtClean="0"/>
-              <a:t>2024/10/25</a:t>
+              <a:t>2024/10/28</a:t>
             </a:fld>
             <a:endParaRPr kumimoji="1" lang="ja-JP" altLang="en-US"/>
           </a:p>
@@ -466,7 +466,7 @@
           <a:p>
             <a:fld id="{5B96D3F8-CD2E-4A0D-AC38-517181EABB18}" type="datetimeFigureOut">
               <a:rPr kumimoji="1" lang="ja-JP" altLang="en-US" smtClean="0"/>
-              <a:t>2024/10/25</a:t>
+              <a:t>2024/10/28</a:t>
             </a:fld>
             <a:endParaRPr kumimoji="1" lang="ja-JP" altLang="en-US"/>
           </a:p>
@@ -678,7 +678,7 @@
           <a:p>
             <a:fld id="{5B96D3F8-CD2E-4A0D-AC38-517181EABB18}" type="datetimeFigureOut">
               <a:rPr kumimoji="1" lang="ja-JP" altLang="en-US" smtClean="0"/>
-              <a:t>2024/10/25</a:t>
+              <a:t>2024/10/28</a:t>
             </a:fld>
             <a:endParaRPr kumimoji="1" lang="ja-JP" altLang="en-US"/>
           </a:p>
@@ -880,7 +880,7 @@
           <a:p>
             <a:fld id="{5B96D3F8-CD2E-4A0D-AC38-517181EABB18}" type="datetimeFigureOut">
               <a:rPr kumimoji="1" lang="ja-JP" altLang="en-US" smtClean="0"/>
-              <a:t>2024/10/25</a:t>
+              <a:t>2024/10/28</a:t>
             </a:fld>
             <a:endParaRPr kumimoji="1" lang="ja-JP" altLang="en-US"/>
           </a:p>
@@ -1126,7 +1126,7 @@
           <a:p>
             <a:fld id="{5B96D3F8-CD2E-4A0D-AC38-517181EABB18}" type="datetimeFigureOut">
               <a:rPr kumimoji="1" lang="ja-JP" altLang="en-US" smtClean="0"/>
-              <a:t>2024/10/25</a:t>
+              <a:t>2024/10/28</a:t>
             </a:fld>
             <a:endParaRPr kumimoji="1" lang="ja-JP" altLang="en-US"/>
           </a:p>
@@ -1422,7 +1422,7 @@
           <a:p>
             <a:fld id="{5B96D3F8-CD2E-4A0D-AC38-517181EABB18}" type="datetimeFigureOut">
               <a:rPr kumimoji="1" lang="ja-JP" altLang="en-US" smtClean="0"/>
-              <a:t>2024/10/25</a:t>
+              <a:t>2024/10/28</a:t>
             </a:fld>
             <a:endParaRPr kumimoji="1" lang="ja-JP" altLang="en-US"/>
           </a:p>
@@ -1853,7 +1853,7 @@
           <a:p>
             <a:fld id="{5B96D3F8-CD2E-4A0D-AC38-517181EABB18}" type="datetimeFigureOut">
               <a:rPr kumimoji="1" lang="ja-JP" altLang="en-US" smtClean="0"/>
-              <a:t>2024/10/25</a:t>
+              <a:t>2024/10/28</a:t>
             </a:fld>
             <a:endParaRPr kumimoji="1" lang="ja-JP" altLang="en-US"/>
           </a:p>
@@ -1971,7 +1971,7 @@
           <a:p>
             <a:fld id="{5B96D3F8-CD2E-4A0D-AC38-517181EABB18}" type="datetimeFigureOut">
               <a:rPr kumimoji="1" lang="ja-JP" altLang="en-US" smtClean="0"/>
-              <a:t>2024/10/25</a:t>
+              <a:t>2024/10/28</a:t>
             </a:fld>
             <a:endParaRPr kumimoji="1" lang="ja-JP" altLang="en-US"/>
           </a:p>
@@ -2066,7 +2066,7 @@
           <a:p>
             <a:fld id="{5B96D3F8-CD2E-4A0D-AC38-517181EABB18}" type="datetimeFigureOut">
               <a:rPr kumimoji="1" lang="ja-JP" altLang="en-US" smtClean="0"/>
-              <a:t>2024/10/25</a:t>
+              <a:t>2024/10/28</a:t>
             </a:fld>
             <a:endParaRPr kumimoji="1" lang="ja-JP" altLang="en-US"/>
           </a:p>
@@ -2375,7 +2375,7 @@
           <a:p>
             <a:fld id="{5B96D3F8-CD2E-4A0D-AC38-517181EABB18}" type="datetimeFigureOut">
               <a:rPr kumimoji="1" lang="ja-JP" altLang="en-US" smtClean="0"/>
-              <a:t>2024/10/25</a:t>
+              <a:t>2024/10/28</a:t>
             </a:fld>
             <a:endParaRPr kumimoji="1" lang="ja-JP" altLang="en-US"/>
           </a:p>
@@ -2632,7 +2632,7 @@
           <a:p>
             <a:fld id="{5B96D3F8-CD2E-4A0D-AC38-517181EABB18}" type="datetimeFigureOut">
               <a:rPr kumimoji="1" lang="ja-JP" altLang="en-US" smtClean="0"/>
-              <a:t>2024/10/25</a:t>
+              <a:t>2024/10/28</a:t>
             </a:fld>
             <a:endParaRPr kumimoji="1" lang="ja-JP" altLang="en-US"/>
           </a:p>
@@ -2877,7 +2877,7 @@
           <a:p>
             <a:fld id="{5B96D3F8-CD2E-4A0D-AC38-517181EABB18}" type="datetimeFigureOut">
               <a:rPr kumimoji="1" lang="ja-JP" altLang="en-US" smtClean="0"/>
-              <a:t>2024/10/25</a:t>
+              <a:t>2024/10/28</a:t>
             </a:fld>
             <a:endParaRPr kumimoji="1" lang="ja-JP" altLang="en-US"/>
           </a:p>
@@ -11794,7 +11794,19 @@
             </a:r>
             <a:r>
               <a:rPr lang="en-US" altLang="ja-JP" dirty="0"/>
-              <a:t>: 30, Atk:30, Def: 5</a:t>
+              <a:t>: 30, </a:t>
+            </a:r>
+            <a:r>
+              <a:rPr lang="en-US" altLang="ja-JP" err="1"/>
+              <a:t>Atk</a:t>
+            </a:r>
+            <a:r>
+              <a:rPr lang="en-US" altLang="ja-JP"/>
+              <a:t>:15, </a:t>
+            </a:r>
+            <a:r>
+              <a:rPr lang="en-US" altLang="ja-JP" dirty="0"/>
+              <a:t>Def: 5</a:t>
             </a:r>
             <a:endParaRPr lang="en-US" altLang="ja-JP" sz="4400" dirty="0"/>
           </a:p>

--- a/授業資料/演習課題：map.pptx
+++ b/授業資料/演習課題：map.pptx
@@ -264,7 +264,7 @@
           <a:p>
             <a:fld id="{5B96D3F8-CD2E-4A0D-AC38-517181EABB18}" type="datetimeFigureOut">
               <a:rPr kumimoji="1" lang="ja-JP" altLang="en-US" smtClean="0"/>
-              <a:t>2024/10/28</a:t>
+              <a:t>2024/10/29</a:t>
             </a:fld>
             <a:endParaRPr kumimoji="1" lang="ja-JP" altLang="en-US"/>
           </a:p>
@@ -466,7 +466,7 @@
           <a:p>
             <a:fld id="{5B96D3F8-CD2E-4A0D-AC38-517181EABB18}" type="datetimeFigureOut">
               <a:rPr kumimoji="1" lang="ja-JP" altLang="en-US" smtClean="0"/>
-              <a:t>2024/10/28</a:t>
+              <a:t>2024/10/29</a:t>
             </a:fld>
             <a:endParaRPr kumimoji="1" lang="ja-JP" altLang="en-US"/>
           </a:p>
@@ -678,7 +678,7 @@
           <a:p>
             <a:fld id="{5B96D3F8-CD2E-4A0D-AC38-517181EABB18}" type="datetimeFigureOut">
               <a:rPr kumimoji="1" lang="ja-JP" altLang="en-US" smtClean="0"/>
-              <a:t>2024/10/28</a:t>
+              <a:t>2024/10/29</a:t>
             </a:fld>
             <a:endParaRPr kumimoji="1" lang="ja-JP" altLang="en-US"/>
           </a:p>
@@ -880,7 +880,7 @@
           <a:p>
             <a:fld id="{5B96D3F8-CD2E-4A0D-AC38-517181EABB18}" type="datetimeFigureOut">
               <a:rPr kumimoji="1" lang="ja-JP" altLang="en-US" smtClean="0"/>
-              <a:t>2024/10/28</a:t>
+              <a:t>2024/10/29</a:t>
             </a:fld>
             <a:endParaRPr kumimoji="1" lang="ja-JP" altLang="en-US"/>
           </a:p>
@@ -1126,7 +1126,7 @@
           <a:p>
             <a:fld id="{5B96D3F8-CD2E-4A0D-AC38-517181EABB18}" type="datetimeFigureOut">
               <a:rPr kumimoji="1" lang="ja-JP" altLang="en-US" smtClean="0"/>
-              <a:t>2024/10/28</a:t>
+              <a:t>2024/10/29</a:t>
             </a:fld>
             <a:endParaRPr kumimoji="1" lang="ja-JP" altLang="en-US"/>
           </a:p>
@@ -1422,7 +1422,7 @@
           <a:p>
             <a:fld id="{5B96D3F8-CD2E-4A0D-AC38-517181EABB18}" type="datetimeFigureOut">
               <a:rPr kumimoji="1" lang="ja-JP" altLang="en-US" smtClean="0"/>
-              <a:t>2024/10/28</a:t>
+              <a:t>2024/10/29</a:t>
             </a:fld>
             <a:endParaRPr kumimoji="1" lang="ja-JP" altLang="en-US"/>
           </a:p>
@@ -1853,7 +1853,7 @@
           <a:p>
             <a:fld id="{5B96D3F8-CD2E-4A0D-AC38-517181EABB18}" type="datetimeFigureOut">
               <a:rPr kumimoji="1" lang="ja-JP" altLang="en-US" smtClean="0"/>
-              <a:t>2024/10/28</a:t>
+              <a:t>2024/10/29</a:t>
             </a:fld>
             <a:endParaRPr kumimoji="1" lang="ja-JP" altLang="en-US"/>
           </a:p>
@@ -1971,7 +1971,7 @@
           <a:p>
             <a:fld id="{5B96D3F8-CD2E-4A0D-AC38-517181EABB18}" type="datetimeFigureOut">
               <a:rPr kumimoji="1" lang="ja-JP" altLang="en-US" smtClean="0"/>
-              <a:t>2024/10/28</a:t>
+              <a:t>2024/10/29</a:t>
             </a:fld>
             <a:endParaRPr kumimoji="1" lang="ja-JP" altLang="en-US"/>
           </a:p>
@@ -2066,7 +2066,7 @@
           <a:p>
             <a:fld id="{5B96D3F8-CD2E-4A0D-AC38-517181EABB18}" type="datetimeFigureOut">
               <a:rPr kumimoji="1" lang="ja-JP" altLang="en-US" smtClean="0"/>
-              <a:t>2024/10/28</a:t>
+              <a:t>2024/10/29</a:t>
             </a:fld>
             <a:endParaRPr kumimoji="1" lang="ja-JP" altLang="en-US"/>
           </a:p>
@@ -2375,7 +2375,7 @@
           <a:p>
             <a:fld id="{5B96D3F8-CD2E-4A0D-AC38-517181EABB18}" type="datetimeFigureOut">
               <a:rPr kumimoji="1" lang="ja-JP" altLang="en-US" smtClean="0"/>
-              <a:t>2024/10/28</a:t>
+              <a:t>2024/10/29</a:t>
             </a:fld>
             <a:endParaRPr kumimoji="1" lang="ja-JP" altLang="en-US"/>
           </a:p>
@@ -2632,7 +2632,7 @@
           <a:p>
             <a:fld id="{5B96D3F8-CD2E-4A0D-AC38-517181EABB18}" type="datetimeFigureOut">
               <a:rPr kumimoji="1" lang="ja-JP" altLang="en-US" smtClean="0"/>
-              <a:t>2024/10/28</a:t>
+              <a:t>2024/10/29</a:t>
             </a:fld>
             <a:endParaRPr kumimoji="1" lang="ja-JP" altLang="en-US"/>
           </a:p>
@@ -2877,7 +2877,7 @@
           <a:p>
             <a:fld id="{5B96D3F8-CD2E-4A0D-AC38-517181EABB18}" type="datetimeFigureOut">
               <a:rPr kumimoji="1" lang="ja-JP" altLang="en-US" smtClean="0"/>
-              <a:t>2024/10/28</a:t>
+              <a:t>2024/10/29</a:t>
             </a:fld>
             <a:endParaRPr kumimoji="1" lang="ja-JP" altLang="en-US"/>
           </a:p>
@@ -11688,7 +11688,7 @@
         <p:spPr/>
         <p:txBody>
           <a:bodyPr>
-            <a:normAutofit/>
+            <a:normAutofit lnSpcReduction="10000"/>
           </a:bodyPr>
           <a:lstStyle/>
           <a:p>
@@ -11763,50 +11763,73 @@
               <a:rPr lang="en-US" altLang="ja-JP" dirty="0"/>
             </a:br>
             <a:r>
+              <a:rPr lang="en-US" altLang="ja-JP" dirty="0">
+                <a:solidFill>
+                  <a:srgbClr val="0070C0"/>
+                </a:solidFill>
+              </a:rPr>
+              <a:t>Name</a:t>
+            </a:r>
+            <a:r>
+              <a:rPr lang="ja-JP" altLang="en-US" dirty="0">
+                <a:solidFill>
+                  <a:srgbClr val="0070C0"/>
+                </a:solidFill>
+              </a:rPr>
+              <a:t>　　　　</a:t>
+            </a:r>
+            <a:r>
+              <a:rPr lang="en-US" altLang="ja-JP" dirty="0">
+                <a:solidFill>
+                  <a:srgbClr val="0070C0"/>
+                </a:solidFill>
+              </a:rPr>
+              <a:t>HP  ATK DEF</a:t>
+            </a:r>
+            <a:br>
               <a:rPr lang="en-US" altLang="ja-JP" dirty="0"/>
-              <a:t>Name: Slime, HP: 10, </a:t>
-            </a:r>
-            <a:r>
-              <a:rPr lang="en-US" altLang="ja-JP" dirty="0" err="1"/>
-              <a:t>Atk</a:t>
-            </a:r>
+            </a:br>
             <a:r>
               <a:rPr lang="en-US" altLang="ja-JP" dirty="0"/>
-              <a:t>: 5, Def: 8</a:t>
-            </a:r>
-            <a:br>
+              <a:t>Slime,	10,	</a:t>
+            </a:r>
+            <a:r>
+              <a:rPr lang="ja-JP" altLang="en-US" dirty="0"/>
+              <a:t>　　</a:t>
+            </a:r>
+            <a:r>
               <a:rPr lang="en-US" altLang="ja-JP" dirty="0"/>
-            </a:br>
-            <a:r>
+              <a:t>5,	8</a:t>
+            </a:r>
+            <a:br>
               <a:rPr lang="en-US" altLang="ja-JP" dirty="0"/>
-              <a:t>Name: Wolf,  HP: 20, Atk:30, Def: 1</a:t>
-            </a:r>
-            <a:br>
+            </a:br>
+            <a:r>
               <a:rPr lang="en-US" altLang="ja-JP" dirty="0"/>
-            </a:br>
+              <a:t>Wolf, 	20,	</a:t>
+            </a:r>
+            <a:r>
+              <a:rPr lang="ja-JP" altLang="en-US" dirty="0"/>
+              <a:t>　</a:t>
+            </a:r>
             <a:r>
               <a:rPr lang="en-US" altLang="ja-JP" dirty="0"/>
-              <a:t>Name: </a:t>
-            </a:r>
-            <a:r>
-              <a:rPr lang="en-US" altLang="ja-JP" dirty="0" err="1"/>
-              <a:t>Spider,HP</a:t>
-            </a:r>
-            <a:r>
+              <a:t>30,	1</a:t>
+            </a:r>
+            <a:br>
               <a:rPr lang="en-US" altLang="ja-JP" dirty="0"/>
-              <a:t>: 30, </a:t>
-            </a:r>
-            <a:r>
-              <a:rPr lang="en-US" altLang="ja-JP" err="1"/>
-              <a:t>Atk</a:t>
-            </a:r>
-            <a:r>
-              <a:rPr lang="en-US" altLang="ja-JP"/>
-              <a:t>:15, </a:t>
-            </a:r>
+            </a:br>
             <a:r>
               <a:rPr lang="en-US" altLang="ja-JP" dirty="0"/>
-              <a:t>Def: 5</a:t>
+              <a:t>Spider,	30,	</a:t>
+            </a:r>
+            <a:r>
+              <a:rPr lang="ja-JP" altLang="en-US" dirty="0"/>
+              <a:t>　</a:t>
+            </a:r>
+            <a:r>
+              <a:rPr lang="en-US" altLang="ja-JP" dirty="0"/>
+              <a:t>15,	5</a:t>
             </a:r>
             <a:endParaRPr lang="en-US" altLang="ja-JP" sz="4400" dirty="0"/>
           </a:p>

--- a/授業資料/演習課題：map.pptx
+++ b/授業資料/演習課題：map.pptx
@@ -264,7 +264,7 @@
           <a:p>
             <a:fld id="{5B96D3F8-CD2E-4A0D-AC38-517181EABB18}" type="datetimeFigureOut">
               <a:rPr kumimoji="1" lang="ja-JP" altLang="en-US" smtClean="0"/>
-              <a:t>2024/10/29</a:t>
+              <a:t>2024/10/30</a:t>
             </a:fld>
             <a:endParaRPr kumimoji="1" lang="ja-JP" altLang="en-US"/>
           </a:p>
@@ -466,7 +466,7 @@
           <a:p>
             <a:fld id="{5B96D3F8-CD2E-4A0D-AC38-517181EABB18}" type="datetimeFigureOut">
               <a:rPr kumimoji="1" lang="ja-JP" altLang="en-US" smtClean="0"/>
-              <a:t>2024/10/29</a:t>
+              <a:t>2024/10/30</a:t>
             </a:fld>
             <a:endParaRPr kumimoji="1" lang="ja-JP" altLang="en-US"/>
           </a:p>
@@ -678,7 +678,7 @@
           <a:p>
             <a:fld id="{5B96D3F8-CD2E-4A0D-AC38-517181EABB18}" type="datetimeFigureOut">
               <a:rPr kumimoji="1" lang="ja-JP" altLang="en-US" smtClean="0"/>
-              <a:t>2024/10/29</a:t>
+              <a:t>2024/10/30</a:t>
             </a:fld>
             <a:endParaRPr kumimoji="1" lang="ja-JP" altLang="en-US"/>
           </a:p>
@@ -880,7 +880,7 @@
           <a:p>
             <a:fld id="{5B96D3F8-CD2E-4A0D-AC38-517181EABB18}" type="datetimeFigureOut">
               <a:rPr kumimoji="1" lang="ja-JP" altLang="en-US" smtClean="0"/>
-              <a:t>2024/10/29</a:t>
+              <a:t>2024/10/30</a:t>
             </a:fld>
             <a:endParaRPr kumimoji="1" lang="ja-JP" altLang="en-US"/>
           </a:p>
@@ -1126,7 +1126,7 @@
           <a:p>
             <a:fld id="{5B96D3F8-CD2E-4A0D-AC38-517181EABB18}" type="datetimeFigureOut">
               <a:rPr kumimoji="1" lang="ja-JP" altLang="en-US" smtClean="0"/>
-              <a:t>2024/10/29</a:t>
+              <a:t>2024/10/30</a:t>
             </a:fld>
             <a:endParaRPr kumimoji="1" lang="ja-JP" altLang="en-US"/>
           </a:p>
@@ -1422,7 +1422,7 @@
           <a:p>
             <a:fld id="{5B96D3F8-CD2E-4A0D-AC38-517181EABB18}" type="datetimeFigureOut">
               <a:rPr kumimoji="1" lang="ja-JP" altLang="en-US" smtClean="0"/>
-              <a:t>2024/10/29</a:t>
+              <a:t>2024/10/30</a:t>
             </a:fld>
             <a:endParaRPr kumimoji="1" lang="ja-JP" altLang="en-US"/>
           </a:p>
@@ -1853,7 +1853,7 @@
           <a:p>
             <a:fld id="{5B96D3F8-CD2E-4A0D-AC38-517181EABB18}" type="datetimeFigureOut">
               <a:rPr kumimoji="1" lang="ja-JP" altLang="en-US" smtClean="0"/>
-              <a:t>2024/10/29</a:t>
+              <a:t>2024/10/30</a:t>
             </a:fld>
             <a:endParaRPr kumimoji="1" lang="ja-JP" altLang="en-US"/>
           </a:p>
@@ -1971,7 +1971,7 @@
           <a:p>
             <a:fld id="{5B96D3F8-CD2E-4A0D-AC38-517181EABB18}" type="datetimeFigureOut">
               <a:rPr kumimoji="1" lang="ja-JP" altLang="en-US" smtClean="0"/>
-              <a:t>2024/10/29</a:t>
+              <a:t>2024/10/30</a:t>
             </a:fld>
             <a:endParaRPr kumimoji="1" lang="ja-JP" altLang="en-US"/>
           </a:p>
@@ -2066,7 +2066,7 @@
           <a:p>
             <a:fld id="{5B96D3F8-CD2E-4A0D-AC38-517181EABB18}" type="datetimeFigureOut">
               <a:rPr kumimoji="1" lang="ja-JP" altLang="en-US" smtClean="0"/>
-              <a:t>2024/10/29</a:t>
+              <a:t>2024/10/30</a:t>
             </a:fld>
             <a:endParaRPr kumimoji="1" lang="ja-JP" altLang="en-US"/>
           </a:p>
@@ -2375,7 +2375,7 @@
           <a:p>
             <a:fld id="{5B96D3F8-CD2E-4A0D-AC38-517181EABB18}" type="datetimeFigureOut">
               <a:rPr kumimoji="1" lang="ja-JP" altLang="en-US" smtClean="0"/>
-              <a:t>2024/10/29</a:t>
+              <a:t>2024/10/30</a:t>
             </a:fld>
             <a:endParaRPr kumimoji="1" lang="ja-JP" altLang="en-US"/>
           </a:p>
@@ -2632,7 +2632,7 @@
           <a:p>
             <a:fld id="{5B96D3F8-CD2E-4A0D-AC38-517181EABB18}" type="datetimeFigureOut">
               <a:rPr kumimoji="1" lang="ja-JP" altLang="en-US" smtClean="0"/>
-              <a:t>2024/10/29</a:t>
+              <a:t>2024/10/30</a:t>
             </a:fld>
             <a:endParaRPr kumimoji="1" lang="ja-JP" altLang="en-US"/>
           </a:p>
@@ -2877,7 +2877,7 @@
           <a:p>
             <a:fld id="{5B96D3F8-CD2E-4A0D-AC38-517181EABB18}" type="datetimeFigureOut">
               <a:rPr kumimoji="1" lang="ja-JP" altLang="en-US" smtClean="0"/>
-              <a:t>2024/10/29</a:t>
+              <a:t>2024/10/30</a:t>
             </a:fld>
             <a:endParaRPr kumimoji="1" lang="ja-JP" altLang="en-US"/>
           </a:p>
@@ -4519,16 +4519,12 @@
           </a:p>
           <a:p>
             <a:r>
-              <a:rPr kumimoji="1" lang="en-US" altLang="ja-JP" b="1"/>
+              <a:rPr kumimoji="1" lang="en-US" altLang="ja-JP" b="1" dirty="0"/>
               <a:t>PracMap2</a:t>
             </a:r>
             <a:r>
-              <a:rPr kumimoji="1" lang="ja-JP" altLang="en-US"/>
-              <a:t>フォルダ内</a:t>
-            </a:r>
-            <a:r>
               <a:rPr kumimoji="1" lang="ja-JP" altLang="en-US" dirty="0"/>
-              <a:t>に </a:t>
+              <a:t>フォルダ内に </a:t>
             </a:r>
             <a:r>
               <a:rPr lang="en-US" altLang="ja-JP" dirty="0"/>
@@ -11107,8 +11103,8 @@
         </p:nvSpPr>
         <p:spPr>
           <a:xfrm>
-            <a:off x="731195" y="1162976"/>
-            <a:ext cx="10893357" cy="4547160"/>
+            <a:off x="649321" y="1155420"/>
+            <a:ext cx="10893357" cy="4761286"/>
           </a:xfrm>
           <a:solidFill>
             <a:schemeClr val="bg1"/>
@@ -11526,6 +11522,23 @@
                 <a:ea typeface="ＭＳ ゴシック" panose="020B0609070205080204" pitchFamily="49" charset="-128"/>
               </a:rPr>
               <a:t>;</a:t>
+            </a:r>
+            <a:br>
+              <a:rPr lang="en-US" altLang="ja-JP" sz="2400" dirty="0">
+                <a:ea typeface="ＭＳ ゴシック" panose="020B0609070205080204" pitchFamily="49" charset="-128"/>
+              </a:rPr>
+            </a:br>
+            <a:r>
+              <a:rPr lang="ja-JP" altLang="en-US" sz="2400" dirty="0">
+                <a:ea typeface="ＭＳ ゴシック" panose="020B0609070205080204" pitchFamily="49" charset="-128"/>
+              </a:rPr>
+              <a:t>    </a:t>
+            </a:r>
+            <a:r>
+              <a:rPr lang="en-US" altLang="ja-JP" sz="2400" dirty="0">
+                <a:ea typeface="ＭＳ ゴシック" panose="020B0609070205080204" pitchFamily="49" charset="-128"/>
+              </a:rPr>
+              <a:t>}</a:t>
             </a:r>
             <a:br>
               <a:rPr lang="en-US" altLang="ja-JP" sz="2400" dirty="0">

--- a/授業資料/演習課題：map.pptx
+++ b/授業資料/演習課題：map.pptx
@@ -264,7 +264,7 @@
           <a:p>
             <a:fld id="{5B96D3F8-CD2E-4A0D-AC38-517181EABB18}" type="datetimeFigureOut">
               <a:rPr kumimoji="1" lang="ja-JP" altLang="en-US" smtClean="0"/>
-              <a:t>2024/10/29</a:t>
+              <a:t>2024/10/30</a:t>
             </a:fld>
             <a:endParaRPr kumimoji="1" lang="ja-JP" altLang="en-US"/>
           </a:p>
@@ -466,7 +466,7 @@
           <a:p>
             <a:fld id="{5B96D3F8-CD2E-4A0D-AC38-517181EABB18}" type="datetimeFigureOut">
               <a:rPr kumimoji="1" lang="ja-JP" altLang="en-US" smtClean="0"/>
-              <a:t>2024/10/29</a:t>
+              <a:t>2024/10/30</a:t>
             </a:fld>
             <a:endParaRPr kumimoji="1" lang="ja-JP" altLang="en-US"/>
           </a:p>
@@ -678,7 +678,7 @@
           <a:p>
             <a:fld id="{5B96D3F8-CD2E-4A0D-AC38-517181EABB18}" type="datetimeFigureOut">
               <a:rPr kumimoji="1" lang="ja-JP" altLang="en-US" smtClean="0"/>
-              <a:t>2024/10/29</a:t>
+              <a:t>2024/10/30</a:t>
             </a:fld>
             <a:endParaRPr kumimoji="1" lang="ja-JP" altLang="en-US"/>
           </a:p>
@@ -880,7 +880,7 @@
           <a:p>
             <a:fld id="{5B96D3F8-CD2E-4A0D-AC38-517181EABB18}" type="datetimeFigureOut">
               <a:rPr kumimoji="1" lang="ja-JP" altLang="en-US" smtClean="0"/>
-              <a:t>2024/10/29</a:t>
+              <a:t>2024/10/30</a:t>
             </a:fld>
             <a:endParaRPr kumimoji="1" lang="ja-JP" altLang="en-US"/>
           </a:p>
@@ -1126,7 +1126,7 @@
           <a:p>
             <a:fld id="{5B96D3F8-CD2E-4A0D-AC38-517181EABB18}" type="datetimeFigureOut">
               <a:rPr kumimoji="1" lang="ja-JP" altLang="en-US" smtClean="0"/>
-              <a:t>2024/10/29</a:t>
+              <a:t>2024/10/30</a:t>
             </a:fld>
             <a:endParaRPr kumimoji="1" lang="ja-JP" altLang="en-US"/>
           </a:p>
@@ -1422,7 +1422,7 @@
           <a:p>
             <a:fld id="{5B96D3F8-CD2E-4A0D-AC38-517181EABB18}" type="datetimeFigureOut">
               <a:rPr kumimoji="1" lang="ja-JP" altLang="en-US" smtClean="0"/>
-              <a:t>2024/10/29</a:t>
+              <a:t>2024/10/30</a:t>
             </a:fld>
             <a:endParaRPr kumimoji="1" lang="ja-JP" altLang="en-US"/>
           </a:p>
@@ -1853,7 +1853,7 @@
           <a:p>
             <a:fld id="{5B96D3F8-CD2E-4A0D-AC38-517181EABB18}" type="datetimeFigureOut">
               <a:rPr kumimoji="1" lang="ja-JP" altLang="en-US" smtClean="0"/>
-              <a:t>2024/10/29</a:t>
+              <a:t>2024/10/30</a:t>
             </a:fld>
             <a:endParaRPr kumimoji="1" lang="ja-JP" altLang="en-US"/>
           </a:p>
@@ -1971,7 +1971,7 @@
           <a:p>
             <a:fld id="{5B96D3F8-CD2E-4A0D-AC38-517181EABB18}" type="datetimeFigureOut">
               <a:rPr kumimoji="1" lang="ja-JP" altLang="en-US" smtClean="0"/>
-              <a:t>2024/10/29</a:t>
+              <a:t>2024/10/30</a:t>
             </a:fld>
             <a:endParaRPr kumimoji="1" lang="ja-JP" altLang="en-US"/>
           </a:p>
@@ -2066,7 +2066,7 @@
           <a:p>
             <a:fld id="{5B96D3F8-CD2E-4A0D-AC38-517181EABB18}" type="datetimeFigureOut">
               <a:rPr kumimoji="1" lang="ja-JP" altLang="en-US" smtClean="0"/>
-              <a:t>2024/10/29</a:t>
+              <a:t>2024/10/30</a:t>
             </a:fld>
             <a:endParaRPr kumimoji="1" lang="ja-JP" altLang="en-US"/>
           </a:p>
@@ -2375,7 +2375,7 @@
           <a:p>
             <a:fld id="{5B96D3F8-CD2E-4A0D-AC38-517181EABB18}" type="datetimeFigureOut">
               <a:rPr kumimoji="1" lang="ja-JP" altLang="en-US" smtClean="0"/>
-              <a:t>2024/10/29</a:t>
+              <a:t>2024/10/30</a:t>
             </a:fld>
             <a:endParaRPr kumimoji="1" lang="ja-JP" altLang="en-US"/>
           </a:p>
@@ -2632,7 +2632,7 @@
           <a:p>
             <a:fld id="{5B96D3F8-CD2E-4A0D-AC38-517181EABB18}" type="datetimeFigureOut">
               <a:rPr kumimoji="1" lang="ja-JP" altLang="en-US" smtClean="0"/>
-              <a:t>2024/10/29</a:t>
+              <a:t>2024/10/30</a:t>
             </a:fld>
             <a:endParaRPr kumimoji="1" lang="ja-JP" altLang="en-US"/>
           </a:p>
@@ -2877,7 +2877,7 @@
           <a:p>
             <a:fld id="{5B96D3F8-CD2E-4A0D-AC38-517181EABB18}" type="datetimeFigureOut">
               <a:rPr kumimoji="1" lang="ja-JP" altLang="en-US" smtClean="0"/>
-              <a:t>2024/10/29</a:t>
+              <a:t>2024/10/30</a:t>
             </a:fld>
             <a:endParaRPr kumimoji="1" lang="ja-JP" altLang="en-US"/>
           </a:p>
@@ -11370,7 +11370,16 @@
                 </a:solidFill>
                 <a:ea typeface="ＭＳ ゴシック" panose="020B0609070205080204" pitchFamily="49" charset="-128"/>
               </a:rPr>
-              <a:t> &gt;&gt; input;</a:t>
+              <a:t> &gt;&gt; </a:t>
+            </a:r>
+            <a:r>
+              <a:rPr lang="en-US" altLang="ja-JP" sz="2400">
+                <a:solidFill>
+                  <a:srgbClr val="000000"/>
+                </a:solidFill>
+                <a:ea typeface="ＭＳ ゴシック" panose="020B0609070205080204" pitchFamily="49" charset="-128"/>
+              </a:rPr>
+              <a:t>input;</a:t>
             </a:r>
             <a:br>
               <a:rPr lang="en-US" altLang="ja-JP" sz="2400" dirty="0">

--- a/授業資料/演習課題：map.pptx
+++ b/授業資料/演習課題：map.pptx
@@ -264,7 +264,7 @@
           <a:p>
             <a:fld id="{5B96D3F8-CD2E-4A0D-AC38-517181EABB18}" type="datetimeFigureOut">
               <a:rPr kumimoji="1" lang="ja-JP" altLang="en-US" smtClean="0"/>
-              <a:t>2024/10/30</a:t>
+              <a:t>2024/10/31</a:t>
             </a:fld>
             <a:endParaRPr kumimoji="1" lang="ja-JP" altLang="en-US"/>
           </a:p>
@@ -466,7 +466,7 @@
           <a:p>
             <a:fld id="{5B96D3F8-CD2E-4A0D-AC38-517181EABB18}" type="datetimeFigureOut">
               <a:rPr kumimoji="1" lang="ja-JP" altLang="en-US" smtClean="0"/>
-              <a:t>2024/10/30</a:t>
+              <a:t>2024/10/31</a:t>
             </a:fld>
             <a:endParaRPr kumimoji="1" lang="ja-JP" altLang="en-US"/>
           </a:p>
@@ -678,7 +678,7 @@
           <a:p>
             <a:fld id="{5B96D3F8-CD2E-4A0D-AC38-517181EABB18}" type="datetimeFigureOut">
               <a:rPr kumimoji="1" lang="ja-JP" altLang="en-US" smtClean="0"/>
-              <a:t>2024/10/30</a:t>
+              <a:t>2024/10/31</a:t>
             </a:fld>
             <a:endParaRPr kumimoji="1" lang="ja-JP" altLang="en-US"/>
           </a:p>
@@ -880,7 +880,7 @@
           <a:p>
             <a:fld id="{5B96D3F8-CD2E-4A0D-AC38-517181EABB18}" type="datetimeFigureOut">
               <a:rPr kumimoji="1" lang="ja-JP" altLang="en-US" smtClean="0"/>
-              <a:t>2024/10/30</a:t>
+              <a:t>2024/10/31</a:t>
             </a:fld>
             <a:endParaRPr kumimoji="1" lang="ja-JP" altLang="en-US"/>
           </a:p>
@@ -1126,7 +1126,7 @@
           <a:p>
             <a:fld id="{5B96D3F8-CD2E-4A0D-AC38-517181EABB18}" type="datetimeFigureOut">
               <a:rPr kumimoji="1" lang="ja-JP" altLang="en-US" smtClean="0"/>
-              <a:t>2024/10/30</a:t>
+              <a:t>2024/10/31</a:t>
             </a:fld>
             <a:endParaRPr kumimoji="1" lang="ja-JP" altLang="en-US"/>
           </a:p>
@@ -1422,7 +1422,7 @@
           <a:p>
             <a:fld id="{5B96D3F8-CD2E-4A0D-AC38-517181EABB18}" type="datetimeFigureOut">
               <a:rPr kumimoji="1" lang="ja-JP" altLang="en-US" smtClean="0"/>
-              <a:t>2024/10/30</a:t>
+              <a:t>2024/10/31</a:t>
             </a:fld>
             <a:endParaRPr kumimoji="1" lang="ja-JP" altLang="en-US"/>
           </a:p>
@@ -1853,7 +1853,7 @@
           <a:p>
             <a:fld id="{5B96D3F8-CD2E-4A0D-AC38-517181EABB18}" type="datetimeFigureOut">
               <a:rPr kumimoji="1" lang="ja-JP" altLang="en-US" smtClean="0"/>
-              <a:t>2024/10/30</a:t>
+              <a:t>2024/10/31</a:t>
             </a:fld>
             <a:endParaRPr kumimoji="1" lang="ja-JP" altLang="en-US"/>
           </a:p>
@@ -1971,7 +1971,7 @@
           <a:p>
             <a:fld id="{5B96D3F8-CD2E-4A0D-AC38-517181EABB18}" type="datetimeFigureOut">
               <a:rPr kumimoji="1" lang="ja-JP" altLang="en-US" smtClean="0"/>
-              <a:t>2024/10/30</a:t>
+              <a:t>2024/10/31</a:t>
             </a:fld>
             <a:endParaRPr kumimoji="1" lang="ja-JP" altLang="en-US"/>
           </a:p>
@@ -2066,7 +2066,7 @@
           <a:p>
             <a:fld id="{5B96D3F8-CD2E-4A0D-AC38-517181EABB18}" type="datetimeFigureOut">
               <a:rPr kumimoji="1" lang="ja-JP" altLang="en-US" smtClean="0"/>
-              <a:t>2024/10/30</a:t>
+              <a:t>2024/10/31</a:t>
             </a:fld>
             <a:endParaRPr kumimoji="1" lang="ja-JP" altLang="en-US"/>
           </a:p>
@@ -2375,7 +2375,7 @@
           <a:p>
             <a:fld id="{5B96D3F8-CD2E-4A0D-AC38-517181EABB18}" type="datetimeFigureOut">
               <a:rPr kumimoji="1" lang="ja-JP" altLang="en-US" smtClean="0"/>
-              <a:t>2024/10/30</a:t>
+              <a:t>2024/10/31</a:t>
             </a:fld>
             <a:endParaRPr kumimoji="1" lang="ja-JP" altLang="en-US"/>
           </a:p>
@@ -2632,7 +2632,7 @@
           <a:p>
             <a:fld id="{5B96D3F8-CD2E-4A0D-AC38-517181EABB18}" type="datetimeFigureOut">
               <a:rPr kumimoji="1" lang="ja-JP" altLang="en-US" smtClean="0"/>
-              <a:t>2024/10/30</a:t>
+              <a:t>2024/10/31</a:t>
             </a:fld>
             <a:endParaRPr kumimoji="1" lang="ja-JP" altLang="en-US"/>
           </a:p>
@@ -2877,7 +2877,7 @@
           <a:p>
             <a:fld id="{5B96D3F8-CD2E-4A0D-AC38-517181EABB18}" type="datetimeFigureOut">
               <a:rPr kumimoji="1" lang="ja-JP" altLang="en-US" smtClean="0"/>
-              <a:t>2024/10/30</a:t>
+              <a:t>2024/10/31</a:t>
             </a:fld>
             <a:endParaRPr kumimoji="1" lang="ja-JP" altLang="en-US"/>
           </a:p>
@@ -8968,7 +8968,7 @@
             <a:r>
               <a:rPr lang="en-US" altLang="ja-JP" sz="2400" dirty="0">
                 <a:solidFill>
-                  <a:srgbClr val="008000"/>
+                  <a:srgbClr val="92D050"/>
                 </a:solidFill>
                 <a:ea typeface="ＭＳ ゴシック" panose="020B0609070205080204" pitchFamily="49" charset="-128"/>
               </a:rPr>
@@ -8977,7 +8977,7 @@
             <a:r>
               <a:rPr lang="ja-JP" altLang="en-US" sz="2400" dirty="0">
                 <a:solidFill>
-                  <a:srgbClr val="008000"/>
+                  <a:srgbClr val="92D050"/>
                 </a:solidFill>
                 <a:ea typeface="ＭＳ ゴシック" panose="020B0609070205080204" pitchFamily="49" charset="-128"/>
               </a:rPr>
@@ -9056,7 +9056,7 @@
             <a:r>
               <a:rPr lang="en-US" altLang="ja-JP" sz="2400" dirty="0">
                 <a:solidFill>
-                  <a:srgbClr val="008000"/>
+                  <a:srgbClr val="92D050"/>
                 </a:solidFill>
                 <a:ea typeface="ＭＳ ゴシック" panose="020B0609070205080204" pitchFamily="49" charset="-128"/>
               </a:rPr>
@@ -9065,7 +9065,7 @@
             <a:r>
               <a:rPr lang="ja-JP" altLang="en-US" sz="2400" dirty="0">
                 <a:solidFill>
-                  <a:srgbClr val="008000"/>
+                  <a:srgbClr val="92D050"/>
                 </a:solidFill>
                 <a:ea typeface="ＭＳ ゴシック" panose="020B0609070205080204" pitchFamily="49" charset="-128"/>
               </a:rPr>
@@ -9168,7 +9168,7 @@
             <a:r>
               <a:rPr lang="en-US" altLang="ja-JP" sz="2400" dirty="0">
                 <a:solidFill>
-                  <a:srgbClr val="008000"/>
+                  <a:srgbClr val="92D050"/>
                 </a:solidFill>
                 <a:ea typeface="ＭＳ ゴシック" panose="020B0609070205080204" pitchFamily="49" charset="-128"/>
               </a:rPr>
@@ -9177,7 +9177,7 @@
             <a:r>
               <a:rPr lang="ja-JP" altLang="en-US" sz="2400" dirty="0">
                 <a:solidFill>
-                  <a:srgbClr val="008000"/>
+                  <a:srgbClr val="92D050"/>
                 </a:solidFill>
                 <a:ea typeface="ＭＳ ゴシック" panose="020B0609070205080204" pitchFamily="49" charset="-128"/>
               </a:rPr>
@@ -9186,7 +9186,7 @@
             <a:r>
               <a:rPr lang="en-US" altLang="ja-JP" sz="2400" dirty="0">
                 <a:solidFill>
-                  <a:srgbClr val="008000"/>
+                  <a:srgbClr val="92D050"/>
                 </a:solidFill>
                 <a:ea typeface="ＭＳ ゴシック" panose="020B0609070205080204" pitchFamily="49" charset="-128"/>
               </a:rPr>
@@ -9195,7 +9195,7 @@
             <a:r>
               <a:rPr lang="ja-JP" altLang="en-US" sz="2400" dirty="0">
                 <a:solidFill>
-                  <a:srgbClr val="008000"/>
+                  <a:srgbClr val="92D050"/>
                 </a:solidFill>
                 <a:ea typeface="ＭＳ ゴシック" panose="020B0609070205080204" pitchFamily="49" charset="-128"/>
               </a:rPr>
@@ -9204,7 +9204,7 @@
             <a:r>
               <a:rPr lang="en-US" altLang="ja-JP" sz="2400" dirty="0">
                 <a:solidFill>
-                  <a:srgbClr val="008000"/>
+                  <a:srgbClr val="92D050"/>
                 </a:solidFill>
                 <a:ea typeface="ＭＳ ゴシック" panose="020B0609070205080204" pitchFamily="49" charset="-128"/>
               </a:rPr>
@@ -9213,7 +9213,7 @@
             <a:r>
               <a:rPr lang="ja-JP" altLang="en-US" sz="2400" dirty="0">
                 <a:solidFill>
-                  <a:srgbClr val="008000"/>
+                  <a:srgbClr val="92D050"/>
                 </a:solidFill>
                 <a:ea typeface="ＭＳ ゴシック" panose="020B0609070205080204" pitchFamily="49" charset="-128"/>
               </a:rPr>
@@ -10201,7 +10201,7 @@
         <p:spPr>
           <a:xfrm>
             <a:off x="731195" y="1162976"/>
-            <a:ext cx="10893357" cy="5626930"/>
+            <a:ext cx="10893357" cy="4294241"/>
           </a:xfrm>
           <a:solidFill>
             <a:schemeClr val="bg1"/>
@@ -10247,57 +10247,93 @@
               <a:t>    </a:t>
             </a:r>
             <a:r>
-              <a:rPr lang="en-US" altLang="ja-JP" sz="2400" dirty="0">
-                <a:solidFill>
-                  <a:srgbClr val="008000"/>
-                </a:solidFill>
-                <a:ea typeface="ＭＳ ゴシック" panose="020B0609070205080204" pitchFamily="49" charset="-128"/>
-              </a:rPr>
-              <a:t>//</a:t>
+              <a:rPr lang="en-US" altLang="ja-JP" sz="2400" dirty="0" err="1">
+                <a:solidFill>
+                  <a:srgbClr val="FF0000"/>
+                </a:solidFill>
+                <a:ea typeface="ＭＳ ゴシック" panose="020B0609070205080204" pitchFamily="49" charset="-128"/>
+              </a:rPr>
+              <a:t>random_device</a:t>
+            </a:r>
+            <a:r>
+              <a:rPr lang="en-US" altLang="ja-JP" sz="2400" dirty="0">
+                <a:solidFill>
+                  <a:srgbClr val="FF0000"/>
+                </a:solidFill>
+                <a:ea typeface="ＭＳ ゴシック" panose="020B0609070205080204" pitchFamily="49" charset="-128"/>
+              </a:rPr>
+              <a:t> </a:t>
+            </a:r>
+            <a:r>
+              <a:rPr lang="en-US" altLang="ja-JP" sz="2400" dirty="0" err="1">
+                <a:solidFill>
+                  <a:srgbClr val="000000"/>
+                </a:solidFill>
+                <a:ea typeface="ＭＳ ゴシック" panose="020B0609070205080204" pitchFamily="49" charset="-128"/>
+              </a:rPr>
+              <a:t>rand_dev</a:t>
+            </a:r>
+            <a:r>
+              <a:rPr lang="en-US" altLang="ja-JP" sz="2400" dirty="0">
+                <a:solidFill>
+                  <a:srgbClr val="000000"/>
+                </a:solidFill>
+                <a:ea typeface="ＭＳ ゴシック" panose="020B0609070205080204" pitchFamily="49" charset="-128"/>
+              </a:rPr>
+              <a:t>{};</a:t>
+            </a:r>
+            <a:br>
+              <a:rPr lang="en-US" altLang="ja-JP" sz="2400" dirty="0">
+                <a:solidFill>
+                  <a:srgbClr val="2B91AF"/>
+                </a:solidFill>
+                <a:ea typeface="ＭＳ ゴシック" panose="020B0609070205080204" pitchFamily="49" charset="-128"/>
+              </a:rPr>
+            </a:br>
+            <a:r>
+              <a:rPr lang="en-US" altLang="ja-JP" sz="2400" dirty="0">
+                <a:solidFill>
+                  <a:srgbClr val="2B91AF"/>
+                </a:solidFill>
+                <a:ea typeface="ＭＳ ゴシック" panose="020B0609070205080204" pitchFamily="49" charset="-128"/>
+              </a:rPr>
+              <a:t>    </a:t>
+            </a:r>
+            <a:r>
+              <a:rPr lang="en-US" altLang="ja-JP" sz="2400" dirty="0">
+                <a:solidFill>
+                  <a:srgbClr val="FF0000"/>
+                </a:solidFill>
+                <a:ea typeface="ＭＳ ゴシック" panose="020B0609070205080204" pitchFamily="49" charset="-128"/>
+              </a:rPr>
+              <a:t>mt19937</a:t>
             </a:r>
             <a:r>
               <a:rPr lang="ja-JP" altLang="en-US" sz="2400" dirty="0">
                 <a:solidFill>
-                  <a:srgbClr val="008000"/>
-                </a:solidFill>
-                <a:ea typeface="ＭＳ ゴシック" panose="020B0609070205080204" pitchFamily="49" charset="-128"/>
-              </a:rPr>
-              <a:t>乱数生成器を作成</a:t>
-            </a:r>
-            <a:br>
-              <a:rPr lang="en-US" altLang="ja-JP" sz="2400" dirty="0">
-                <a:solidFill>
-                  <a:srgbClr val="000000"/>
-                </a:solidFill>
-                <a:ea typeface="ＭＳ ゴシック" panose="020B0609070205080204" pitchFamily="49" charset="-128"/>
-              </a:rPr>
-            </a:br>
-            <a:r>
-              <a:rPr lang="en-US" altLang="ja-JP" sz="2400" dirty="0">
-                <a:solidFill>
-                  <a:srgbClr val="000000"/>
-                </a:solidFill>
-                <a:ea typeface="ＭＳ ゴシック" panose="020B0609070205080204" pitchFamily="49" charset="-128"/>
-              </a:rPr>
-              <a:t>    </a:t>
+                  <a:srgbClr val="000000"/>
+                </a:solidFill>
+                <a:ea typeface="ＭＳ ゴシック" panose="020B0609070205080204" pitchFamily="49" charset="-128"/>
+              </a:rPr>
+              <a:t> </a:t>
             </a:r>
             <a:r>
               <a:rPr lang="en-US" altLang="ja-JP" sz="2400" dirty="0" err="1">
                 <a:solidFill>
-                  <a:srgbClr val="FF0000"/>
-                </a:solidFill>
-                <a:ea typeface="ＭＳ ゴシック" panose="020B0609070205080204" pitchFamily="49" charset="-128"/>
-              </a:rPr>
-              <a:t>random_device</a:t>
-            </a:r>
-            <a:r>
-              <a:rPr lang="en-US" altLang="ja-JP" sz="2400" dirty="0">
-                <a:solidFill>
-                  <a:srgbClr val="FF0000"/>
-                </a:solidFill>
-                <a:ea typeface="ＭＳ ゴシック" panose="020B0609070205080204" pitchFamily="49" charset="-128"/>
-              </a:rPr>
-              <a:t> </a:t>
+                  <a:srgbClr val="000000"/>
+                </a:solidFill>
+                <a:ea typeface="ＭＳ ゴシック" panose="020B0609070205080204" pitchFamily="49" charset="-128"/>
+              </a:rPr>
+              <a:t>rand_engine</a:t>
+            </a:r>
+            <a:r>
+              <a:rPr lang="en-US" altLang="ja-JP" sz="2400" dirty="0">
+                <a:solidFill>
+                  <a:srgbClr val="000000"/>
+                </a:solidFill>
+                <a:ea typeface="ＭＳ ゴシック" panose="020B0609070205080204" pitchFamily="49" charset="-128"/>
+              </a:rPr>
+              <a:t>(</a:t>
             </a:r>
             <a:r>
               <a:rPr lang="en-US" altLang="ja-JP" sz="2400" dirty="0" err="1">
@@ -10310,112 +10346,6 @@
             </a:r>
             <a:r>
               <a:rPr lang="en-US" altLang="ja-JP" sz="2400" dirty="0">
-                <a:solidFill>
-                  <a:srgbClr val="000000"/>
-                </a:solidFill>
-                <a:ea typeface="ＭＳ ゴシック" panose="020B0609070205080204" pitchFamily="49" charset="-128"/>
-              </a:rPr>
-              <a:t>{};</a:t>
-            </a:r>
-            <a:br>
-              <a:rPr lang="en-US" altLang="ja-JP" sz="2400" dirty="0">
-                <a:solidFill>
-                  <a:srgbClr val="000000"/>
-                </a:solidFill>
-                <a:ea typeface="ＭＳ ゴシック" panose="020B0609070205080204" pitchFamily="49" charset="-128"/>
-              </a:rPr>
-            </a:br>
-            <a:r>
-              <a:rPr lang="ja-JP" altLang="en-US" sz="2400" dirty="0">
-                <a:solidFill>
-                  <a:srgbClr val="000000"/>
-                </a:solidFill>
-                <a:ea typeface="ＭＳ ゴシック" panose="020B0609070205080204" pitchFamily="49" charset="-128"/>
-              </a:rPr>
-              <a:t>    </a:t>
-            </a:r>
-            <a:r>
-              <a:rPr lang="en-US" altLang="ja-JP" sz="2400" dirty="0">
-                <a:solidFill>
-                  <a:srgbClr val="008000"/>
-                </a:solidFill>
-                <a:ea typeface="ＭＳ ゴシック" panose="020B0609070205080204" pitchFamily="49" charset="-128"/>
-              </a:rPr>
-              <a:t>//</a:t>
-            </a:r>
-            <a:r>
-              <a:rPr lang="ja-JP" altLang="en-US" sz="2400" dirty="0">
-                <a:solidFill>
-                  <a:srgbClr val="008000"/>
-                </a:solidFill>
-                <a:ea typeface="ＭＳ ゴシック" panose="020B0609070205080204" pitchFamily="49" charset="-128"/>
-              </a:rPr>
-              <a:t>乱数アルゴリズムにメルセンヌツイスターを指定</a:t>
-            </a:r>
-            <a:br>
-              <a:rPr lang="en-US" altLang="ja-JP" sz="2400" dirty="0">
-                <a:solidFill>
-                  <a:srgbClr val="2B91AF"/>
-                </a:solidFill>
-                <a:ea typeface="ＭＳ ゴシック" panose="020B0609070205080204" pitchFamily="49" charset="-128"/>
-              </a:rPr>
-            </a:br>
-            <a:r>
-              <a:rPr lang="en-US" altLang="ja-JP" sz="2400" dirty="0">
-                <a:solidFill>
-                  <a:srgbClr val="2B91AF"/>
-                </a:solidFill>
-                <a:ea typeface="ＭＳ ゴシック" panose="020B0609070205080204" pitchFamily="49" charset="-128"/>
-              </a:rPr>
-              <a:t>    </a:t>
-            </a:r>
-            <a:r>
-              <a:rPr lang="en-US" altLang="ja-JP" sz="2400" dirty="0">
-                <a:solidFill>
-                  <a:srgbClr val="FF0000"/>
-                </a:solidFill>
-                <a:ea typeface="ＭＳ ゴシック" panose="020B0609070205080204" pitchFamily="49" charset="-128"/>
-              </a:rPr>
-              <a:t>mt19937</a:t>
-            </a:r>
-            <a:r>
-              <a:rPr lang="ja-JP" altLang="en-US" sz="2400" dirty="0">
-                <a:solidFill>
-                  <a:srgbClr val="000000"/>
-                </a:solidFill>
-                <a:ea typeface="ＭＳ ゴシック" panose="020B0609070205080204" pitchFamily="49" charset="-128"/>
-              </a:rPr>
-              <a:t> </a:t>
-            </a:r>
-            <a:r>
-              <a:rPr lang="en-US" altLang="ja-JP" sz="2400" dirty="0" err="1">
-                <a:solidFill>
-                  <a:srgbClr val="000000"/>
-                </a:solidFill>
-                <a:ea typeface="ＭＳ ゴシック" panose="020B0609070205080204" pitchFamily="49" charset="-128"/>
-              </a:rPr>
-              <a:t>rand_engine</a:t>
-            </a:r>
-            <a:r>
-              <a:rPr lang="en-US" altLang="ja-JP" sz="2400" dirty="0">
-                <a:solidFill>
-                  <a:srgbClr val="000000"/>
-                </a:solidFill>
-                <a:ea typeface="ＭＳ ゴシック" panose="020B0609070205080204" pitchFamily="49" charset="-128"/>
-              </a:rPr>
-              <a:t>(</a:t>
-            </a:r>
-            <a:r>
-              <a:rPr lang="en-US" altLang="ja-JP" sz="2400" dirty="0" err="1">
-                <a:solidFill>
-                  <a:srgbClr val="000000"/>
-                </a:solidFill>
-                <a:ea typeface="ＭＳ ゴシック" panose="020B0609070205080204" pitchFamily="49" charset="-128"/>
-              </a:rPr>
-              <a:t>rand_dev</a:t>
-            </a:r>
-            <a:r>
-              <a:rPr lang="en-US" altLang="ja-JP" sz="2400" dirty="0">
                 <a:ea typeface="ＭＳ ゴシック" panose="020B0609070205080204" pitchFamily="49" charset="-128"/>
               </a:rPr>
               <a:t>()</a:t>
@@ -10428,77 +10358,6 @@
                 <a:ea typeface="ＭＳ ゴシック" panose="020B0609070205080204" pitchFamily="49" charset="-128"/>
               </a:rPr>
               <a:t>);</a:t>
-            </a:r>
-            <a:br>
-              <a:rPr lang="en-US" altLang="ja-JP" sz="2400" dirty="0">
-                <a:solidFill>
-                  <a:srgbClr val="000000"/>
-                </a:solidFill>
-                <a:ea typeface="ＭＳ ゴシック" panose="020B0609070205080204" pitchFamily="49" charset="-128"/>
-              </a:rPr>
-            </a:br>
-            <a:r>
-              <a:rPr lang="en-US" altLang="ja-JP" sz="2400" dirty="0">
-                <a:solidFill>
-                  <a:srgbClr val="000000"/>
-                </a:solidFill>
-                <a:ea typeface="ＭＳ ゴシック" panose="020B0609070205080204" pitchFamily="49" charset="-128"/>
-              </a:rPr>
-              <a:t>    </a:t>
-            </a:r>
-            <a:r>
-              <a:rPr lang="en-US" altLang="ja-JP" sz="2400" dirty="0">
-                <a:solidFill>
-                  <a:srgbClr val="008000"/>
-                </a:solidFill>
-                <a:ea typeface="ＭＳ ゴシック" panose="020B0609070205080204" pitchFamily="49" charset="-128"/>
-              </a:rPr>
-              <a:t>// 0</a:t>
-            </a:r>
-            <a:r>
-              <a:rPr lang="ja-JP" altLang="en-US" sz="2400" dirty="0">
-                <a:solidFill>
-                  <a:srgbClr val="008000"/>
-                </a:solidFill>
-                <a:ea typeface="ＭＳ ゴシック" panose="020B0609070205080204" pitchFamily="49" charset="-128"/>
-              </a:rPr>
-              <a:t>～</a:t>
-            </a:r>
-            <a:r>
-              <a:rPr lang="en-US" altLang="ja-JP" sz="2400" dirty="0">
-                <a:solidFill>
-                  <a:srgbClr val="008000"/>
-                </a:solidFill>
-                <a:ea typeface="ＭＳ ゴシック" panose="020B0609070205080204" pitchFamily="49" charset="-128"/>
-              </a:rPr>
-              <a:t>(map</a:t>
-            </a:r>
-            <a:r>
-              <a:rPr lang="ja-JP" altLang="en-US" sz="2400" dirty="0">
-                <a:solidFill>
-                  <a:srgbClr val="008000"/>
-                </a:solidFill>
-                <a:ea typeface="ＭＳ ゴシック" panose="020B0609070205080204" pitchFamily="49" charset="-128"/>
-              </a:rPr>
-              <a:t>の要素数</a:t>
-            </a:r>
-            <a:r>
-              <a:rPr lang="en-US" altLang="ja-JP" sz="2400" dirty="0">
-                <a:solidFill>
-                  <a:srgbClr val="008000"/>
-                </a:solidFill>
-                <a:ea typeface="ＭＳ ゴシック" panose="020B0609070205080204" pitchFamily="49" charset="-128"/>
-              </a:rPr>
-              <a:t>)-1 </a:t>
-            </a:r>
-            <a:r>
-              <a:rPr lang="ja-JP" altLang="en-US" sz="2400" dirty="0">
-                <a:solidFill>
-                  <a:srgbClr val="008000"/>
-                </a:solidFill>
-                <a:ea typeface="ＭＳ ゴシック" panose="020B0609070205080204" pitchFamily="49" charset="-128"/>
-              </a:rPr>
-              <a:t>を均等な確率で得る分布生成器を作成</a:t>
             </a:r>
             <a:br>
               <a:rPr lang="en-US" altLang="ja-JP" sz="2400" dirty="0">
